--- a/CS179E-final-pre-small.pptx
+++ b/CS179E-final-pre-small.pptx
@@ -27,8 +27,10 @@
     <p:sldId id="290" r:id="rId21"/>
     <p:sldId id="280" r:id="rId22"/>
     <p:sldId id="281" r:id="rId23"/>
-    <p:sldId id="258" r:id="rId24"/>
-    <p:sldId id="259" r:id="rId25"/>
+    <p:sldId id="282" r:id="rId24"/>
+    <p:sldId id="283" r:id="rId25"/>
+    <p:sldId id="258" r:id="rId26"/>
+    <p:sldId id="259" r:id="rId27"/>
   </p:sldIdLst>
   <p:sldSz cx="12192000" cy="6858000"/>
   <p:notesSz cx="6858000" cy="9144000"/>
@@ -324,7 +326,7 @@
             <a:fld id="{B61BEF0D-F0BB-DE4B-95CE-6DB70DBA9567}" type="datetimeFigureOut">
               <a:rPr lang="en-US" dirty="0"/>
               <a:pPr/>
-              <a:t>3/15/2019</a:t>
+              <a:t>3/16/2019</a:t>
             </a:fld>
             <a:endParaRPr lang="en-US" dirty="0"/>
           </a:p>
@@ -659,7 +661,7 @@
             <a:fld id="{B61BEF0D-F0BB-DE4B-95CE-6DB70DBA9567}" type="datetimeFigureOut">
               <a:rPr lang="en-US" dirty="0"/>
               <a:pPr/>
-              <a:t>3/15/2019</a:t>
+              <a:t>3/16/2019</a:t>
             </a:fld>
             <a:endParaRPr lang="en-US" dirty="0"/>
           </a:p>
@@ -1057,7 +1059,7 @@
             <a:fld id="{B61BEF0D-F0BB-DE4B-95CE-6DB70DBA9567}" type="datetimeFigureOut">
               <a:rPr lang="en-US" dirty="0"/>
               <a:pPr/>
-              <a:t>3/15/2019</a:t>
+              <a:t>3/16/2019</a:t>
             </a:fld>
             <a:endParaRPr lang="en-US" dirty="0"/>
           </a:p>
@@ -1389,7 +1391,7 @@
             <a:fld id="{B61BEF0D-F0BB-DE4B-95CE-6DB70DBA9567}" type="datetimeFigureOut">
               <a:rPr lang="en-US" dirty="0"/>
               <a:pPr/>
-              <a:t>3/15/2019</a:t>
+              <a:t>3/16/2019</a:t>
             </a:fld>
             <a:endParaRPr lang="en-US" dirty="0"/>
           </a:p>
@@ -1706,7 +1708,7 @@
             <a:fld id="{B61BEF0D-F0BB-DE4B-95CE-6DB70DBA9567}" type="datetimeFigureOut">
               <a:rPr lang="en-US" dirty="0"/>
               <a:pPr/>
-              <a:t>3/15/2019</a:t>
+              <a:t>3/16/2019</a:t>
             </a:fld>
             <a:endParaRPr lang="en-US" dirty="0"/>
           </a:p>
@@ -2099,7 +2101,7 @@
             <a:fld id="{B61BEF0D-F0BB-DE4B-95CE-6DB70DBA9567}" type="datetimeFigureOut">
               <a:rPr lang="en-US" dirty="0"/>
               <a:pPr/>
-              <a:t>3/15/2019</a:t>
+              <a:t>3/16/2019</a:t>
             </a:fld>
             <a:endParaRPr lang="en-US" dirty="0"/>
           </a:p>
@@ -2353,7 +2355,7 @@
             <a:fld id="{B61BEF0D-F0BB-DE4B-95CE-6DB70DBA9567}" type="datetimeFigureOut">
               <a:rPr lang="en-US" dirty="0"/>
               <a:pPr/>
-              <a:t>3/15/2019</a:t>
+              <a:t>3/16/2019</a:t>
             </a:fld>
             <a:endParaRPr lang="en-US" dirty="0"/>
           </a:p>
@@ -2612,7 +2614,7 @@
             <a:fld id="{B61BEF0D-F0BB-DE4B-95CE-6DB70DBA9567}" type="datetimeFigureOut">
               <a:rPr lang="en-US" dirty="0"/>
               <a:pPr/>
-              <a:t>3/15/2019</a:t>
+              <a:t>3/16/2019</a:t>
             </a:fld>
             <a:endParaRPr lang="en-US" dirty="0"/>
           </a:p>
@@ -2871,7 +2873,7 @@
             <a:fld id="{B61BEF0D-F0BB-DE4B-95CE-6DB70DBA9567}" type="datetimeFigureOut">
               <a:rPr lang="en-US" dirty="0"/>
               <a:pPr/>
-              <a:t>3/15/2019</a:t>
+              <a:t>3/16/2019</a:t>
             </a:fld>
             <a:endParaRPr lang="en-US" dirty="0"/>
           </a:p>
@@ -3197,7 +3199,7 @@
             <a:fld id="{B61BEF0D-F0BB-DE4B-95CE-6DB70DBA9567}" type="datetimeFigureOut">
               <a:rPr lang="en-US" dirty="0"/>
               <a:pPr/>
-              <a:t>3/15/2019</a:t>
+              <a:t>3/16/2019</a:t>
             </a:fld>
             <a:endParaRPr lang="en-US" dirty="0"/>
           </a:p>
@@ -3517,7 +3519,7 @@
             <a:fld id="{B61BEF0D-F0BB-DE4B-95CE-6DB70DBA9567}" type="datetimeFigureOut">
               <a:rPr lang="en-US" dirty="0"/>
               <a:pPr/>
-              <a:t>3/15/2019</a:t>
+              <a:t>3/16/2019</a:t>
             </a:fld>
             <a:endParaRPr lang="en-US" dirty="0"/>
           </a:p>
@@ -3971,7 +3973,7 @@
             <a:fld id="{B61BEF0D-F0BB-DE4B-95CE-6DB70DBA9567}" type="datetimeFigureOut">
               <a:rPr lang="en-US" dirty="0"/>
               <a:pPr/>
-              <a:t>3/15/2019</a:t>
+              <a:t>3/16/2019</a:t>
             </a:fld>
             <a:endParaRPr lang="en-US" dirty="0"/>
           </a:p>
@@ -4173,7 +4175,7 @@
             <a:fld id="{B61BEF0D-F0BB-DE4B-95CE-6DB70DBA9567}" type="datetimeFigureOut">
               <a:rPr lang="en-US" dirty="0"/>
               <a:pPr/>
-              <a:t>3/15/2019</a:t>
+              <a:t>3/16/2019</a:t>
             </a:fld>
             <a:endParaRPr lang="en-US" dirty="0"/>
           </a:p>
@@ -4347,7 +4349,7 @@
             <a:fld id="{B61BEF0D-F0BB-DE4B-95CE-6DB70DBA9567}" type="datetimeFigureOut">
               <a:rPr lang="en-US" dirty="0"/>
               <a:pPr/>
-              <a:t>3/15/2019</a:t>
+              <a:t>3/16/2019</a:t>
             </a:fld>
             <a:endParaRPr lang="en-US" dirty="0"/>
           </a:p>
@@ -4677,7 +4679,7 @@
             <a:fld id="{B61BEF0D-F0BB-DE4B-95CE-6DB70DBA9567}" type="datetimeFigureOut">
               <a:rPr lang="en-US" dirty="0"/>
               <a:pPr/>
-              <a:t>3/15/2019</a:t>
+              <a:t>3/16/2019</a:t>
             </a:fld>
             <a:endParaRPr lang="en-US" dirty="0"/>
           </a:p>
@@ -5019,7 +5021,7 @@
             <a:fld id="{B61BEF0D-F0BB-DE4B-95CE-6DB70DBA9567}" type="datetimeFigureOut">
               <a:rPr lang="en-US" dirty="0"/>
               <a:pPr/>
-              <a:t>3/15/2019</a:t>
+              <a:t>3/16/2019</a:t>
             </a:fld>
             <a:endParaRPr lang="en-US" dirty="0"/>
           </a:p>
@@ -7133,7 +7135,7 @@
             <a:fld id="{B61BEF0D-F0BB-DE4B-95CE-6DB70DBA9567}" type="datetimeFigureOut">
               <a:rPr lang="en-US" dirty="0"/>
               <a:pPr/>
-              <a:t>3/15/2019</a:t>
+              <a:t>3/16/2019</a:t>
             </a:fld>
             <a:endParaRPr lang="en-US" dirty="0"/>
           </a:p>
@@ -15578,7 +15580,7 @@
         <p:spPr>
           <a:xfrm>
             <a:off x="2592925" y="1486948"/>
-            <a:ext cx="3916932" cy="1734424"/>
+            <a:ext cx="3916932" cy="996193"/>
           </a:xfrm>
         </p:spPr>
         <p:txBody>
@@ -15586,12 +15588,6 @@
             <a:normAutofit/>
           </a:bodyPr>
           <a:lstStyle/>
-          <a:p>
-            <a:r>
-              <a:rPr lang="en-US" dirty="0"/>
-              <a:t>Acknowledgement: We do not know why, but it works</a:t>
-            </a:r>
-          </a:p>
           <a:p>
             <a:r>
               <a:rPr lang="en-US" dirty="0"/>
@@ -15626,7 +15622,7 @@
         </p:nvSpPr>
         <p:spPr>
           <a:xfrm>
-            <a:off x="3031222" y="3340790"/>
+            <a:off x="2886013" y="2767838"/>
             <a:ext cx="3310855" cy="2893100"/>
           </a:xfrm>
           <a:prstGeom prst="rect">
@@ -16181,7 +16177,7 @@
         </p:nvSpPr>
         <p:spPr>
           <a:xfrm>
-            <a:off x="5720022" y="3403832"/>
+            <a:off x="5574813" y="2830880"/>
             <a:ext cx="436227" cy="186655"/>
           </a:xfrm>
           <a:prstGeom prst="ellipse">
@@ -16278,8 +16274,8 @@
         </p:nvCxnSpPr>
         <p:spPr>
           <a:xfrm flipH="1">
-            <a:off x="6092365" y="2349513"/>
-            <a:ext cx="873201" cy="1081654"/>
+            <a:off x="5947156" y="2349513"/>
+            <a:ext cx="1018410" cy="508702"/>
           </a:xfrm>
           <a:prstGeom prst="line">
             <a:avLst/>
@@ -16319,7 +16315,7 @@
         </p:nvSpPr>
         <p:spPr>
           <a:xfrm>
-            <a:off x="6334143" y="2564007"/>
+            <a:off x="6267574" y="2298475"/>
             <a:ext cx="320922" cy="369332"/>
           </a:xfrm>
           <a:prstGeom prst="rect">
@@ -16486,106 +16482,72 @@
                             </p:stCondLst>
                             <p:childTnLst>
                               <p:par>
-                                <p:cTn id="12" presetID="32" presetClass="emph" presetSubtype="0" fill="hold" nodeType="clickEffect">
+                                <p:cTn id="12" presetID="6" presetClass="entr" presetSubtype="16" fill="hold" grpId="0" nodeType="clickEffect">
                                   <p:stCondLst>
                                     <p:cond delay="0"/>
                                   </p:stCondLst>
                                   <p:childTnLst>
-                                    <p:animRot by="120000">
-                                      <p:cBhvr>
-                                        <p:cTn id="13" dur="100" fill="hold">
+                                    <p:set>
+                                      <p:cBhvr>
+                                        <p:cTn id="13" dur="1" fill="hold">
                                           <p:stCondLst>
                                             <p:cond delay="0"/>
                                           </p:stCondLst>
                                         </p:cTn>
                                         <p:tgtEl>
-                                          <p:spTgt spid="3">
-                                            <p:txEl>
-                                              <p:pRg st="0" end="0"/>
-                                            </p:txEl>
-                                          </p:spTgt>
-                                        </p:tgtEl>
-                                        <p:attrNameLst>
-                                          <p:attrName>r</p:attrName>
-                                        </p:attrNameLst>
-                                      </p:cBhvr>
-                                    </p:animRot>
-                                    <p:animRot by="-240000">
-                                      <p:cBhvr>
-                                        <p:cTn id="14" dur="200" fill="hold">
-                                          <p:stCondLst>
-                                            <p:cond delay="200"/>
-                                          </p:stCondLst>
-                                        </p:cTn>
-                                        <p:tgtEl>
-                                          <p:spTgt spid="3">
-                                            <p:txEl>
-                                              <p:pRg st="0" end="0"/>
-                                            </p:txEl>
-                                          </p:spTgt>
-                                        </p:tgtEl>
-                                        <p:attrNameLst>
-                                          <p:attrName>r</p:attrName>
-                                        </p:attrNameLst>
-                                      </p:cBhvr>
-                                    </p:animRot>
-                                    <p:animRot by="240000">
-                                      <p:cBhvr>
-                                        <p:cTn id="15" dur="200" fill="hold">
-                                          <p:stCondLst>
-                                            <p:cond delay="400"/>
-                                          </p:stCondLst>
-                                        </p:cTn>
-                                        <p:tgtEl>
-                                          <p:spTgt spid="3">
-                                            <p:txEl>
-                                              <p:pRg st="0" end="0"/>
-                                            </p:txEl>
-                                          </p:spTgt>
-                                        </p:tgtEl>
-                                        <p:attrNameLst>
-                                          <p:attrName>r</p:attrName>
-                                        </p:attrNameLst>
-                                      </p:cBhvr>
-                                    </p:animRot>
-                                    <p:animRot by="-240000">
-                                      <p:cBhvr>
-                                        <p:cTn id="16" dur="200" fill="hold">
-                                          <p:stCondLst>
-                                            <p:cond delay="600"/>
-                                          </p:stCondLst>
-                                        </p:cTn>
-                                        <p:tgtEl>
-                                          <p:spTgt spid="3">
-                                            <p:txEl>
-                                              <p:pRg st="0" end="0"/>
-                                            </p:txEl>
-                                          </p:spTgt>
-                                        </p:tgtEl>
-                                        <p:attrNameLst>
-                                          <p:attrName>r</p:attrName>
-                                        </p:attrNameLst>
-                                      </p:cBhvr>
-                                    </p:animRot>
-                                    <p:animRot by="120000">
-                                      <p:cBhvr>
-                                        <p:cTn id="17" dur="200" fill="hold">
-                                          <p:stCondLst>
-                                            <p:cond delay="800"/>
-                                          </p:stCondLst>
-                                        </p:cTn>
-                                        <p:tgtEl>
-                                          <p:spTgt spid="3">
-                                            <p:txEl>
-                                              <p:pRg st="0" end="0"/>
-                                            </p:txEl>
-                                          </p:spTgt>
-                                        </p:tgtEl>
-                                        <p:attrNameLst>
-                                          <p:attrName>r</p:attrName>
-                                        </p:attrNameLst>
-                                      </p:cBhvr>
-                                    </p:animRot>
+                                          <p:spTgt spid="4"/>
+                                        </p:tgtEl>
+                                        <p:attrNameLst>
+                                          <p:attrName>style.visibility</p:attrName>
+                                        </p:attrNameLst>
+                                      </p:cBhvr>
+                                      <p:to>
+                                        <p:strVal val="visible"/>
+                                      </p:to>
+                                    </p:set>
+                                    <p:animEffect transition="in" filter="circle(in)">
+                                      <p:cBhvr>
+                                        <p:cTn id="14" dur="2000"/>
+                                        <p:tgtEl>
+                                          <p:spTgt spid="4"/>
+                                        </p:tgtEl>
+                                      </p:cBhvr>
+                                    </p:animEffect>
+                                  </p:childTnLst>
+                                </p:cTn>
+                              </p:par>
+                              <p:par>
+                                <p:cTn id="15" presetID="6" presetClass="entr" presetSubtype="16" fill="hold" grpId="0" nodeType="withEffect">
+                                  <p:stCondLst>
+                                    <p:cond delay="0"/>
+                                  </p:stCondLst>
+                                  <p:childTnLst>
+                                    <p:set>
+                                      <p:cBhvr>
+                                        <p:cTn id="16" dur="1" fill="hold">
+                                          <p:stCondLst>
+                                            <p:cond delay="0"/>
+                                          </p:stCondLst>
+                                        </p:cTn>
+                                        <p:tgtEl>
+                                          <p:spTgt spid="5"/>
+                                        </p:tgtEl>
+                                        <p:attrNameLst>
+                                          <p:attrName>style.visibility</p:attrName>
+                                        </p:attrNameLst>
+                                      </p:cBhvr>
+                                      <p:to>
+                                        <p:strVal val="visible"/>
+                                      </p:to>
+                                    </p:set>
+                                    <p:animEffect transition="in" filter="circle(in)">
+                                      <p:cBhvr>
+                                        <p:cTn id="17" dur="2000"/>
+                                        <p:tgtEl>
+                                          <p:spTgt spid="5"/>
+                                        </p:tgtEl>
+                                      </p:cBhvr>
+                                    </p:animEffect>
                                   </p:childTnLst>
                                 </p:cTn>
                               </p:par>
@@ -16608,7 +16570,7 @@
                             </p:stCondLst>
                             <p:childTnLst>
                               <p:par>
-                                <p:cTn id="20" presetID="53" presetClass="entr" presetSubtype="16" fill="hold" nodeType="clickEffect">
+                                <p:cTn id="20" presetID="6" presetClass="entr" presetSubtype="16" fill="hold" grpId="0" nodeType="clickEffect">
                                   <p:stCondLst>
                                     <p:cond delay="0"/>
                                   </p:stCondLst>
@@ -16621,11 +16583,7 @@
                                           </p:stCondLst>
                                         </p:cTn>
                                         <p:tgtEl>
-                                          <p:spTgt spid="3">
-                                            <p:txEl>
-                                              <p:pRg st="1" end="1"/>
-                                            </p:txEl>
-                                          </p:spTgt>
+                                          <p:spTgt spid="6"/>
                                         </p:tgtEl>
                                         <p:attrNameLst>
                                           <p:attrName>style.visibility</p:attrName>
@@ -16635,108 +16593,32 @@
                                         <p:strVal val="visible"/>
                                       </p:to>
                                     </p:set>
-                                    <p:anim calcmode="lin" valueType="num">
-                                      <p:cBhvr>
-                                        <p:cTn id="22" dur="500" fill="hold"/>
-                                        <p:tgtEl>
-                                          <p:spTgt spid="3">
-                                            <p:txEl>
-                                              <p:pRg st="1" end="1"/>
-                                            </p:txEl>
-                                          </p:spTgt>
-                                        </p:tgtEl>
-                                        <p:attrNameLst>
-                                          <p:attrName>ppt_w</p:attrName>
-                                        </p:attrNameLst>
-                                      </p:cBhvr>
-                                      <p:tavLst>
-                                        <p:tav tm="0">
-                                          <p:val>
-                                            <p:fltVal val="0"/>
-                                          </p:val>
-                                        </p:tav>
-                                        <p:tav tm="100000">
-                                          <p:val>
-                                            <p:strVal val="#ppt_w"/>
-                                          </p:val>
-                                        </p:tav>
-                                      </p:tavLst>
-                                    </p:anim>
-                                    <p:anim calcmode="lin" valueType="num">
-                                      <p:cBhvr>
-                                        <p:cTn id="23" dur="500" fill="hold"/>
-                                        <p:tgtEl>
-                                          <p:spTgt spid="3">
-                                            <p:txEl>
-                                              <p:pRg st="1" end="1"/>
-                                            </p:txEl>
-                                          </p:spTgt>
-                                        </p:tgtEl>
-                                        <p:attrNameLst>
-                                          <p:attrName>ppt_h</p:attrName>
-                                        </p:attrNameLst>
-                                      </p:cBhvr>
-                                      <p:tavLst>
-                                        <p:tav tm="0">
-                                          <p:val>
-                                            <p:fltVal val="0"/>
-                                          </p:val>
-                                        </p:tav>
-                                        <p:tav tm="100000">
-                                          <p:val>
-                                            <p:strVal val="#ppt_h"/>
-                                          </p:val>
-                                        </p:tav>
-                                      </p:tavLst>
-                                    </p:anim>
-                                    <p:animEffect transition="in" filter="fade">
-                                      <p:cBhvr>
-                                        <p:cTn id="24" dur="500"/>
-                                        <p:tgtEl>
-                                          <p:spTgt spid="3">
-                                            <p:txEl>
-                                              <p:pRg st="1" end="1"/>
-                                            </p:txEl>
-                                          </p:spTgt>
+                                    <p:animEffect transition="in" filter="circle(in)">
+                                      <p:cBhvr>
+                                        <p:cTn id="22" dur="2000"/>
+                                        <p:tgtEl>
+                                          <p:spTgt spid="6"/>
                                         </p:tgtEl>
                                       </p:cBhvr>
                                     </p:animEffect>
                                   </p:childTnLst>
                                 </p:cTn>
                               </p:par>
-                            </p:childTnLst>
-                          </p:cTn>
-                        </p:par>
-                      </p:childTnLst>
-                    </p:cTn>
-                  </p:par>
-                  <p:par>
-                    <p:cTn id="25" fill="hold">
-                      <p:stCondLst>
-                        <p:cond delay="indefinite"/>
-                      </p:stCondLst>
-                      <p:childTnLst>
-                        <p:par>
-                          <p:cTn id="26" fill="hold">
-                            <p:stCondLst>
-                              <p:cond delay="0"/>
-                            </p:stCondLst>
-                            <p:childTnLst>
                               <p:par>
-                                <p:cTn id="27" presetID="6" presetClass="entr" presetSubtype="16" fill="hold" grpId="0" nodeType="clickEffect">
+                                <p:cTn id="23" presetID="6" presetClass="entr" presetSubtype="16" fill="hold" grpId="0" nodeType="withEffect">
                                   <p:stCondLst>
                                     <p:cond delay="0"/>
                                   </p:stCondLst>
                                   <p:childTnLst>
                                     <p:set>
                                       <p:cBhvr>
-                                        <p:cTn id="28" dur="1" fill="hold">
+                                        <p:cTn id="24" dur="1" fill="hold">
                                           <p:stCondLst>
                                             <p:cond delay="0"/>
                                           </p:stCondLst>
                                         </p:cTn>
                                         <p:tgtEl>
-                                          <p:spTgt spid="4"/>
+                                          <p:spTgt spid="7"/>
                                         </p:tgtEl>
                                         <p:attrNameLst>
                                           <p:attrName>style.visibility</p:attrName>
@@ -16748,9 +16630,9 @@
                                     </p:set>
                                     <p:animEffect transition="in" filter="circle(in)">
                                       <p:cBhvr>
-                                        <p:cTn id="29" dur="2000"/>
-                                        <p:tgtEl>
-                                          <p:spTgt spid="4"/>
+                                        <p:cTn id="25" dur="2000"/>
+                                        <p:tgtEl>
+                                          <p:spTgt spid="7"/>
                                         </p:tgtEl>
                                       </p:cBhvr>
                                     </p:animEffect>
@@ -16758,20 +16640,20 @@
                                 </p:cTn>
                               </p:par>
                               <p:par>
-                                <p:cTn id="30" presetID="6" presetClass="entr" presetSubtype="16" fill="hold" grpId="0" nodeType="withEffect">
+                                <p:cTn id="26" presetID="6" presetClass="entr" presetSubtype="16" fill="hold" grpId="0" nodeType="withEffect">
                                   <p:stCondLst>
                                     <p:cond delay="0"/>
                                   </p:stCondLst>
                                   <p:childTnLst>
                                     <p:set>
                                       <p:cBhvr>
-                                        <p:cTn id="31" dur="1" fill="hold">
+                                        <p:cTn id="27" dur="1" fill="hold">
                                           <p:stCondLst>
                                             <p:cond delay="0"/>
                                           </p:stCondLst>
                                         </p:cTn>
                                         <p:tgtEl>
-                                          <p:spTgt spid="5"/>
+                                          <p:spTgt spid="10"/>
                                         </p:tgtEl>
                                         <p:attrNameLst>
                                           <p:attrName>style.visibility</p:attrName>
@@ -16783,48 +16665,30 @@
                                     </p:set>
                                     <p:animEffect transition="in" filter="circle(in)">
                                       <p:cBhvr>
-                                        <p:cTn id="32" dur="2000"/>
-                                        <p:tgtEl>
-                                          <p:spTgt spid="5"/>
+                                        <p:cTn id="28" dur="2000"/>
+                                        <p:tgtEl>
+                                          <p:spTgt spid="10"/>
                                         </p:tgtEl>
                                       </p:cBhvr>
                                     </p:animEffect>
                                   </p:childTnLst>
                                 </p:cTn>
                               </p:par>
-                            </p:childTnLst>
-                          </p:cTn>
-                        </p:par>
-                      </p:childTnLst>
-                    </p:cTn>
-                  </p:par>
-                  <p:par>
-                    <p:cTn id="33" fill="hold">
-                      <p:stCondLst>
-                        <p:cond delay="indefinite"/>
-                      </p:stCondLst>
-                      <p:childTnLst>
-                        <p:par>
-                          <p:cTn id="34" fill="hold">
-                            <p:stCondLst>
-                              <p:cond delay="0"/>
-                            </p:stCondLst>
-                            <p:childTnLst>
                               <p:par>
-                                <p:cTn id="35" presetID="6" presetClass="entr" presetSubtype="16" fill="hold" grpId="0" nodeType="clickEffect">
+                                <p:cTn id="29" presetID="6" presetClass="entr" presetSubtype="16" fill="hold" nodeType="withEffect">
                                   <p:stCondLst>
                                     <p:cond delay="0"/>
                                   </p:stCondLst>
                                   <p:childTnLst>
                                     <p:set>
                                       <p:cBhvr>
-                                        <p:cTn id="36" dur="1" fill="hold">
+                                        <p:cTn id="30" dur="1" fill="hold">
                                           <p:stCondLst>
                                             <p:cond delay="0"/>
                                           </p:stCondLst>
                                         </p:cTn>
                                         <p:tgtEl>
-                                          <p:spTgt spid="6"/>
+                                          <p:spTgt spid="9"/>
                                         </p:tgtEl>
                                         <p:attrNameLst>
                                           <p:attrName>style.visibility</p:attrName>
@@ -16836,112 +16700,7 @@
                                     </p:set>
                                     <p:animEffect transition="in" filter="circle(in)">
                                       <p:cBhvr>
-                                        <p:cTn id="37" dur="2000"/>
-                                        <p:tgtEl>
-                                          <p:spTgt spid="6"/>
-                                        </p:tgtEl>
-                                      </p:cBhvr>
-                                    </p:animEffect>
-                                  </p:childTnLst>
-                                </p:cTn>
-                              </p:par>
-                              <p:par>
-                                <p:cTn id="38" presetID="6" presetClass="entr" presetSubtype="16" fill="hold" grpId="0" nodeType="withEffect">
-                                  <p:stCondLst>
-                                    <p:cond delay="0"/>
-                                  </p:stCondLst>
-                                  <p:childTnLst>
-                                    <p:set>
-                                      <p:cBhvr>
-                                        <p:cTn id="39" dur="1" fill="hold">
-                                          <p:stCondLst>
-                                            <p:cond delay="0"/>
-                                          </p:stCondLst>
-                                        </p:cTn>
-                                        <p:tgtEl>
-                                          <p:spTgt spid="7"/>
-                                        </p:tgtEl>
-                                        <p:attrNameLst>
-                                          <p:attrName>style.visibility</p:attrName>
-                                        </p:attrNameLst>
-                                      </p:cBhvr>
-                                      <p:to>
-                                        <p:strVal val="visible"/>
-                                      </p:to>
-                                    </p:set>
-                                    <p:animEffect transition="in" filter="circle(in)">
-                                      <p:cBhvr>
-                                        <p:cTn id="40" dur="2000"/>
-                                        <p:tgtEl>
-                                          <p:spTgt spid="7"/>
-                                        </p:tgtEl>
-                                      </p:cBhvr>
-                                    </p:animEffect>
-                                  </p:childTnLst>
-                                </p:cTn>
-                              </p:par>
-                              <p:par>
-                                <p:cTn id="41" presetID="6" presetClass="entr" presetSubtype="16" fill="hold" grpId="0" nodeType="withEffect">
-                                  <p:stCondLst>
-                                    <p:cond delay="0"/>
-                                  </p:stCondLst>
-                                  <p:childTnLst>
-                                    <p:set>
-                                      <p:cBhvr>
-                                        <p:cTn id="42" dur="1" fill="hold">
-                                          <p:stCondLst>
-                                            <p:cond delay="0"/>
-                                          </p:stCondLst>
-                                        </p:cTn>
-                                        <p:tgtEl>
-                                          <p:spTgt spid="10"/>
-                                        </p:tgtEl>
-                                        <p:attrNameLst>
-                                          <p:attrName>style.visibility</p:attrName>
-                                        </p:attrNameLst>
-                                      </p:cBhvr>
-                                      <p:to>
-                                        <p:strVal val="visible"/>
-                                      </p:to>
-                                    </p:set>
-                                    <p:animEffect transition="in" filter="circle(in)">
-                                      <p:cBhvr>
-                                        <p:cTn id="43" dur="2000"/>
-                                        <p:tgtEl>
-                                          <p:spTgt spid="10"/>
-                                        </p:tgtEl>
-                                      </p:cBhvr>
-                                    </p:animEffect>
-                                  </p:childTnLst>
-                                </p:cTn>
-                              </p:par>
-                              <p:par>
-                                <p:cTn id="44" presetID="6" presetClass="entr" presetSubtype="16" fill="hold" nodeType="withEffect">
-                                  <p:stCondLst>
-                                    <p:cond delay="0"/>
-                                  </p:stCondLst>
-                                  <p:childTnLst>
-                                    <p:set>
-                                      <p:cBhvr>
-                                        <p:cTn id="45" dur="1" fill="hold">
-                                          <p:stCondLst>
-                                            <p:cond delay="0"/>
-                                          </p:stCondLst>
-                                        </p:cTn>
-                                        <p:tgtEl>
-                                          <p:spTgt spid="9"/>
-                                        </p:tgtEl>
-                                        <p:attrNameLst>
-                                          <p:attrName>style.visibility</p:attrName>
-                                        </p:attrNameLst>
-                                      </p:cBhvr>
-                                      <p:to>
-                                        <p:strVal val="visible"/>
-                                      </p:to>
-                                    </p:set>
-                                    <p:animEffect transition="in" filter="circle(in)">
-                                      <p:cBhvr>
-                                        <p:cTn id="46" dur="2000"/>
+                                        <p:cTn id="31" dur="2000"/>
                                         <p:tgtEl>
                                           <p:spTgt spid="9"/>
                                         </p:tgtEl>
@@ -19935,7 +19694,7 @@
               <a:p>
                 <a:r>
                   <a:rPr lang="en-US" sz="2000" dirty="0"/>
-                  <a:t>They need to be stored in $s*</a:t>
+                  <a:t>They need to be stored in $s*, or we will lose their value</a:t>
                 </a:r>
               </a:p>
               <a:p>
@@ -26747,7 +26506,7 @@
             </a:pPr>
             <a:r>
               <a:rPr lang="en-US" dirty="0"/>
-              <a:t>Intuitively, local = size of group “s”? </a:t>
+              <a:t>Intuitively, local = size of group “s” + spilled? </a:t>
             </a:r>
           </a:p>
           <a:p>
@@ -28387,8 +28146,8 @@
         </p:nvSpPr>
         <p:spPr>
           <a:xfrm>
-            <a:off x="2589212" y="2133600"/>
-            <a:ext cx="9121819" cy="3243743"/>
+            <a:off x="2589212" y="2133601"/>
+            <a:ext cx="9121819" cy="2371288"/>
           </a:xfrm>
         </p:spPr>
         <p:txBody>
@@ -28396,18 +28155,6 @@
             <a:normAutofit/>
           </a:bodyPr>
           <a:lstStyle/>
-          <a:p>
-            <a:r>
-              <a:rPr lang="en-US" sz="2000" dirty="0"/>
-              <a:t>If the number of arguments is over 4, the rest will be put in “out” stack</a:t>
-            </a:r>
-          </a:p>
-          <a:p>
-            <a:r>
-              <a:rPr lang="en-US" sz="2000" dirty="0"/>
-              <a:t>If the number of parameters is over 4, the rest will be in “in” stack</a:t>
-            </a:r>
-          </a:p>
           <a:p>
             <a:r>
               <a:rPr lang="en-US" sz="2000" dirty="0"/>
@@ -28515,33 +28262,15 @@
                                   </p:childTnLst>
                                 </p:cTn>
                               </p:par>
-                            </p:childTnLst>
-                          </p:cTn>
-                        </p:par>
-                      </p:childTnLst>
-                    </p:cTn>
-                  </p:par>
-                  <p:par>
-                    <p:cTn id="8" fill="hold">
-                      <p:stCondLst>
-                        <p:cond delay="indefinite"/>
-                      </p:stCondLst>
-                      <p:childTnLst>
-                        <p:par>
-                          <p:cTn id="9" fill="hold">
-                            <p:stCondLst>
-                              <p:cond delay="0"/>
-                            </p:stCondLst>
-                            <p:childTnLst>
                               <p:par>
-                                <p:cTn id="10" presetID="22" presetClass="entr" presetSubtype="4" fill="hold" nodeType="clickEffect">
+                                <p:cTn id="8" presetID="22" presetClass="entr" presetSubtype="4" fill="hold" nodeType="withEffect">
                                   <p:stCondLst>
                                     <p:cond delay="0"/>
                                   </p:stCondLst>
                                   <p:childTnLst>
                                     <p:set>
                                       <p:cBhvr>
-                                        <p:cTn id="11" dur="1" fill="hold">
+                                        <p:cTn id="9" dur="1" fill="hold">
                                           <p:stCondLst>
                                             <p:cond delay="0"/>
                                           </p:stCondLst>
@@ -28563,7 +28292,7 @@
                                     </p:set>
                                     <p:animEffect transition="in" filter="wipe(down)">
                                       <p:cBhvr>
-                                        <p:cTn id="12" dur="500"/>
+                                        <p:cTn id="10" dur="500"/>
                                         <p:tgtEl>
                                           <p:spTgt spid="3">
                                             <p:txEl>
@@ -28583,26 +28312,26 @@
                     </p:cTn>
                   </p:par>
                   <p:par>
-                    <p:cTn id="13" fill="hold">
+                    <p:cTn id="11" fill="hold">
                       <p:stCondLst>
                         <p:cond delay="indefinite"/>
                       </p:stCondLst>
                       <p:childTnLst>
                         <p:par>
-                          <p:cTn id="14" fill="hold">
+                          <p:cTn id="12" fill="hold">
                             <p:stCondLst>
                               <p:cond delay="0"/>
                             </p:stCondLst>
                             <p:childTnLst>
                               <p:par>
-                                <p:cTn id="15" presetID="22" presetClass="entr" presetSubtype="4" fill="hold" nodeType="clickEffect">
+                                <p:cTn id="13" presetID="22" presetClass="entr" presetSubtype="4" fill="hold" nodeType="clickEffect">
                                   <p:stCondLst>
                                     <p:cond delay="0"/>
                                   </p:stCondLst>
                                   <p:childTnLst>
                                     <p:set>
                                       <p:cBhvr>
-                                        <p:cTn id="16" dur="1" fill="hold">
+                                        <p:cTn id="14" dur="1" fill="hold">
                                           <p:stCondLst>
                                             <p:cond delay="0"/>
                                           </p:stCondLst>
@@ -28624,7 +28353,7 @@
                                     </p:set>
                                     <p:animEffect transition="in" filter="wipe(down)">
                                       <p:cBhvr>
-                                        <p:cTn id="17" dur="500"/>
+                                        <p:cTn id="15" dur="500"/>
                                         <p:tgtEl>
                                           <p:spTgt spid="3">
                                             <p:txEl>
@@ -28638,14 +28367,14 @@
                                 </p:cTn>
                               </p:par>
                               <p:par>
-                                <p:cTn id="18" presetID="22" presetClass="entr" presetSubtype="4" fill="hold" nodeType="withEffect">
+                                <p:cTn id="16" presetID="22" presetClass="entr" presetSubtype="4" fill="hold" nodeType="withEffect">
                                   <p:stCondLst>
                                     <p:cond delay="0"/>
                                   </p:stCondLst>
                                   <p:childTnLst>
                                     <p:set>
                                       <p:cBhvr>
-                                        <p:cTn id="19" dur="1" fill="hold">
+                                        <p:cTn id="17" dur="1" fill="hold">
                                           <p:stCondLst>
                                             <p:cond delay="0"/>
                                           </p:stCondLst>
@@ -28667,115 +28396,11 @@
                                     </p:set>
                                     <p:animEffect transition="in" filter="wipe(down)">
                                       <p:cBhvr>
-                                        <p:cTn id="20" dur="500"/>
+                                        <p:cTn id="18" dur="500"/>
                                         <p:tgtEl>
                                           <p:spTgt spid="3">
                                             <p:txEl>
                                               <p:pRg st="3" end="3"/>
-                                            </p:txEl>
-                                          </p:spTgt>
-                                        </p:tgtEl>
-                                      </p:cBhvr>
-                                    </p:animEffect>
-                                  </p:childTnLst>
-                                </p:cTn>
-                              </p:par>
-                            </p:childTnLst>
-                          </p:cTn>
-                        </p:par>
-                      </p:childTnLst>
-                    </p:cTn>
-                  </p:par>
-                  <p:par>
-                    <p:cTn id="21" fill="hold">
-                      <p:stCondLst>
-                        <p:cond delay="indefinite"/>
-                      </p:stCondLst>
-                      <p:childTnLst>
-                        <p:par>
-                          <p:cTn id="22" fill="hold">
-                            <p:stCondLst>
-                              <p:cond delay="0"/>
-                            </p:stCondLst>
-                            <p:childTnLst>
-                              <p:par>
-                                <p:cTn id="23" presetID="22" presetClass="entr" presetSubtype="4" fill="hold" nodeType="clickEffect">
-                                  <p:stCondLst>
-                                    <p:cond delay="0"/>
-                                  </p:stCondLst>
-                                  <p:childTnLst>
-                                    <p:set>
-                                      <p:cBhvr>
-                                        <p:cTn id="24" dur="1" fill="hold">
-                                          <p:stCondLst>
-                                            <p:cond delay="0"/>
-                                          </p:stCondLst>
-                                        </p:cTn>
-                                        <p:tgtEl>
-                                          <p:spTgt spid="3">
-                                            <p:txEl>
-                                              <p:pRg st="4" end="4"/>
-                                            </p:txEl>
-                                          </p:spTgt>
-                                        </p:tgtEl>
-                                        <p:attrNameLst>
-                                          <p:attrName>style.visibility</p:attrName>
-                                        </p:attrNameLst>
-                                      </p:cBhvr>
-                                      <p:to>
-                                        <p:strVal val="visible"/>
-                                      </p:to>
-                                    </p:set>
-                                    <p:animEffect transition="in" filter="wipe(down)">
-                                      <p:cBhvr>
-                                        <p:cTn id="25" dur="500"/>
-                                        <p:tgtEl>
-                                          <p:spTgt spid="3">
-                                            <p:txEl>
-                                              <p:pRg st="4" end="4"/>
-                                            </p:txEl>
-                                          </p:spTgt>
-                                        </p:tgtEl>
-                                      </p:cBhvr>
-                                    </p:animEffect>
-                                  </p:childTnLst>
-                                </p:cTn>
-                              </p:par>
-                              <p:par>
-                                <p:cTn id="26" presetID="22" presetClass="entr" presetSubtype="4" fill="hold" nodeType="withEffect">
-                                  <p:stCondLst>
-                                    <p:cond delay="0"/>
-                                  </p:stCondLst>
-                                  <p:childTnLst>
-                                    <p:set>
-                                      <p:cBhvr>
-                                        <p:cTn id="27" dur="1" fill="hold">
-                                          <p:stCondLst>
-                                            <p:cond delay="0"/>
-                                          </p:stCondLst>
-                                        </p:cTn>
-                                        <p:tgtEl>
-                                          <p:spTgt spid="3">
-                                            <p:txEl>
-                                              <p:pRg st="5" end="5"/>
-                                            </p:txEl>
-                                          </p:spTgt>
-                                        </p:tgtEl>
-                                        <p:attrNameLst>
-                                          <p:attrName>style.visibility</p:attrName>
-                                        </p:attrNameLst>
-                                      </p:cBhvr>
-                                      <p:to>
-                                        <p:strVal val="visible"/>
-                                      </p:to>
-                                    </p:set>
-                                    <p:animEffect transition="in" filter="wipe(down)">
-                                      <p:cBhvr>
-                                        <p:cTn id="28" dur="500"/>
-                                        <p:tgtEl>
-                                          <p:spTgt spid="3">
-                                            <p:txEl>
-                                              <p:pRg st="5" end="5"/>
                                             </p:txEl>
                                           </p:spTgt>
                                         </p:tgtEl>
@@ -29155,6 +28780,3129 @@
           <p:cNvPr id="2" name="Title 1">
             <a:extLst>
               <a:ext uri="{FF2B5EF4-FFF2-40B4-BE49-F238E27FC236}">
+                <a16:creationId xmlns:a16="http://schemas.microsoft.com/office/drawing/2014/main" id="{1F833B7F-B189-484E-B918-5B17140767E2}"/>
+              </a:ext>
+            </a:extLst>
+          </p:cNvPr>
+          <p:cNvSpPr>
+            <a:spLocks noGrp="1"/>
+          </p:cNvSpPr>
+          <p:nvPr>
+            <p:ph type="title"/>
+          </p:nvPr>
+        </p:nvSpPr>
+        <p:spPr/>
+        <p:txBody>
+          <a:bodyPr/>
+          <a:lstStyle/>
+          <a:p>
+            <a:r>
+              <a:rPr lang="en-US" dirty="0"/>
+              <a:t>Obstacle – 1 </a:t>
+            </a:r>
+            <a:br>
+              <a:rPr lang="en-US" dirty="0"/>
+            </a:br>
+            <a:r>
+              <a:rPr lang="en-US" dirty="0"/>
+              <a:t>Integers and Labels</a:t>
+            </a:r>
+          </a:p>
+        </p:txBody>
+      </p:sp>
+      <p:sp>
+        <p:nvSpPr>
+          <p:cNvPr id="3" name="Content Placeholder 2">
+            <a:extLst>
+              <a:ext uri="{FF2B5EF4-FFF2-40B4-BE49-F238E27FC236}">
+                <a16:creationId xmlns:a16="http://schemas.microsoft.com/office/drawing/2014/main" id="{22467FF2-84BE-4490-B1C8-798F71381A56}"/>
+              </a:ext>
+            </a:extLst>
+          </p:cNvPr>
+          <p:cNvSpPr>
+            <a:spLocks noGrp="1"/>
+          </p:cNvSpPr>
+          <p:nvPr>
+            <p:ph idx="1"/>
+          </p:nvPr>
+        </p:nvSpPr>
+        <p:spPr/>
+        <p:txBody>
+          <a:bodyPr>
+            <a:normAutofit/>
+          </a:bodyPr>
+          <a:lstStyle/>
+          <a:p>
+            <a:r>
+              <a:rPr lang="en-US" sz="2000" dirty="0"/>
+              <a:t>In memory write statements</a:t>
+            </a:r>
+          </a:p>
+          <a:p>
+            <a:r>
+              <a:rPr lang="en-US" sz="2000" dirty="0"/>
+              <a:t>Example: </a:t>
+            </a:r>
+            <a:r>
+              <a:rPr lang="en-US" sz="2000" dirty="0">
+                <a:solidFill>
+                  <a:srgbClr val="FF0000"/>
+                </a:solidFill>
+              </a:rPr>
+              <a:t>[$t0+12] = 2	</a:t>
+            </a:r>
+            <a:r>
+              <a:rPr lang="en-US" sz="2000" dirty="0">
+                <a:solidFill>
+                  <a:srgbClr val="00B0F0"/>
+                </a:solidFill>
+              </a:rPr>
+              <a:t>[$t1+4] = :</a:t>
+            </a:r>
+            <a:r>
+              <a:rPr lang="en-US" sz="2000" dirty="0" err="1">
+                <a:solidFill>
+                  <a:srgbClr val="00B0F0"/>
+                </a:solidFill>
+              </a:rPr>
+              <a:t>A.Run</a:t>
+            </a:r>
+            <a:endParaRPr lang="en-US" sz="2000" dirty="0">
+              <a:solidFill>
+                <a:srgbClr val="00B0F0"/>
+              </a:solidFill>
+            </a:endParaRPr>
+          </a:p>
+          <a:p>
+            <a:r>
+              <a:rPr lang="en-US" sz="2000" dirty="0"/>
+              <a:t>Answer: </a:t>
+            </a:r>
+            <a:r>
+              <a:rPr lang="en-US" sz="2000" dirty="0" err="1">
+                <a:solidFill>
+                  <a:srgbClr val="FF0000"/>
+                </a:solidFill>
+              </a:rPr>
+              <a:t>sw</a:t>
+            </a:r>
+            <a:r>
+              <a:rPr lang="en-US" sz="2000" dirty="0">
+                <a:solidFill>
+                  <a:srgbClr val="FF0000"/>
+                </a:solidFill>
+              </a:rPr>
+              <a:t> 2 12($t0)</a:t>
+            </a:r>
+            <a:r>
+              <a:rPr lang="en-US" sz="2000" dirty="0"/>
+              <a:t>	</a:t>
+            </a:r>
+            <a:r>
+              <a:rPr lang="en-US" sz="2000" dirty="0" err="1">
+                <a:solidFill>
+                  <a:srgbClr val="00B0F0"/>
+                </a:solidFill>
+              </a:rPr>
+              <a:t>sw</a:t>
+            </a:r>
+            <a:r>
+              <a:rPr lang="en-US" sz="2000" dirty="0">
+                <a:solidFill>
+                  <a:srgbClr val="00B0F0"/>
+                </a:solidFill>
+              </a:rPr>
+              <a:t> </a:t>
+            </a:r>
+            <a:r>
+              <a:rPr lang="en-US" sz="2000" dirty="0" err="1">
+                <a:solidFill>
+                  <a:srgbClr val="00B0F0"/>
+                </a:solidFill>
+              </a:rPr>
+              <a:t>A.Run</a:t>
+            </a:r>
+            <a:r>
+              <a:rPr lang="en-US" sz="2000" dirty="0">
+                <a:solidFill>
+                  <a:srgbClr val="00B0F0"/>
+                </a:solidFill>
+              </a:rPr>
+              <a:t> 4($t1)</a:t>
+            </a:r>
+          </a:p>
+          <a:p>
+            <a:r>
+              <a:rPr lang="en-US" sz="2000" dirty="0"/>
+              <a:t>WRONG!!</a:t>
+            </a:r>
+          </a:p>
+          <a:p>
+            <a:r>
+              <a:rPr lang="en-US" sz="2000" dirty="0">
+                <a:solidFill>
+                  <a:schemeClr val="tx1"/>
+                </a:solidFill>
+              </a:rPr>
+              <a:t>Immediate value/label cannot be operator of </a:t>
+            </a:r>
+            <a:r>
+              <a:rPr lang="en-US" sz="2000" dirty="0" err="1">
+                <a:solidFill>
+                  <a:schemeClr val="tx1"/>
+                </a:solidFill>
+              </a:rPr>
+              <a:t>sw</a:t>
+            </a:r>
+            <a:endParaRPr lang="en-US" sz="2000" dirty="0">
+              <a:solidFill>
+                <a:schemeClr val="tx1"/>
+              </a:solidFill>
+            </a:endParaRPr>
+          </a:p>
+          <a:p>
+            <a:r>
+              <a:rPr lang="en-US" sz="2000" dirty="0">
+                <a:solidFill>
+                  <a:schemeClr val="tx1"/>
+                </a:solidFill>
+              </a:rPr>
+              <a:t>Correct Answer: $t9! </a:t>
+            </a:r>
+          </a:p>
+          <a:p>
+            <a:pPr lvl="1">
+              <a:buFont typeface="Arial" panose="020B0604020202020204" pitchFamily="34" charset="0"/>
+              <a:buChar char="•"/>
+            </a:pPr>
+            <a:r>
+              <a:rPr lang="en-US" sz="1800" dirty="0">
+                <a:solidFill>
+                  <a:srgbClr val="FF0000"/>
+                </a:solidFill>
+              </a:rPr>
+              <a:t>li $t9 2		 </a:t>
+            </a:r>
+            <a:r>
+              <a:rPr lang="en-US" sz="1800" dirty="0" err="1">
+                <a:solidFill>
+                  <a:srgbClr val="FF0000"/>
+                </a:solidFill>
+              </a:rPr>
+              <a:t>sw</a:t>
+            </a:r>
+            <a:r>
+              <a:rPr lang="en-US" sz="1800" dirty="0">
+                <a:solidFill>
+                  <a:srgbClr val="FF0000"/>
+                </a:solidFill>
+              </a:rPr>
+              <a:t> $t9 12($t0)</a:t>
+            </a:r>
+          </a:p>
+          <a:p>
+            <a:pPr lvl="1">
+              <a:buFont typeface="Arial" panose="020B0604020202020204" pitchFamily="34" charset="0"/>
+              <a:buChar char="•"/>
+            </a:pPr>
+            <a:r>
+              <a:rPr lang="en-US" sz="1800" dirty="0">
+                <a:solidFill>
+                  <a:srgbClr val="00B0F0"/>
+                </a:solidFill>
+              </a:rPr>
+              <a:t>la $t9 </a:t>
+            </a:r>
+            <a:r>
+              <a:rPr lang="en-US" sz="1800" dirty="0" err="1">
+                <a:solidFill>
+                  <a:srgbClr val="00B0F0"/>
+                </a:solidFill>
+              </a:rPr>
+              <a:t>A.Run</a:t>
+            </a:r>
+            <a:r>
+              <a:rPr lang="en-US" sz="1800" dirty="0">
+                <a:solidFill>
+                  <a:srgbClr val="00B0F0"/>
+                </a:solidFill>
+              </a:rPr>
+              <a:t>		</a:t>
+            </a:r>
+            <a:r>
+              <a:rPr lang="en-US" sz="1800" dirty="0" err="1">
+                <a:solidFill>
+                  <a:srgbClr val="00B0F0"/>
+                </a:solidFill>
+              </a:rPr>
+              <a:t>sw</a:t>
+            </a:r>
+            <a:r>
+              <a:rPr lang="en-US" sz="1800" dirty="0">
+                <a:solidFill>
+                  <a:srgbClr val="00B0F0"/>
+                </a:solidFill>
+              </a:rPr>
+              <a:t> $t9 4($t1)</a:t>
+            </a:r>
+          </a:p>
+        </p:txBody>
+      </p:sp>
+    </p:spTree>
+    <p:extLst>
+      <p:ext uri="{BB962C8B-B14F-4D97-AF65-F5344CB8AC3E}">
+        <p14:creationId xmlns:p14="http://schemas.microsoft.com/office/powerpoint/2010/main" val="318199172"/>
+      </p:ext>
+    </p:extLst>
+  </p:cSld>
+  <p:clrMapOvr>
+    <a:masterClrMapping/>
+  </p:clrMapOvr>
+  <p:timing>
+    <p:tnLst>
+      <p:par>
+        <p:cTn id="1" dur="indefinite" restart="never" nodeType="tmRoot">
+          <p:childTnLst>
+            <p:seq concurrent="1" nextAc="seek">
+              <p:cTn id="2" dur="indefinite" nodeType="mainSeq">
+                <p:childTnLst>
+                  <p:par>
+                    <p:cTn id="3" fill="hold">
+                      <p:stCondLst>
+                        <p:cond delay="indefinite"/>
+                      </p:stCondLst>
+                      <p:childTnLst>
+                        <p:par>
+                          <p:cTn id="4" fill="hold">
+                            <p:stCondLst>
+                              <p:cond delay="0"/>
+                            </p:stCondLst>
+                            <p:childTnLst>
+                              <p:par>
+                                <p:cTn id="5" presetID="2" presetClass="entr" presetSubtype="4" fill="hold" nodeType="clickEffect">
+                                  <p:stCondLst>
+                                    <p:cond delay="0"/>
+                                  </p:stCondLst>
+                                  <p:childTnLst>
+                                    <p:set>
+                                      <p:cBhvr>
+                                        <p:cTn id="6" dur="1" fill="hold">
+                                          <p:stCondLst>
+                                            <p:cond delay="0"/>
+                                          </p:stCondLst>
+                                        </p:cTn>
+                                        <p:tgtEl>
+                                          <p:spTgt spid="3">
+                                            <p:txEl>
+                                              <p:pRg st="0" end="0"/>
+                                            </p:txEl>
+                                          </p:spTgt>
+                                        </p:tgtEl>
+                                        <p:attrNameLst>
+                                          <p:attrName>style.visibility</p:attrName>
+                                        </p:attrNameLst>
+                                      </p:cBhvr>
+                                      <p:to>
+                                        <p:strVal val="visible"/>
+                                      </p:to>
+                                    </p:set>
+                                    <p:anim calcmode="lin" valueType="num">
+                                      <p:cBhvr additive="base">
+                                        <p:cTn id="7" dur="500" fill="hold"/>
+                                        <p:tgtEl>
+                                          <p:spTgt spid="3">
+                                            <p:txEl>
+                                              <p:pRg st="0" end="0"/>
+                                            </p:txEl>
+                                          </p:spTgt>
+                                        </p:tgtEl>
+                                        <p:attrNameLst>
+                                          <p:attrName>ppt_x</p:attrName>
+                                        </p:attrNameLst>
+                                      </p:cBhvr>
+                                      <p:tavLst>
+                                        <p:tav tm="0">
+                                          <p:val>
+                                            <p:strVal val="#ppt_x"/>
+                                          </p:val>
+                                        </p:tav>
+                                        <p:tav tm="100000">
+                                          <p:val>
+                                            <p:strVal val="#ppt_x"/>
+                                          </p:val>
+                                        </p:tav>
+                                      </p:tavLst>
+                                    </p:anim>
+                                    <p:anim calcmode="lin" valueType="num">
+                                      <p:cBhvr additive="base">
+                                        <p:cTn id="8" dur="500" fill="hold"/>
+                                        <p:tgtEl>
+                                          <p:spTgt spid="3">
+                                            <p:txEl>
+                                              <p:pRg st="0" end="0"/>
+                                            </p:txEl>
+                                          </p:spTgt>
+                                        </p:tgtEl>
+                                        <p:attrNameLst>
+                                          <p:attrName>ppt_y</p:attrName>
+                                        </p:attrNameLst>
+                                      </p:cBhvr>
+                                      <p:tavLst>
+                                        <p:tav tm="0">
+                                          <p:val>
+                                            <p:strVal val="1+#ppt_h/2"/>
+                                          </p:val>
+                                        </p:tav>
+                                        <p:tav tm="100000">
+                                          <p:val>
+                                            <p:strVal val="#ppt_y"/>
+                                          </p:val>
+                                        </p:tav>
+                                      </p:tavLst>
+                                    </p:anim>
+                                  </p:childTnLst>
+                                </p:cTn>
+                              </p:par>
+                              <p:par>
+                                <p:cTn id="9" presetID="2" presetClass="entr" presetSubtype="4" fill="hold" nodeType="withEffect">
+                                  <p:stCondLst>
+                                    <p:cond delay="0"/>
+                                  </p:stCondLst>
+                                  <p:childTnLst>
+                                    <p:set>
+                                      <p:cBhvr>
+                                        <p:cTn id="10" dur="1" fill="hold">
+                                          <p:stCondLst>
+                                            <p:cond delay="0"/>
+                                          </p:stCondLst>
+                                        </p:cTn>
+                                        <p:tgtEl>
+                                          <p:spTgt spid="3">
+                                            <p:txEl>
+                                              <p:pRg st="1" end="1"/>
+                                            </p:txEl>
+                                          </p:spTgt>
+                                        </p:tgtEl>
+                                        <p:attrNameLst>
+                                          <p:attrName>style.visibility</p:attrName>
+                                        </p:attrNameLst>
+                                      </p:cBhvr>
+                                      <p:to>
+                                        <p:strVal val="visible"/>
+                                      </p:to>
+                                    </p:set>
+                                    <p:anim calcmode="lin" valueType="num">
+                                      <p:cBhvr additive="base">
+                                        <p:cTn id="11" dur="500" fill="hold"/>
+                                        <p:tgtEl>
+                                          <p:spTgt spid="3">
+                                            <p:txEl>
+                                              <p:pRg st="1" end="1"/>
+                                            </p:txEl>
+                                          </p:spTgt>
+                                        </p:tgtEl>
+                                        <p:attrNameLst>
+                                          <p:attrName>ppt_x</p:attrName>
+                                        </p:attrNameLst>
+                                      </p:cBhvr>
+                                      <p:tavLst>
+                                        <p:tav tm="0">
+                                          <p:val>
+                                            <p:strVal val="#ppt_x"/>
+                                          </p:val>
+                                        </p:tav>
+                                        <p:tav tm="100000">
+                                          <p:val>
+                                            <p:strVal val="#ppt_x"/>
+                                          </p:val>
+                                        </p:tav>
+                                      </p:tavLst>
+                                    </p:anim>
+                                    <p:anim calcmode="lin" valueType="num">
+                                      <p:cBhvr additive="base">
+                                        <p:cTn id="12" dur="500" fill="hold"/>
+                                        <p:tgtEl>
+                                          <p:spTgt spid="3">
+                                            <p:txEl>
+                                              <p:pRg st="1" end="1"/>
+                                            </p:txEl>
+                                          </p:spTgt>
+                                        </p:tgtEl>
+                                        <p:attrNameLst>
+                                          <p:attrName>ppt_y</p:attrName>
+                                        </p:attrNameLst>
+                                      </p:cBhvr>
+                                      <p:tavLst>
+                                        <p:tav tm="0">
+                                          <p:val>
+                                            <p:strVal val="1+#ppt_h/2"/>
+                                          </p:val>
+                                        </p:tav>
+                                        <p:tav tm="100000">
+                                          <p:val>
+                                            <p:strVal val="#ppt_y"/>
+                                          </p:val>
+                                        </p:tav>
+                                      </p:tavLst>
+                                    </p:anim>
+                                  </p:childTnLst>
+                                </p:cTn>
+                              </p:par>
+                            </p:childTnLst>
+                          </p:cTn>
+                        </p:par>
+                      </p:childTnLst>
+                    </p:cTn>
+                  </p:par>
+                  <p:par>
+                    <p:cTn id="13" fill="hold">
+                      <p:stCondLst>
+                        <p:cond delay="indefinite"/>
+                      </p:stCondLst>
+                      <p:childTnLst>
+                        <p:par>
+                          <p:cTn id="14" fill="hold">
+                            <p:stCondLst>
+                              <p:cond delay="0"/>
+                            </p:stCondLst>
+                            <p:childTnLst>
+                              <p:par>
+                                <p:cTn id="15" presetID="16" presetClass="entr" presetSubtype="21" fill="hold" nodeType="clickEffect">
+                                  <p:stCondLst>
+                                    <p:cond delay="0"/>
+                                  </p:stCondLst>
+                                  <p:childTnLst>
+                                    <p:set>
+                                      <p:cBhvr>
+                                        <p:cTn id="16" dur="1" fill="hold">
+                                          <p:stCondLst>
+                                            <p:cond delay="0"/>
+                                          </p:stCondLst>
+                                        </p:cTn>
+                                        <p:tgtEl>
+                                          <p:spTgt spid="3">
+                                            <p:txEl>
+                                              <p:pRg st="2" end="2"/>
+                                            </p:txEl>
+                                          </p:spTgt>
+                                        </p:tgtEl>
+                                        <p:attrNameLst>
+                                          <p:attrName>style.visibility</p:attrName>
+                                        </p:attrNameLst>
+                                      </p:cBhvr>
+                                      <p:to>
+                                        <p:strVal val="visible"/>
+                                      </p:to>
+                                    </p:set>
+                                    <p:animEffect transition="in" filter="barn(inVertical)">
+                                      <p:cBhvr>
+                                        <p:cTn id="17" dur="500"/>
+                                        <p:tgtEl>
+                                          <p:spTgt spid="3">
+                                            <p:txEl>
+                                              <p:pRg st="2" end="2"/>
+                                            </p:txEl>
+                                          </p:spTgt>
+                                        </p:tgtEl>
+                                      </p:cBhvr>
+                                    </p:animEffect>
+                                  </p:childTnLst>
+                                </p:cTn>
+                              </p:par>
+                            </p:childTnLst>
+                          </p:cTn>
+                        </p:par>
+                      </p:childTnLst>
+                    </p:cTn>
+                  </p:par>
+                  <p:par>
+                    <p:cTn id="18" fill="hold">
+                      <p:stCondLst>
+                        <p:cond delay="indefinite"/>
+                      </p:stCondLst>
+                      <p:childTnLst>
+                        <p:par>
+                          <p:cTn id="19" fill="hold">
+                            <p:stCondLst>
+                              <p:cond delay="0"/>
+                            </p:stCondLst>
+                            <p:childTnLst>
+                              <p:par>
+                                <p:cTn id="20" presetID="14" presetClass="entr" presetSubtype="10" fill="hold" nodeType="clickEffect">
+                                  <p:stCondLst>
+                                    <p:cond delay="0"/>
+                                  </p:stCondLst>
+                                  <p:childTnLst>
+                                    <p:set>
+                                      <p:cBhvr>
+                                        <p:cTn id="21" dur="1" fill="hold">
+                                          <p:stCondLst>
+                                            <p:cond delay="0"/>
+                                          </p:stCondLst>
+                                        </p:cTn>
+                                        <p:tgtEl>
+                                          <p:spTgt spid="3">
+                                            <p:txEl>
+                                              <p:pRg st="3" end="3"/>
+                                            </p:txEl>
+                                          </p:spTgt>
+                                        </p:tgtEl>
+                                        <p:attrNameLst>
+                                          <p:attrName>style.visibility</p:attrName>
+                                        </p:attrNameLst>
+                                      </p:cBhvr>
+                                      <p:to>
+                                        <p:strVal val="visible"/>
+                                      </p:to>
+                                    </p:set>
+                                    <p:animEffect transition="in" filter="randombar(horizontal)">
+                                      <p:cBhvr>
+                                        <p:cTn id="22" dur="500"/>
+                                        <p:tgtEl>
+                                          <p:spTgt spid="3">
+                                            <p:txEl>
+                                              <p:pRg st="3" end="3"/>
+                                            </p:txEl>
+                                          </p:spTgt>
+                                        </p:tgtEl>
+                                      </p:cBhvr>
+                                    </p:animEffect>
+                                  </p:childTnLst>
+                                </p:cTn>
+                              </p:par>
+                            </p:childTnLst>
+                          </p:cTn>
+                        </p:par>
+                      </p:childTnLst>
+                    </p:cTn>
+                  </p:par>
+                  <p:par>
+                    <p:cTn id="23" fill="hold">
+                      <p:stCondLst>
+                        <p:cond delay="indefinite"/>
+                      </p:stCondLst>
+                      <p:childTnLst>
+                        <p:par>
+                          <p:cTn id="24" fill="hold">
+                            <p:stCondLst>
+                              <p:cond delay="0"/>
+                            </p:stCondLst>
+                            <p:childTnLst>
+                              <p:par>
+                                <p:cTn id="25" presetID="26" presetClass="emph" presetSubtype="0" fill="hold" nodeType="clickEffect">
+                                  <p:stCondLst>
+                                    <p:cond delay="0"/>
+                                  </p:stCondLst>
+                                  <p:childTnLst>
+                                    <p:animEffect transition="out" filter="fade">
+                                      <p:cBhvr>
+                                        <p:cTn id="26" dur="500" tmFilter="0, 0; .2, .5; .8, .5; 1, 0"/>
+                                        <p:tgtEl>
+                                          <p:spTgt spid="3">
+                                            <p:txEl>
+                                              <p:pRg st="3" end="3"/>
+                                            </p:txEl>
+                                          </p:spTgt>
+                                        </p:tgtEl>
+                                      </p:cBhvr>
+                                    </p:animEffect>
+                                    <p:animScale>
+                                      <p:cBhvr>
+                                        <p:cTn id="27" dur="250" autoRev="1" fill="hold"/>
+                                        <p:tgtEl>
+                                          <p:spTgt spid="3">
+                                            <p:txEl>
+                                              <p:pRg st="3" end="3"/>
+                                            </p:txEl>
+                                          </p:spTgt>
+                                        </p:tgtEl>
+                                      </p:cBhvr>
+                                      <p:by x="105000" y="105000"/>
+                                    </p:animScale>
+                                  </p:childTnLst>
+                                </p:cTn>
+                              </p:par>
+                            </p:childTnLst>
+                          </p:cTn>
+                        </p:par>
+                      </p:childTnLst>
+                    </p:cTn>
+                  </p:par>
+                  <p:par>
+                    <p:cTn id="28" fill="hold">
+                      <p:stCondLst>
+                        <p:cond delay="indefinite"/>
+                      </p:stCondLst>
+                      <p:childTnLst>
+                        <p:par>
+                          <p:cTn id="29" fill="hold">
+                            <p:stCondLst>
+                              <p:cond delay="0"/>
+                            </p:stCondLst>
+                            <p:childTnLst>
+                              <p:par>
+                                <p:cTn id="30" presetID="53" presetClass="entr" presetSubtype="16" fill="hold" nodeType="clickEffect">
+                                  <p:stCondLst>
+                                    <p:cond delay="0"/>
+                                  </p:stCondLst>
+                                  <p:childTnLst>
+                                    <p:set>
+                                      <p:cBhvr>
+                                        <p:cTn id="31" dur="1" fill="hold">
+                                          <p:stCondLst>
+                                            <p:cond delay="0"/>
+                                          </p:stCondLst>
+                                        </p:cTn>
+                                        <p:tgtEl>
+                                          <p:spTgt spid="3">
+                                            <p:txEl>
+                                              <p:pRg st="4" end="4"/>
+                                            </p:txEl>
+                                          </p:spTgt>
+                                        </p:tgtEl>
+                                        <p:attrNameLst>
+                                          <p:attrName>style.visibility</p:attrName>
+                                        </p:attrNameLst>
+                                      </p:cBhvr>
+                                      <p:to>
+                                        <p:strVal val="visible"/>
+                                      </p:to>
+                                    </p:set>
+                                    <p:anim calcmode="lin" valueType="num">
+                                      <p:cBhvr>
+                                        <p:cTn id="32" dur="500" fill="hold"/>
+                                        <p:tgtEl>
+                                          <p:spTgt spid="3">
+                                            <p:txEl>
+                                              <p:pRg st="4" end="4"/>
+                                            </p:txEl>
+                                          </p:spTgt>
+                                        </p:tgtEl>
+                                        <p:attrNameLst>
+                                          <p:attrName>ppt_w</p:attrName>
+                                        </p:attrNameLst>
+                                      </p:cBhvr>
+                                      <p:tavLst>
+                                        <p:tav tm="0">
+                                          <p:val>
+                                            <p:fltVal val="0"/>
+                                          </p:val>
+                                        </p:tav>
+                                        <p:tav tm="100000">
+                                          <p:val>
+                                            <p:strVal val="#ppt_w"/>
+                                          </p:val>
+                                        </p:tav>
+                                      </p:tavLst>
+                                    </p:anim>
+                                    <p:anim calcmode="lin" valueType="num">
+                                      <p:cBhvr>
+                                        <p:cTn id="33" dur="500" fill="hold"/>
+                                        <p:tgtEl>
+                                          <p:spTgt spid="3">
+                                            <p:txEl>
+                                              <p:pRg st="4" end="4"/>
+                                            </p:txEl>
+                                          </p:spTgt>
+                                        </p:tgtEl>
+                                        <p:attrNameLst>
+                                          <p:attrName>ppt_h</p:attrName>
+                                        </p:attrNameLst>
+                                      </p:cBhvr>
+                                      <p:tavLst>
+                                        <p:tav tm="0">
+                                          <p:val>
+                                            <p:fltVal val="0"/>
+                                          </p:val>
+                                        </p:tav>
+                                        <p:tav tm="100000">
+                                          <p:val>
+                                            <p:strVal val="#ppt_h"/>
+                                          </p:val>
+                                        </p:tav>
+                                      </p:tavLst>
+                                    </p:anim>
+                                    <p:animEffect transition="in" filter="fade">
+                                      <p:cBhvr>
+                                        <p:cTn id="34" dur="500"/>
+                                        <p:tgtEl>
+                                          <p:spTgt spid="3">
+                                            <p:txEl>
+                                              <p:pRg st="4" end="4"/>
+                                            </p:txEl>
+                                          </p:spTgt>
+                                        </p:tgtEl>
+                                      </p:cBhvr>
+                                    </p:animEffect>
+                                  </p:childTnLst>
+                                </p:cTn>
+                              </p:par>
+                            </p:childTnLst>
+                          </p:cTn>
+                        </p:par>
+                      </p:childTnLst>
+                    </p:cTn>
+                  </p:par>
+                  <p:par>
+                    <p:cTn id="35" fill="hold">
+                      <p:stCondLst>
+                        <p:cond delay="indefinite"/>
+                      </p:stCondLst>
+                      <p:childTnLst>
+                        <p:par>
+                          <p:cTn id="36" fill="hold">
+                            <p:stCondLst>
+                              <p:cond delay="0"/>
+                            </p:stCondLst>
+                            <p:childTnLst>
+                              <p:par>
+                                <p:cTn id="37" presetID="26" presetClass="entr" presetSubtype="0" fill="hold" nodeType="clickEffect">
+                                  <p:stCondLst>
+                                    <p:cond delay="0"/>
+                                  </p:stCondLst>
+                                  <p:childTnLst>
+                                    <p:set>
+                                      <p:cBhvr>
+                                        <p:cTn id="38" dur="1" fill="hold">
+                                          <p:stCondLst>
+                                            <p:cond delay="0"/>
+                                          </p:stCondLst>
+                                        </p:cTn>
+                                        <p:tgtEl>
+                                          <p:spTgt spid="3">
+                                            <p:txEl>
+                                              <p:pRg st="5" end="5"/>
+                                            </p:txEl>
+                                          </p:spTgt>
+                                        </p:tgtEl>
+                                        <p:attrNameLst>
+                                          <p:attrName>style.visibility</p:attrName>
+                                        </p:attrNameLst>
+                                      </p:cBhvr>
+                                      <p:to>
+                                        <p:strVal val="visible"/>
+                                      </p:to>
+                                    </p:set>
+                                    <p:animEffect transition="in" filter="wipe(down)">
+                                      <p:cBhvr>
+                                        <p:cTn id="39" dur="580">
+                                          <p:stCondLst>
+                                            <p:cond delay="0"/>
+                                          </p:stCondLst>
+                                        </p:cTn>
+                                        <p:tgtEl>
+                                          <p:spTgt spid="3">
+                                            <p:txEl>
+                                              <p:pRg st="5" end="5"/>
+                                            </p:txEl>
+                                          </p:spTgt>
+                                        </p:tgtEl>
+                                      </p:cBhvr>
+                                    </p:animEffect>
+                                    <p:anim calcmode="lin" valueType="num">
+                                      <p:cBhvr>
+                                        <p:cTn id="40" dur="1822" tmFilter="0,0; 0.14,0.36; 0.43,0.73; 0.71,0.91; 1.0,1.0">
+                                          <p:stCondLst>
+                                            <p:cond delay="0"/>
+                                          </p:stCondLst>
+                                        </p:cTn>
+                                        <p:tgtEl>
+                                          <p:spTgt spid="3">
+                                            <p:txEl>
+                                              <p:pRg st="5" end="5"/>
+                                            </p:txEl>
+                                          </p:spTgt>
+                                        </p:tgtEl>
+                                        <p:attrNameLst>
+                                          <p:attrName>ppt_x</p:attrName>
+                                        </p:attrNameLst>
+                                      </p:cBhvr>
+                                      <p:tavLst>
+                                        <p:tav tm="0">
+                                          <p:val>
+                                            <p:strVal val="#ppt_x-0.25"/>
+                                          </p:val>
+                                        </p:tav>
+                                        <p:tav tm="100000">
+                                          <p:val>
+                                            <p:strVal val="#ppt_x"/>
+                                          </p:val>
+                                        </p:tav>
+                                      </p:tavLst>
+                                    </p:anim>
+                                    <p:anim calcmode="lin" valueType="num">
+                                      <p:cBhvr>
+                                        <p:cTn id="41" dur="664" tmFilter="0.0,0.0; 0.25,0.07; 0.50,0.2; 0.75,0.467; 1.0,1.0">
+                                          <p:stCondLst>
+                                            <p:cond delay="0"/>
+                                          </p:stCondLst>
+                                        </p:cTn>
+                                        <p:tgtEl>
+                                          <p:spTgt spid="3">
+                                            <p:txEl>
+                                              <p:pRg st="5" end="5"/>
+                                            </p:txEl>
+                                          </p:spTgt>
+                                        </p:tgtEl>
+                                        <p:attrNameLst>
+                                          <p:attrName>ppt_y</p:attrName>
+                                        </p:attrNameLst>
+                                      </p:cBhvr>
+                                      <p:tavLst>
+                                        <p:tav tm="0" fmla="#ppt_y-sin(pi*$)/3">
+                                          <p:val>
+                                            <p:fltVal val="0.5"/>
+                                          </p:val>
+                                        </p:tav>
+                                        <p:tav tm="100000">
+                                          <p:val>
+                                            <p:fltVal val="1"/>
+                                          </p:val>
+                                        </p:tav>
+                                      </p:tavLst>
+                                    </p:anim>
+                                    <p:anim calcmode="lin" valueType="num">
+                                      <p:cBhvr>
+                                        <p:cTn id="42" dur="664" tmFilter="0, 0; 0.125,0.2665; 0.25,0.4; 0.375,0.465; 0.5,0.5;  0.625,0.535; 0.75,0.6; 0.875,0.7335; 1,1">
+                                          <p:stCondLst>
+                                            <p:cond delay="664"/>
+                                          </p:stCondLst>
+                                        </p:cTn>
+                                        <p:tgtEl>
+                                          <p:spTgt spid="3">
+                                            <p:txEl>
+                                              <p:pRg st="5" end="5"/>
+                                            </p:txEl>
+                                          </p:spTgt>
+                                        </p:tgtEl>
+                                        <p:attrNameLst>
+                                          <p:attrName>ppt_y</p:attrName>
+                                        </p:attrNameLst>
+                                      </p:cBhvr>
+                                      <p:tavLst>
+                                        <p:tav tm="0" fmla="#ppt_y-sin(pi*$)/9">
+                                          <p:val>
+                                            <p:fltVal val="0"/>
+                                          </p:val>
+                                        </p:tav>
+                                        <p:tav tm="100000">
+                                          <p:val>
+                                            <p:fltVal val="1"/>
+                                          </p:val>
+                                        </p:tav>
+                                      </p:tavLst>
+                                    </p:anim>
+                                    <p:anim calcmode="lin" valueType="num">
+                                      <p:cBhvr>
+                                        <p:cTn id="43" dur="332" tmFilter="0, 0; 0.125,0.2665; 0.25,0.4; 0.375,0.465; 0.5,0.5;  0.625,0.535; 0.75,0.6; 0.875,0.7335; 1,1">
+                                          <p:stCondLst>
+                                            <p:cond delay="1324"/>
+                                          </p:stCondLst>
+                                        </p:cTn>
+                                        <p:tgtEl>
+                                          <p:spTgt spid="3">
+                                            <p:txEl>
+                                              <p:pRg st="5" end="5"/>
+                                            </p:txEl>
+                                          </p:spTgt>
+                                        </p:tgtEl>
+                                        <p:attrNameLst>
+                                          <p:attrName>ppt_y</p:attrName>
+                                        </p:attrNameLst>
+                                      </p:cBhvr>
+                                      <p:tavLst>
+                                        <p:tav tm="0" fmla="#ppt_y-sin(pi*$)/27">
+                                          <p:val>
+                                            <p:fltVal val="0"/>
+                                          </p:val>
+                                        </p:tav>
+                                        <p:tav tm="100000">
+                                          <p:val>
+                                            <p:fltVal val="1"/>
+                                          </p:val>
+                                        </p:tav>
+                                      </p:tavLst>
+                                    </p:anim>
+                                    <p:anim calcmode="lin" valueType="num">
+                                      <p:cBhvr>
+                                        <p:cTn id="44" dur="164" tmFilter="0, 0; 0.125,0.2665; 0.25,0.4; 0.375,0.465; 0.5,0.5;  0.625,0.535; 0.75,0.6; 0.875,0.7335; 1,1">
+                                          <p:stCondLst>
+                                            <p:cond delay="1656"/>
+                                          </p:stCondLst>
+                                        </p:cTn>
+                                        <p:tgtEl>
+                                          <p:spTgt spid="3">
+                                            <p:txEl>
+                                              <p:pRg st="5" end="5"/>
+                                            </p:txEl>
+                                          </p:spTgt>
+                                        </p:tgtEl>
+                                        <p:attrNameLst>
+                                          <p:attrName>ppt_y</p:attrName>
+                                        </p:attrNameLst>
+                                      </p:cBhvr>
+                                      <p:tavLst>
+                                        <p:tav tm="0" fmla="#ppt_y-sin(pi*$)/81">
+                                          <p:val>
+                                            <p:fltVal val="0"/>
+                                          </p:val>
+                                        </p:tav>
+                                        <p:tav tm="100000">
+                                          <p:val>
+                                            <p:fltVal val="1"/>
+                                          </p:val>
+                                        </p:tav>
+                                      </p:tavLst>
+                                    </p:anim>
+                                    <p:animScale>
+                                      <p:cBhvr>
+                                        <p:cTn id="45" dur="26">
+                                          <p:stCondLst>
+                                            <p:cond delay="650"/>
+                                          </p:stCondLst>
+                                        </p:cTn>
+                                        <p:tgtEl>
+                                          <p:spTgt spid="3">
+                                            <p:txEl>
+                                              <p:pRg st="5" end="5"/>
+                                            </p:txEl>
+                                          </p:spTgt>
+                                        </p:tgtEl>
+                                      </p:cBhvr>
+                                      <p:to x="100000" y="60000"/>
+                                    </p:animScale>
+                                    <p:animScale>
+                                      <p:cBhvr>
+                                        <p:cTn id="46" dur="166" decel="50000">
+                                          <p:stCondLst>
+                                            <p:cond delay="676"/>
+                                          </p:stCondLst>
+                                        </p:cTn>
+                                        <p:tgtEl>
+                                          <p:spTgt spid="3">
+                                            <p:txEl>
+                                              <p:pRg st="5" end="5"/>
+                                            </p:txEl>
+                                          </p:spTgt>
+                                        </p:tgtEl>
+                                      </p:cBhvr>
+                                      <p:to x="100000" y="100000"/>
+                                    </p:animScale>
+                                    <p:animScale>
+                                      <p:cBhvr>
+                                        <p:cTn id="47" dur="26">
+                                          <p:stCondLst>
+                                            <p:cond delay="1312"/>
+                                          </p:stCondLst>
+                                        </p:cTn>
+                                        <p:tgtEl>
+                                          <p:spTgt spid="3">
+                                            <p:txEl>
+                                              <p:pRg st="5" end="5"/>
+                                            </p:txEl>
+                                          </p:spTgt>
+                                        </p:tgtEl>
+                                      </p:cBhvr>
+                                      <p:to x="100000" y="80000"/>
+                                    </p:animScale>
+                                    <p:animScale>
+                                      <p:cBhvr>
+                                        <p:cTn id="48" dur="166" decel="50000">
+                                          <p:stCondLst>
+                                            <p:cond delay="1338"/>
+                                          </p:stCondLst>
+                                        </p:cTn>
+                                        <p:tgtEl>
+                                          <p:spTgt spid="3">
+                                            <p:txEl>
+                                              <p:pRg st="5" end="5"/>
+                                            </p:txEl>
+                                          </p:spTgt>
+                                        </p:tgtEl>
+                                      </p:cBhvr>
+                                      <p:to x="100000" y="100000"/>
+                                    </p:animScale>
+                                    <p:animScale>
+                                      <p:cBhvr>
+                                        <p:cTn id="49" dur="26">
+                                          <p:stCondLst>
+                                            <p:cond delay="1642"/>
+                                          </p:stCondLst>
+                                        </p:cTn>
+                                        <p:tgtEl>
+                                          <p:spTgt spid="3">
+                                            <p:txEl>
+                                              <p:pRg st="5" end="5"/>
+                                            </p:txEl>
+                                          </p:spTgt>
+                                        </p:tgtEl>
+                                      </p:cBhvr>
+                                      <p:to x="100000" y="90000"/>
+                                    </p:animScale>
+                                    <p:animScale>
+                                      <p:cBhvr>
+                                        <p:cTn id="50" dur="166" decel="50000">
+                                          <p:stCondLst>
+                                            <p:cond delay="1668"/>
+                                          </p:stCondLst>
+                                        </p:cTn>
+                                        <p:tgtEl>
+                                          <p:spTgt spid="3">
+                                            <p:txEl>
+                                              <p:pRg st="5" end="5"/>
+                                            </p:txEl>
+                                          </p:spTgt>
+                                        </p:tgtEl>
+                                      </p:cBhvr>
+                                      <p:to x="100000" y="100000"/>
+                                    </p:animScale>
+                                    <p:animScale>
+                                      <p:cBhvr>
+                                        <p:cTn id="51" dur="26">
+                                          <p:stCondLst>
+                                            <p:cond delay="1808"/>
+                                          </p:stCondLst>
+                                        </p:cTn>
+                                        <p:tgtEl>
+                                          <p:spTgt spid="3">
+                                            <p:txEl>
+                                              <p:pRg st="5" end="5"/>
+                                            </p:txEl>
+                                          </p:spTgt>
+                                        </p:tgtEl>
+                                      </p:cBhvr>
+                                      <p:to x="100000" y="95000"/>
+                                    </p:animScale>
+                                    <p:animScale>
+                                      <p:cBhvr>
+                                        <p:cTn id="52" dur="166" decel="50000">
+                                          <p:stCondLst>
+                                            <p:cond delay="1834"/>
+                                          </p:stCondLst>
+                                        </p:cTn>
+                                        <p:tgtEl>
+                                          <p:spTgt spid="3">
+                                            <p:txEl>
+                                              <p:pRg st="5" end="5"/>
+                                            </p:txEl>
+                                          </p:spTgt>
+                                        </p:tgtEl>
+                                      </p:cBhvr>
+                                      <p:to x="100000" y="100000"/>
+                                    </p:animScale>
+                                  </p:childTnLst>
+                                </p:cTn>
+                              </p:par>
+                              <p:par>
+                                <p:cTn id="53" presetID="26" presetClass="entr" presetSubtype="0" fill="hold" nodeType="withEffect">
+                                  <p:stCondLst>
+                                    <p:cond delay="0"/>
+                                  </p:stCondLst>
+                                  <p:childTnLst>
+                                    <p:set>
+                                      <p:cBhvr>
+                                        <p:cTn id="54" dur="1" fill="hold">
+                                          <p:stCondLst>
+                                            <p:cond delay="0"/>
+                                          </p:stCondLst>
+                                        </p:cTn>
+                                        <p:tgtEl>
+                                          <p:spTgt spid="3">
+                                            <p:txEl>
+                                              <p:pRg st="6" end="6"/>
+                                            </p:txEl>
+                                          </p:spTgt>
+                                        </p:tgtEl>
+                                        <p:attrNameLst>
+                                          <p:attrName>style.visibility</p:attrName>
+                                        </p:attrNameLst>
+                                      </p:cBhvr>
+                                      <p:to>
+                                        <p:strVal val="visible"/>
+                                      </p:to>
+                                    </p:set>
+                                    <p:animEffect transition="in" filter="wipe(down)">
+                                      <p:cBhvr>
+                                        <p:cTn id="55" dur="580">
+                                          <p:stCondLst>
+                                            <p:cond delay="0"/>
+                                          </p:stCondLst>
+                                        </p:cTn>
+                                        <p:tgtEl>
+                                          <p:spTgt spid="3">
+                                            <p:txEl>
+                                              <p:pRg st="6" end="6"/>
+                                            </p:txEl>
+                                          </p:spTgt>
+                                        </p:tgtEl>
+                                      </p:cBhvr>
+                                    </p:animEffect>
+                                    <p:anim calcmode="lin" valueType="num">
+                                      <p:cBhvr>
+                                        <p:cTn id="56" dur="1822" tmFilter="0,0; 0.14,0.36; 0.43,0.73; 0.71,0.91; 1.0,1.0">
+                                          <p:stCondLst>
+                                            <p:cond delay="0"/>
+                                          </p:stCondLst>
+                                        </p:cTn>
+                                        <p:tgtEl>
+                                          <p:spTgt spid="3">
+                                            <p:txEl>
+                                              <p:pRg st="6" end="6"/>
+                                            </p:txEl>
+                                          </p:spTgt>
+                                        </p:tgtEl>
+                                        <p:attrNameLst>
+                                          <p:attrName>ppt_x</p:attrName>
+                                        </p:attrNameLst>
+                                      </p:cBhvr>
+                                      <p:tavLst>
+                                        <p:tav tm="0">
+                                          <p:val>
+                                            <p:strVal val="#ppt_x-0.25"/>
+                                          </p:val>
+                                        </p:tav>
+                                        <p:tav tm="100000">
+                                          <p:val>
+                                            <p:strVal val="#ppt_x"/>
+                                          </p:val>
+                                        </p:tav>
+                                      </p:tavLst>
+                                    </p:anim>
+                                    <p:anim calcmode="lin" valueType="num">
+                                      <p:cBhvr>
+                                        <p:cTn id="57" dur="664" tmFilter="0.0,0.0; 0.25,0.07; 0.50,0.2; 0.75,0.467; 1.0,1.0">
+                                          <p:stCondLst>
+                                            <p:cond delay="0"/>
+                                          </p:stCondLst>
+                                        </p:cTn>
+                                        <p:tgtEl>
+                                          <p:spTgt spid="3">
+                                            <p:txEl>
+                                              <p:pRg st="6" end="6"/>
+                                            </p:txEl>
+                                          </p:spTgt>
+                                        </p:tgtEl>
+                                        <p:attrNameLst>
+                                          <p:attrName>ppt_y</p:attrName>
+                                        </p:attrNameLst>
+                                      </p:cBhvr>
+                                      <p:tavLst>
+                                        <p:tav tm="0" fmla="#ppt_y-sin(pi*$)/3">
+                                          <p:val>
+                                            <p:fltVal val="0.5"/>
+                                          </p:val>
+                                        </p:tav>
+                                        <p:tav tm="100000">
+                                          <p:val>
+                                            <p:fltVal val="1"/>
+                                          </p:val>
+                                        </p:tav>
+                                      </p:tavLst>
+                                    </p:anim>
+                                    <p:anim calcmode="lin" valueType="num">
+                                      <p:cBhvr>
+                                        <p:cTn id="58" dur="664" tmFilter="0, 0; 0.125,0.2665; 0.25,0.4; 0.375,0.465; 0.5,0.5;  0.625,0.535; 0.75,0.6; 0.875,0.7335; 1,1">
+                                          <p:stCondLst>
+                                            <p:cond delay="664"/>
+                                          </p:stCondLst>
+                                        </p:cTn>
+                                        <p:tgtEl>
+                                          <p:spTgt spid="3">
+                                            <p:txEl>
+                                              <p:pRg st="6" end="6"/>
+                                            </p:txEl>
+                                          </p:spTgt>
+                                        </p:tgtEl>
+                                        <p:attrNameLst>
+                                          <p:attrName>ppt_y</p:attrName>
+                                        </p:attrNameLst>
+                                      </p:cBhvr>
+                                      <p:tavLst>
+                                        <p:tav tm="0" fmla="#ppt_y-sin(pi*$)/9">
+                                          <p:val>
+                                            <p:fltVal val="0"/>
+                                          </p:val>
+                                        </p:tav>
+                                        <p:tav tm="100000">
+                                          <p:val>
+                                            <p:fltVal val="1"/>
+                                          </p:val>
+                                        </p:tav>
+                                      </p:tavLst>
+                                    </p:anim>
+                                    <p:anim calcmode="lin" valueType="num">
+                                      <p:cBhvr>
+                                        <p:cTn id="59" dur="332" tmFilter="0, 0; 0.125,0.2665; 0.25,0.4; 0.375,0.465; 0.5,0.5;  0.625,0.535; 0.75,0.6; 0.875,0.7335; 1,1">
+                                          <p:stCondLst>
+                                            <p:cond delay="1324"/>
+                                          </p:stCondLst>
+                                        </p:cTn>
+                                        <p:tgtEl>
+                                          <p:spTgt spid="3">
+                                            <p:txEl>
+                                              <p:pRg st="6" end="6"/>
+                                            </p:txEl>
+                                          </p:spTgt>
+                                        </p:tgtEl>
+                                        <p:attrNameLst>
+                                          <p:attrName>ppt_y</p:attrName>
+                                        </p:attrNameLst>
+                                      </p:cBhvr>
+                                      <p:tavLst>
+                                        <p:tav tm="0" fmla="#ppt_y-sin(pi*$)/27">
+                                          <p:val>
+                                            <p:fltVal val="0"/>
+                                          </p:val>
+                                        </p:tav>
+                                        <p:tav tm="100000">
+                                          <p:val>
+                                            <p:fltVal val="1"/>
+                                          </p:val>
+                                        </p:tav>
+                                      </p:tavLst>
+                                    </p:anim>
+                                    <p:anim calcmode="lin" valueType="num">
+                                      <p:cBhvr>
+                                        <p:cTn id="60" dur="164" tmFilter="0, 0; 0.125,0.2665; 0.25,0.4; 0.375,0.465; 0.5,0.5;  0.625,0.535; 0.75,0.6; 0.875,0.7335; 1,1">
+                                          <p:stCondLst>
+                                            <p:cond delay="1656"/>
+                                          </p:stCondLst>
+                                        </p:cTn>
+                                        <p:tgtEl>
+                                          <p:spTgt spid="3">
+                                            <p:txEl>
+                                              <p:pRg st="6" end="6"/>
+                                            </p:txEl>
+                                          </p:spTgt>
+                                        </p:tgtEl>
+                                        <p:attrNameLst>
+                                          <p:attrName>ppt_y</p:attrName>
+                                        </p:attrNameLst>
+                                      </p:cBhvr>
+                                      <p:tavLst>
+                                        <p:tav tm="0" fmla="#ppt_y-sin(pi*$)/81">
+                                          <p:val>
+                                            <p:fltVal val="0"/>
+                                          </p:val>
+                                        </p:tav>
+                                        <p:tav tm="100000">
+                                          <p:val>
+                                            <p:fltVal val="1"/>
+                                          </p:val>
+                                        </p:tav>
+                                      </p:tavLst>
+                                    </p:anim>
+                                    <p:animScale>
+                                      <p:cBhvr>
+                                        <p:cTn id="61" dur="26">
+                                          <p:stCondLst>
+                                            <p:cond delay="650"/>
+                                          </p:stCondLst>
+                                        </p:cTn>
+                                        <p:tgtEl>
+                                          <p:spTgt spid="3">
+                                            <p:txEl>
+                                              <p:pRg st="6" end="6"/>
+                                            </p:txEl>
+                                          </p:spTgt>
+                                        </p:tgtEl>
+                                      </p:cBhvr>
+                                      <p:to x="100000" y="60000"/>
+                                    </p:animScale>
+                                    <p:animScale>
+                                      <p:cBhvr>
+                                        <p:cTn id="62" dur="166" decel="50000">
+                                          <p:stCondLst>
+                                            <p:cond delay="676"/>
+                                          </p:stCondLst>
+                                        </p:cTn>
+                                        <p:tgtEl>
+                                          <p:spTgt spid="3">
+                                            <p:txEl>
+                                              <p:pRg st="6" end="6"/>
+                                            </p:txEl>
+                                          </p:spTgt>
+                                        </p:tgtEl>
+                                      </p:cBhvr>
+                                      <p:to x="100000" y="100000"/>
+                                    </p:animScale>
+                                    <p:animScale>
+                                      <p:cBhvr>
+                                        <p:cTn id="63" dur="26">
+                                          <p:stCondLst>
+                                            <p:cond delay="1312"/>
+                                          </p:stCondLst>
+                                        </p:cTn>
+                                        <p:tgtEl>
+                                          <p:spTgt spid="3">
+                                            <p:txEl>
+                                              <p:pRg st="6" end="6"/>
+                                            </p:txEl>
+                                          </p:spTgt>
+                                        </p:tgtEl>
+                                      </p:cBhvr>
+                                      <p:to x="100000" y="80000"/>
+                                    </p:animScale>
+                                    <p:animScale>
+                                      <p:cBhvr>
+                                        <p:cTn id="64" dur="166" decel="50000">
+                                          <p:stCondLst>
+                                            <p:cond delay="1338"/>
+                                          </p:stCondLst>
+                                        </p:cTn>
+                                        <p:tgtEl>
+                                          <p:spTgt spid="3">
+                                            <p:txEl>
+                                              <p:pRg st="6" end="6"/>
+                                            </p:txEl>
+                                          </p:spTgt>
+                                        </p:tgtEl>
+                                      </p:cBhvr>
+                                      <p:to x="100000" y="100000"/>
+                                    </p:animScale>
+                                    <p:animScale>
+                                      <p:cBhvr>
+                                        <p:cTn id="65" dur="26">
+                                          <p:stCondLst>
+                                            <p:cond delay="1642"/>
+                                          </p:stCondLst>
+                                        </p:cTn>
+                                        <p:tgtEl>
+                                          <p:spTgt spid="3">
+                                            <p:txEl>
+                                              <p:pRg st="6" end="6"/>
+                                            </p:txEl>
+                                          </p:spTgt>
+                                        </p:tgtEl>
+                                      </p:cBhvr>
+                                      <p:to x="100000" y="90000"/>
+                                    </p:animScale>
+                                    <p:animScale>
+                                      <p:cBhvr>
+                                        <p:cTn id="66" dur="166" decel="50000">
+                                          <p:stCondLst>
+                                            <p:cond delay="1668"/>
+                                          </p:stCondLst>
+                                        </p:cTn>
+                                        <p:tgtEl>
+                                          <p:spTgt spid="3">
+                                            <p:txEl>
+                                              <p:pRg st="6" end="6"/>
+                                            </p:txEl>
+                                          </p:spTgt>
+                                        </p:tgtEl>
+                                      </p:cBhvr>
+                                      <p:to x="100000" y="100000"/>
+                                    </p:animScale>
+                                    <p:animScale>
+                                      <p:cBhvr>
+                                        <p:cTn id="67" dur="26">
+                                          <p:stCondLst>
+                                            <p:cond delay="1808"/>
+                                          </p:stCondLst>
+                                        </p:cTn>
+                                        <p:tgtEl>
+                                          <p:spTgt spid="3">
+                                            <p:txEl>
+                                              <p:pRg st="6" end="6"/>
+                                            </p:txEl>
+                                          </p:spTgt>
+                                        </p:tgtEl>
+                                      </p:cBhvr>
+                                      <p:to x="100000" y="95000"/>
+                                    </p:animScale>
+                                    <p:animScale>
+                                      <p:cBhvr>
+                                        <p:cTn id="68" dur="166" decel="50000">
+                                          <p:stCondLst>
+                                            <p:cond delay="1834"/>
+                                          </p:stCondLst>
+                                        </p:cTn>
+                                        <p:tgtEl>
+                                          <p:spTgt spid="3">
+                                            <p:txEl>
+                                              <p:pRg st="6" end="6"/>
+                                            </p:txEl>
+                                          </p:spTgt>
+                                        </p:tgtEl>
+                                      </p:cBhvr>
+                                      <p:to x="100000" y="100000"/>
+                                    </p:animScale>
+                                  </p:childTnLst>
+                                </p:cTn>
+                              </p:par>
+                              <p:par>
+                                <p:cTn id="69" presetID="26" presetClass="entr" presetSubtype="0" fill="hold" nodeType="withEffect">
+                                  <p:stCondLst>
+                                    <p:cond delay="0"/>
+                                  </p:stCondLst>
+                                  <p:childTnLst>
+                                    <p:set>
+                                      <p:cBhvr>
+                                        <p:cTn id="70" dur="1" fill="hold">
+                                          <p:stCondLst>
+                                            <p:cond delay="0"/>
+                                          </p:stCondLst>
+                                        </p:cTn>
+                                        <p:tgtEl>
+                                          <p:spTgt spid="3">
+                                            <p:txEl>
+                                              <p:pRg st="7" end="7"/>
+                                            </p:txEl>
+                                          </p:spTgt>
+                                        </p:tgtEl>
+                                        <p:attrNameLst>
+                                          <p:attrName>style.visibility</p:attrName>
+                                        </p:attrNameLst>
+                                      </p:cBhvr>
+                                      <p:to>
+                                        <p:strVal val="visible"/>
+                                      </p:to>
+                                    </p:set>
+                                    <p:animEffect transition="in" filter="wipe(down)">
+                                      <p:cBhvr>
+                                        <p:cTn id="71" dur="580">
+                                          <p:stCondLst>
+                                            <p:cond delay="0"/>
+                                          </p:stCondLst>
+                                        </p:cTn>
+                                        <p:tgtEl>
+                                          <p:spTgt spid="3">
+                                            <p:txEl>
+                                              <p:pRg st="7" end="7"/>
+                                            </p:txEl>
+                                          </p:spTgt>
+                                        </p:tgtEl>
+                                      </p:cBhvr>
+                                    </p:animEffect>
+                                    <p:anim calcmode="lin" valueType="num">
+                                      <p:cBhvr>
+                                        <p:cTn id="72" dur="1822" tmFilter="0,0; 0.14,0.36; 0.43,0.73; 0.71,0.91; 1.0,1.0">
+                                          <p:stCondLst>
+                                            <p:cond delay="0"/>
+                                          </p:stCondLst>
+                                        </p:cTn>
+                                        <p:tgtEl>
+                                          <p:spTgt spid="3">
+                                            <p:txEl>
+                                              <p:pRg st="7" end="7"/>
+                                            </p:txEl>
+                                          </p:spTgt>
+                                        </p:tgtEl>
+                                        <p:attrNameLst>
+                                          <p:attrName>ppt_x</p:attrName>
+                                        </p:attrNameLst>
+                                      </p:cBhvr>
+                                      <p:tavLst>
+                                        <p:tav tm="0">
+                                          <p:val>
+                                            <p:strVal val="#ppt_x-0.25"/>
+                                          </p:val>
+                                        </p:tav>
+                                        <p:tav tm="100000">
+                                          <p:val>
+                                            <p:strVal val="#ppt_x"/>
+                                          </p:val>
+                                        </p:tav>
+                                      </p:tavLst>
+                                    </p:anim>
+                                    <p:anim calcmode="lin" valueType="num">
+                                      <p:cBhvr>
+                                        <p:cTn id="73" dur="664" tmFilter="0.0,0.0; 0.25,0.07; 0.50,0.2; 0.75,0.467; 1.0,1.0">
+                                          <p:stCondLst>
+                                            <p:cond delay="0"/>
+                                          </p:stCondLst>
+                                        </p:cTn>
+                                        <p:tgtEl>
+                                          <p:spTgt spid="3">
+                                            <p:txEl>
+                                              <p:pRg st="7" end="7"/>
+                                            </p:txEl>
+                                          </p:spTgt>
+                                        </p:tgtEl>
+                                        <p:attrNameLst>
+                                          <p:attrName>ppt_y</p:attrName>
+                                        </p:attrNameLst>
+                                      </p:cBhvr>
+                                      <p:tavLst>
+                                        <p:tav tm="0" fmla="#ppt_y-sin(pi*$)/3">
+                                          <p:val>
+                                            <p:fltVal val="0.5"/>
+                                          </p:val>
+                                        </p:tav>
+                                        <p:tav tm="100000">
+                                          <p:val>
+                                            <p:fltVal val="1"/>
+                                          </p:val>
+                                        </p:tav>
+                                      </p:tavLst>
+                                    </p:anim>
+                                    <p:anim calcmode="lin" valueType="num">
+                                      <p:cBhvr>
+                                        <p:cTn id="74" dur="664" tmFilter="0, 0; 0.125,0.2665; 0.25,0.4; 0.375,0.465; 0.5,0.5;  0.625,0.535; 0.75,0.6; 0.875,0.7335; 1,1">
+                                          <p:stCondLst>
+                                            <p:cond delay="664"/>
+                                          </p:stCondLst>
+                                        </p:cTn>
+                                        <p:tgtEl>
+                                          <p:spTgt spid="3">
+                                            <p:txEl>
+                                              <p:pRg st="7" end="7"/>
+                                            </p:txEl>
+                                          </p:spTgt>
+                                        </p:tgtEl>
+                                        <p:attrNameLst>
+                                          <p:attrName>ppt_y</p:attrName>
+                                        </p:attrNameLst>
+                                      </p:cBhvr>
+                                      <p:tavLst>
+                                        <p:tav tm="0" fmla="#ppt_y-sin(pi*$)/9">
+                                          <p:val>
+                                            <p:fltVal val="0"/>
+                                          </p:val>
+                                        </p:tav>
+                                        <p:tav tm="100000">
+                                          <p:val>
+                                            <p:fltVal val="1"/>
+                                          </p:val>
+                                        </p:tav>
+                                      </p:tavLst>
+                                    </p:anim>
+                                    <p:anim calcmode="lin" valueType="num">
+                                      <p:cBhvr>
+                                        <p:cTn id="75" dur="332" tmFilter="0, 0; 0.125,0.2665; 0.25,0.4; 0.375,0.465; 0.5,0.5;  0.625,0.535; 0.75,0.6; 0.875,0.7335; 1,1">
+                                          <p:stCondLst>
+                                            <p:cond delay="1324"/>
+                                          </p:stCondLst>
+                                        </p:cTn>
+                                        <p:tgtEl>
+                                          <p:spTgt spid="3">
+                                            <p:txEl>
+                                              <p:pRg st="7" end="7"/>
+                                            </p:txEl>
+                                          </p:spTgt>
+                                        </p:tgtEl>
+                                        <p:attrNameLst>
+                                          <p:attrName>ppt_y</p:attrName>
+                                        </p:attrNameLst>
+                                      </p:cBhvr>
+                                      <p:tavLst>
+                                        <p:tav tm="0" fmla="#ppt_y-sin(pi*$)/27">
+                                          <p:val>
+                                            <p:fltVal val="0"/>
+                                          </p:val>
+                                        </p:tav>
+                                        <p:tav tm="100000">
+                                          <p:val>
+                                            <p:fltVal val="1"/>
+                                          </p:val>
+                                        </p:tav>
+                                      </p:tavLst>
+                                    </p:anim>
+                                    <p:anim calcmode="lin" valueType="num">
+                                      <p:cBhvr>
+                                        <p:cTn id="76" dur="164" tmFilter="0, 0; 0.125,0.2665; 0.25,0.4; 0.375,0.465; 0.5,0.5;  0.625,0.535; 0.75,0.6; 0.875,0.7335; 1,1">
+                                          <p:stCondLst>
+                                            <p:cond delay="1656"/>
+                                          </p:stCondLst>
+                                        </p:cTn>
+                                        <p:tgtEl>
+                                          <p:spTgt spid="3">
+                                            <p:txEl>
+                                              <p:pRg st="7" end="7"/>
+                                            </p:txEl>
+                                          </p:spTgt>
+                                        </p:tgtEl>
+                                        <p:attrNameLst>
+                                          <p:attrName>ppt_y</p:attrName>
+                                        </p:attrNameLst>
+                                      </p:cBhvr>
+                                      <p:tavLst>
+                                        <p:tav tm="0" fmla="#ppt_y-sin(pi*$)/81">
+                                          <p:val>
+                                            <p:fltVal val="0"/>
+                                          </p:val>
+                                        </p:tav>
+                                        <p:tav tm="100000">
+                                          <p:val>
+                                            <p:fltVal val="1"/>
+                                          </p:val>
+                                        </p:tav>
+                                      </p:tavLst>
+                                    </p:anim>
+                                    <p:animScale>
+                                      <p:cBhvr>
+                                        <p:cTn id="77" dur="26">
+                                          <p:stCondLst>
+                                            <p:cond delay="650"/>
+                                          </p:stCondLst>
+                                        </p:cTn>
+                                        <p:tgtEl>
+                                          <p:spTgt spid="3">
+                                            <p:txEl>
+                                              <p:pRg st="7" end="7"/>
+                                            </p:txEl>
+                                          </p:spTgt>
+                                        </p:tgtEl>
+                                      </p:cBhvr>
+                                      <p:to x="100000" y="60000"/>
+                                    </p:animScale>
+                                    <p:animScale>
+                                      <p:cBhvr>
+                                        <p:cTn id="78" dur="166" decel="50000">
+                                          <p:stCondLst>
+                                            <p:cond delay="676"/>
+                                          </p:stCondLst>
+                                        </p:cTn>
+                                        <p:tgtEl>
+                                          <p:spTgt spid="3">
+                                            <p:txEl>
+                                              <p:pRg st="7" end="7"/>
+                                            </p:txEl>
+                                          </p:spTgt>
+                                        </p:tgtEl>
+                                      </p:cBhvr>
+                                      <p:to x="100000" y="100000"/>
+                                    </p:animScale>
+                                    <p:animScale>
+                                      <p:cBhvr>
+                                        <p:cTn id="79" dur="26">
+                                          <p:stCondLst>
+                                            <p:cond delay="1312"/>
+                                          </p:stCondLst>
+                                        </p:cTn>
+                                        <p:tgtEl>
+                                          <p:spTgt spid="3">
+                                            <p:txEl>
+                                              <p:pRg st="7" end="7"/>
+                                            </p:txEl>
+                                          </p:spTgt>
+                                        </p:tgtEl>
+                                      </p:cBhvr>
+                                      <p:to x="100000" y="80000"/>
+                                    </p:animScale>
+                                    <p:animScale>
+                                      <p:cBhvr>
+                                        <p:cTn id="80" dur="166" decel="50000">
+                                          <p:stCondLst>
+                                            <p:cond delay="1338"/>
+                                          </p:stCondLst>
+                                        </p:cTn>
+                                        <p:tgtEl>
+                                          <p:spTgt spid="3">
+                                            <p:txEl>
+                                              <p:pRg st="7" end="7"/>
+                                            </p:txEl>
+                                          </p:spTgt>
+                                        </p:tgtEl>
+                                      </p:cBhvr>
+                                      <p:to x="100000" y="100000"/>
+                                    </p:animScale>
+                                    <p:animScale>
+                                      <p:cBhvr>
+                                        <p:cTn id="81" dur="26">
+                                          <p:stCondLst>
+                                            <p:cond delay="1642"/>
+                                          </p:stCondLst>
+                                        </p:cTn>
+                                        <p:tgtEl>
+                                          <p:spTgt spid="3">
+                                            <p:txEl>
+                                              <p:pRg st="7" end="7"/>
+                                            </p:txEl>
+                                          </p:spTgt>
+                                        </p:tgtEl>
+                                      </p:cBhvr>
+                                      <p:to x="100000" y="90000"/>
+                                    </p:animScale>
+                                    <p:animScale>
+                                      <p:cBhvr>
+                                        <p:cTn id="82" dur="166" decel="50000">
+                                          <p:stCondLst>
+                                            <p:cond delay="1668"/>
+                                          </p:stCondLst>
+                                        </p:cTn>
+                                        <p:tgtEl>
+                                          <p:spTgt spid="3">
+                                            <p:txEl>
+                                              <p:pRg st="7" end="7"/>
+                                            </p:txEl>
+                                          </p:spTgt>
+                                        </p:tgtEl>
+                                      </p:cBhvr>
+                                      <p:to x="100000" y="100000"/>
+                                    </p:animScale>
+                                    <p:animScale>
+                                      <p:cBhvr>
+                                        <p:cTn id="83" dur="26">
+                                          <p:stCondLst>
+                                            <p:cond delay="1808"/>
+                                          </p:stCondLst>
+                                        </p:cTn>
+                                        <p:tgtEl>
+                                          <p:spTgt spid="3">
+                                            <p:txEl>
+                                              <p:pRg st="7" end="7"/>
+                                            </p:txEl>
+                                          </p:spTgt>
+                                        </p:tgtEl>
+                                      </p:cBhvr>
+                                      <p:to x="100000" y="95000"/>
+                                    </p:animScale>
+                                    <p:animScale>
+                                      <p:cBhvr>
+                                        <p:cTn id="84" dur="166" decel="50000">
+                                          <p:stCondLst>
+                                            <p:cond delay="1834"/>
+                                          </p:stCondLst>
+                                        </p:cTn>
+                                        <p:tgtEl>
+                                          <p:spTgt spid="3">
+                                            <p:txEl>
+                                              <p:pRg st="7" end="7"/>
+                                            </p:txEl>
+                                          </p:spTgt>
+                                        </p:tgtEl>
+                                      </p:cBhvr>
+                                      <p:to x="100000" y="100000"/>
+                                    </p:animScale>
+                                  </p:childTnLst>
+                                </p:cTn>
+                              </p:par>
+                            </p:childTnLst>
+                          </p:cTn>
+                        </p:par>
+                      </p:childTnLst>
+                    </p:cTn>
+                  </p:par>
+                </p:childTnLst>
+              </p:cTn>
+              <p:prevCondLst>
+                <p:cond evt="onPrev" delay="0">
+                  <p:tgtEl>
+                    <p:sldTgt/>
+                  </p:tgtEl>
+                </p:cond>
+              </p:prevCondLst>
+              <p:nextCondLst>
+                <p:cond evt="onNext" delay="0">
+                  <p:tgtEl>
+                    <p:sldTgt/>
+                  </p:tgtEl>
+                </p:cond>
+              </p:nextCondLst>
+            </p:seq>
+          </p:childTnLst>
+        </p:cTn>
+      </p:par>
+    </p:tnLst>
+  </p:timing>
+</p:sld>
+</file>
+
+<file path=ppt/slides/slide24.xml><?xml version="1.0" encoding="utf-8"?>
+<p:sld xmlns:a="http://schemas.openxmlformats.org/drawingml/2006/main" xmlns:r="http://schemas.openxmlformats.org/officeDocument/2006/relationships" xmlns:p="http://schemas.openxmlformats.org/presentationml/2006/main">
+  <p:cSld>
+    <p:spTree>
+      <p:nvGrpSpPr>
+        <p:cNvPr id="1" name=""/>
+        <p:cNvGrpSpPr/>
+        <p:nvPr/>
+      </p:nvGrpSpPr>
+      <p:grpSpPr>
+        <a:xfrm>
+          <a:off x="0" y="0"/>
+          <a:ext cx="0" cy="0"/>
+          <a:chOff x="0" y="0"/>
+          <a:chExt cx="0" cy="0"/>
+        </a:xfrm>
+      </p:grpSpPr>
+      <p:sp>
+        <p:nvSpPr>
+          <p:cNvPr id="2" name="Title 1">
+            <a:extLst>
+              <a:ext uri="{FF2B5EF4-FFF2-40B4-BE49-F238E27FC236}">
+                <a16:creationId xmlns:a16="http://schemas.microsoft.com/office/drawing/2014/main" id="{D4F1543F-162D-4A5D-AB2D-9438843250AB}"/>
+              </a:ext>
+            </a:extLst>
+          </p:cNvPr>
+          <p:cNvSpPr>
+            <a:spLocks noGrp="1"/>
+          </p:cNvSpPr>
+          <p:nvPr>
+            <p:ph type="title"/>
+          </p:nvPr>
+        </p:nvSpPr>
+        <p:spPr/>
+        <p:txBody>
+          <a:bodyPr/>
+          <a:lstStyle/>
+          <a:p>
+            <a:r>
+              <a:rPr lang="en-US" dirty="0"/>
+              <a:t>Obstacle – 2</a:t>
+            </a:r>
+            <a:br>
+              <a:rPr lang="en-US" dirty="0"/>
+            </a:br>
+            <a:r>
+              <a:rPr lang="en-US" dirty="0"/>
+              <a:t>Built-In Operations</a:t>
+            </a:r>
+          </a:p>
+        </p:txBody>
+      </p:sp>
+      <p:sp>
+        <p:nvSpPr>
+          <p:cNvPr id="3" name="Content Placeholder 2">
+            <a:extLst>
+              <a:ext uri="{FF2B5EF4-FFF2-40B4-BE49-F238E27FC236}">
+                <a16:creationId xmlns:a16="http://schemas.microsoft.com/office/drawing/2014/main" id="{7DEB2DB0-9C84-46C0-920D-22591DE45E43}"/>
+              </a:ext>
+            </a:extLst>
+          </p:cNvPr>
+          <p:cNvSpPr>
+            <a:spLocks noGrp="1"/>
+          </p:cNvSpPr>
+          <p:nvPr>
+            <p:ph idx="1"/>
+          </p:nvPr>
+        </p:nvSpPr>
+        <p:spPr/>
+        <p:txBody>
+          <a:bodyPr>
+            <a:normAutofit/>
+          </a:bodyPr>
+          <a:lstStyle/>
+          <a:p>
+            <a:r>
+              <a:rPr lang="en-US" sz="2400" dirty="0"/>
+              <a:t>Example 1: Add()</a:t>
+            </a:r>
+          </a:p>
+          <a:p>
+            <a:pPr lvl="1">
+              <a:buFont typeface="Arial" panose="020B0604020202020204" pitchFamily="34" charset="0"/>
+              <a:buChar char="•"/>
+            </a:pPr>
+            <a:r>
+              <a:rPr lang="en-US" sz="2000" dirty="0"/>
+              <a:t>Case 1: $t0 = Add($t1 1) → </a:t>
+            </a:r>
+            <a:r>
+              <a:rPr lang="en-US" sz="2000" dirty="0" err="1"/>
+              <a:t>addi</a:t>
+            </a:r>
+            <a:r>
+              <a:rPr lang="en-US" sz="2000" dirty="0"/>
+              <a:t> $t0 $t1 1</a:t>
+            </a:r>
+          </a:p>
+          <a:p>
+            <a:pPr lvl="1">
+              <a:buFont typeface="Arial" panose="020B0604020202020204" pitchFamily="34" charset="0"/>
+              <a:buChar char="•"/>
+            </a:pPr>
+            <a:r>
+              <a:rPr lang="en-US" sz="2000" dirty="0"/>
+              <a:t>Case 2: $t0 = Add(2 $t1) → li $t9 2	add $t0 $t9 $t1</a:t>
+            </a:r>
+          </a:p>
+          <a:p>
+            <a:pPr lvl="1">
+              <a:buFont typeface="Arial" panose="020B0604020202020204" pitchFamily="34" charset="0"/>
+              <a:buChar char="•"/>
+            </a:pPr>
+            <a:r>
+              <a:rPr lang="en-US" sz="2000" dirty="0"/>
+              <a:t>Case 3: $t0 = Add(2 1) → Manually compute 2+1=3, li $t0 3</a:t>
+            </a:r>
+          </a:p>
+          <a:p>
+            <a:pPr lvl="1">
+              <a:buFont typeface="Arial" panose="020B0604020202020204" pitchFamily="34" charset="0"/>
+              <a:buChar char="•"/>
+            </a:pPr>
+            <a:r>
+              <a:rPr lang="en-US" sz="2000" dirty="0"/>
+              <a:t>Case 4: $t0 = Add($t1 $t2) → add $t0 $t1 $t2</a:t>
+            </a:r>
+          </a:p>
+          <a:p>
+            <a:r>
+              <a:rPr lang="en-US" sz="2400" dirty="0"/>
+              <a:t>Example 2: </a:t>
+            </a:r>
+            <a:r>
+              <a:rPr lang="en-US" sz="2400" dirty="0" err="1"/>
+              <a:t>PrintIntS</a:t>
+            </a:r>
+            <a:r>
+              <a:rPr lang="en-US" sz="2400" dirty="0"/>
+              <a:t>()</a:t>
+            </a:r>
+          </a:p>
+          <a:p>
+            <a:pPr lvl="1">
+              <a:buFont typeface="Arial" panose="020B0604020202020204" pitchFamily="34" charset="0"/>
+              <a:buChar char="•"/>
+            </a:pPr>
+            <a:r>
+              <a:rPr lang="en-US" sz="2000" dirty="0"/>
+              <a:t>Case 1: </a:t>
+            </a:r>
+            <a:r>
+              <a:rPr lang="en-US" sz="2000" dirty="0" err="1"/>
+              <a:t>PrintIntS</a:t>
+            </a:r>
+            <a:r>
+              <a:rPr lang="en-US" sz="2000" dirty="0"/>
+              <a:t>($t0) → move $a0 $t0</a:t>
+            </a:r>
+          </a:p>
+          <a:p>
+            <a:pPr lvl="1">
+              <a:buFont typeface="Arial" panose="020B0604020202020204" pitchFamily="34" charset="0"/>
+              <a:buChar char="•"/>
+            </a:pPr>
+            <a:r>
+              <a:rPr lang="en-US" sz="2000" dirty="0"/>
+              <a:t>Case 2: </a:t>
+            </a:r>
+            <a:r>
+              <a:rPr lang="en-US" sz="2000" dirty="0" err="1"/>
+              <a:t>PrintIntS</a:t>
+            </a:r>
+            <a:r>
+              <a:rPr lang="en-US" sz="2000" dirty="0"/>
+              <a:t>(10) → li $a0 10</a:t>
+            </a:r>
+          </a:p>
+        </p:txBody>
+      </p:sp>
+    </p:spTree>
+    <p:extLst>
+      <p:ext uri="{BB962C8B-B14F-4D97-AF65-F5344CB8AC3E}">
+        <p14:creationId xmlns:p14="http://schemas.microsoft.com/office/powerpoint/2010/main" val="1583857356"/>
+      </p:ext>
+    </p:extLst>
+  </p:cSld>
+  <p:clrMapOvr>
+    <a:masterClrMapping/>
+  </p:clrMapOvr>
+  <p:timing>
+    <p:tnLst>
+      <p:par>
+        <p:cTn id="1" dur="indefinite" restart="never" nodeType="tmRoot">
+          <p:childTnLst>
+            <p:seq concurrent="1" nextAc="seek">
+              <p:cTn id="2" dur="indefinite" nodeType="mainSeq">
+                <p:childTnLst>
+                  <p:par>
+                    <p:cTn id="3" fill="hold">
+                      <p:stCondLst>
+                        <p:cond delay="indefinite"/>
+                      </p:stCondLst>
+                      <p:childTnLst>
+                        <p:par>
+                          <p:cTn id="4" fill="hold">
+                            <p:stCondLst>
+                              <p:cond delay="0"/>
+                            </p:stCondLst>
+                            <p:childTnLst>
+                              <p:par>
+                                <p:cTn id="5" presetID="2" presetClass="entr" presetSubtype="4" fill="hold" nodeType="clickEffect">
+                                  <p:stCondLst>
+                                    <p:cond delay="0"/>
+                                  </p:stCondLst>
+                                  <p:childTnLst>
+                                    <p:set>
+                                      <p:cBhvr>
+                                        <p:cTn id="6" dur="1" fill="hold">
+                                          <p:stCondLst>
+                                            <p:cond delay="0"/>
+                                          </p:stCondLst>
+                                        </p:cTn>
+                                        <p:tgtEl>
+                                          <p:spTgt spid="3">
+                                            <p:txEl>
+                                              <p:pRg st="0" end="0"/>
+                                            </p:txEl>
+                                          </p:spTgt>
+                                        </p:tgtEl>
+                                        <p:attrNameLst>
+                                          <p:attrName>style.visibility</p:attrName>
+                                        </p:attrNameLst>
+                                      </p:cBhvr>
+                                      <p:to>
+                                        <p:strVal val="visible"/>
+                                      </p:to>
+                                    </p:set>
+                                    <p:anim calcmode="lin" valueType="num">
+                                      <p:cBhvr additive="base">
+                                        <p:cTn id="7" dur="500" fill="hold"/>
+                                        <p:tgtEl>
+                                          <p:spTgt spid="3">
+                                            <p:txEl>
+                                              <p:pRg st="0" end="0"/>
+                                            </p:txEl>
+                                          </p:spTgt>
+                                        </p:tgtEl>
+                                        <p:attrNameLst>
+                                          <p:attrName>ppt_x</p:attrName>
+                                        </p:attrNameLst>
+                                      </p:cBhvr>
+                                      <p:tavLst>
+                                        <p:tav tm="0">
+                                          <p:val>
+                                            <p:strVal val="#ppt_x"/>
+                                          </p:val>
+                                        </p:tav>
+                                        <p:tav tm="100000">
+                                          <p:val>
+                                            <p:strVal val="#ppt_x"/>
+                                          </p:val>
+                                        </p:tav>
+                                      </p:tavLst>
+                                    </p:anim>
+                                    <p:anim calcmode="lin" valueType="num">
+                                      <p:cBhvr additive="base">
+                                        <p:cTn id="8" dur="500" fill="hold"/>
+                                        <p:tgtEl>
+                                          <p:spTgt spid="3">
+                                            <p:txEl>
+                                              <p:pRg st="0" end="0"/>
+                                            </p:txEl>
+                                          </p:spTgt>
+                                        </p:tgtEl>
+                                        <p:attrNameLst>
+                                          <p:attrName>ppt_y</p:attrName>
+                                        </p:attrNameLst>
+                                      </p:cBhvr>
+                                      <p:tavLst>
+                                        <p:tav tm="0">
+                                          <p:val>
+                                            <p:strVal val="1+#ppt_h/2"/>
+                                          </p:val>
+                                        </p:tav>
+                                        <p:tav tm="100000">
+                                          <p:val>
+                                            <p:strVal val="#ppt_y"/>
+                                          </p:val>
+                                        </p:tav>
+                                      </p:tavLst>
+                                    </p:anim>
+                                  </p:childTnLst>
+                                </p:cTn>
+                              </p:par>
+                            </p:childTnLst>
+                          </p:cTn>
+                        </p:par>
+                      </p:childTnLst>
+                    </p:cTn>
+                  </p:par>
+                  <p:par>
+                    <p:cTn id="9" fill="hold">
+                      <p:stCondLst>
+                        <p:cond delay="indefinite"/>
+                      </p:stCondLst>
+                      <p:childTnLst>
+                        <p:par>
+                          <p:cTn id="10" fill="hold">
+                            <p:stCondLst>
+                              <p:cond delay="0"/>
+                            </p:stCondLst>
+                            <p:childTnLst>
+                              <p:par>
+                                <p:cTn id="11" presetID="31" presetClass="entr" presetSubtype="0" fill="hold" nodeType="clickEffect">
+                                  <p:stCondLst>
+                                    <p:cond delay="0"/>
+                                  </p:stCondLst>
+                                  <p:childTnLst>
+                                    <p:set>
+                                      <p:cBhvr>
+                                        <p:cTn id="12" dur="1" fill="hold">
+                                          <p:stCondLst>
+                                            <p:cond delay="0"/>
+                                          </p:stCondLst>
+                                        </p:cTn>
+                                        <p:tgtEl>
+                                          <p:spTgt spid="3">
+                                            <p:txEl>
+                                              <p:pRg st="1" end="1"/>
+                                            </p:txEl>
+                                          </p:spTgt>
+                                        </p:tgtEl>
+                                        <p:attrNameLst>
+                                          <p:attrName>style.visibility</p:attrName>
+                                        </p:attrNameLst>
+                                      </p:cBhvr>
+                                      <p:to>
+                                        <p:strVal val="visible"/>
+                                      </p:to>
+                                    </p:set>
+                                    <p:anim calcmode="lin" valueType="num">
+                                      <p:cBhvr>
+                                        <p:cTn id="13" dur="1000" fill="hold"/>
+                                        <p:tgtEl>
+                                          <p:spTgt spid="3">
+                                            <p:txEl>
+                                              <p:pRg st="1" end="1"/>
+                                            </p:txEl>
+                                          </p:spTgt>
+                                        </p:tgtEl>
+                                        <p:attrNameLst>
+                                          <p:attrName>ppt_w</p:attrName>
+                                        </p:attrNameLst>
+                                      </p:cBhvr>
+                                      <p:tavLst>
+                                        <p:tav tm="0">
+                                          <p:val>
+                                            <p:fltVal val="0"/>
+                                          </p:val>
+                                        </p:tav>
+                                        <p:tav tm="100000">
+                                          <p:val>
+                                            <p:strVal val="#ppt_w"/>
+                                          </p:val>
+                                        </p:tav>
+                                      </p:tavLst>
+                                    </p:anim>
+                                    <p:anim calcmode="lin" valueType="num">
+                                      <p:cBhvr>
+                                        <p:cTn id="14" dur="1000" fill="hold"/>
+                                        <p:tgtEl>
+                                          <p:spTgt spid="3">
+                                            <p:txEl>
+                                              <p:pRg st="1" end="1"/>
+                                            </p:txEl>
+                                          </p:spTgt>
+                                        </p:tgtEl>
+                                        <p:attrNameLst>
+                                          <p:attrName>ppt_h</p:attrName>
+                                        </p:attrNameLst>
+                                      </p:cBhvr>
+                                      <p:tavLst>
+                                        <p:tav tm="0">
+                                          <p:val>
+                                            <p:fltVal val="0"/>
+                                          </p:val>
+                                        </p:tav>
+                                        <p:tav tm="100000">
+                                          <p:val>
+                                            <p:strVal val="#ppt_h"/>
+                                          </p:val>
+                                        </p:tav>
+                                      </p:tavLst>
+                                    </p:anim>
+                                    <p:anim calcmode="lin" valueType="num">
+                                      <p:cBhvr>
+                                        <p:cTn id="15" dur="1000" fill="hold"/>
+                                        <p:tgtEl>
+                                          <p:spTgt spid="3">
+                                            <p:txEl>
+                                              <p:pRg st="1" end="1"/>
+                                            </p:txEl>
+                                          </p:spTgt>
+                                        </p:tgtEl>
+                                        <p:attrNameLst>
+                                          <p:attrName>style.rotation</p:attrName>
+                                        </p:attrNameLst>
+                                      </p:cBhvr>
+                                      <p:tavLst>
+                                        <p:tav tm="0">
+                                          <p:val>
+                                            <p:fltVal val="90"/>
+                                          </p:val>
+                                        </p:tav>
+                                        <p:tav tm="100000">
+                                          <p:val>
+                                            <p:fltVal val="0"/>
+                                          </p:val>
+                                        </p:tav>
+                                      </p:tavLst>
+                                    </p:anim>
+                                    <p:animEffect transition="in" filter="fade">
+                                      <p:cBhvr>
+                                        <p:cTn id="16" dur="1000"/>
+                                        <p:tgtEl>
+                                          <p:spTgt spid="3">
+                                            <p:txEl>
+                                              <p:pRg st="1" end="1"/>
+                                            </p:txEl>
+                                          </p:spTgt>
+                                        </p:tgtEl>
+                                      </p:cBhvr>
+                                    </p:animEffect>
+                                  </p:childTnLst>
+                                </p:cTn>
+                              </p:par>
+                            </p:childTnLst>
+                          </p:cTn>
+                        </p:par>
+                      </p:childTnLst>
+                    </p:cTn>
+                  </p:par>
+                  <p:par>
+                    <p:cTn id="17" fill="hold">
+                      <p:stCondLst>
+                        <p:cond delay="indefinite"/>
+                      </p:stCondLst>
+                      <p:childTnLst>
+                        <p:par>
+                          <p:cTn id="18" fill="hold">
+                            <p:stCondLst>
+                              <p:cond delay="0"/>
+                            </p:stCondLst>
+                            <p:childTnLst>
+                              <p:par>
+                                <p:cTn id="19" presetID="31" presetClass="entr" presetSubtype="0" fill="hold" nodeType="clickEffect">
+                                  <p:stCondLst>
+                                    <p:cond delay="0"/>
+                                  </p:stCondLst>
+                                  <p:childTnLst>
+                                    <p:set>
+                                      <p:cBhvr>
+                                        <p:cTn id="20" dur="1" fill="hold">
+                                          <p:stCondLst>
+                                            <p:cond delay="0"/>
+                                          </p:stCondLst>
+                                        </p:cTn>
+                                        <p:tgtEl>
+                                          <p:spTgt spid="3">
+                                            <p:txEl>
+                                              <p:pRg st="2" end="2"/>
+                                            </p:txEl>
+                                          </p:spTgt>
+                                        </p:tgtEl>
+                                        <p:attrNameLst>
+                                          <p:attrName>style.visibility</p:attrName>
+                                        </p:attrNameLst>
+                                      </p:cBhvr>
+                                      <p:to>
+                                        <p:strVal val="visible"/>
+                                      </p:to>
+                                    </p:set>
+                                    <p:anim calcmode="lin" valueType="num">
+                                      <p:cBhvr>
+                                        <p:cTn id="21" dur="1000" fill="hold"/>
+                                        <p:tgtEl>
+                                          <p:spTgt spid="3">
+                                            <p:txEl>
+                                              <p:pRg st="2" end="2"/>
+                                            </p:txEl>
+                                          </p:spTgt>
+                                        </p:tgtEl>
+                                        <p:attrNameLst>
+                                          <p:attrName>ppt_w</p:attrName>
+                                        </p:attrNameLst>
+                                      </p:cBhvr>
+                                      <p:tavLst>
+                                        <p:tav tm="0">
+                                          <p:val>
+                                            <p:fltVal val="0"/>
+                                          </p:val>
+                                        </p:tav>
+                                        <p:tav tm="100000">
+                                          <p:val>
+                                            <p:strVal val="#ppt_w"/>
+                                          </p:val>
+                                        </p:tav>
+                                      </p:tavLst>
+                                    </p:anim>
+                                    <p:anim calcmode="lin" valueType="num">
+                                      <p:cBhvr>
+                                        <p:cTn id="22" dur="1000" fill="hold"/>
+                                        <p:tgtEl>
+                                          <p:spTgt spid="3">
+                                            <p:txEl>
+                                              <p:pRg st="2" end="2"/>
+                                            </p:txEl>
+                                          </p:spTgt>
+                                        </p:tgtEl>
+                                        <p:attrNameLst>
+                                          <p:attrName>ppt_h</p:attrName>
+                                        </p:attrNameLst>
+                                      </p:cBhvr>
+                                      <p:tavLst>
+                                        <p:tav tm="0">
+                                          <p:val>
+                                            <p:fltVal val="0"/>
+                                          </p:val>
+                                        </p:tav>
+                                        <p:tav tm="100000">
+                                          <p:val>
+                                            <p:strVal val="#ppt_h"/>
+                                          </p:val>
+                                        </p:tav>
+                                      </p:tavLst>
+                                    </p:anim>
+                                    <p:anim calcmode="lin" valueType="num">
+                                      <p:cBhvr>
+                                        <p:cTn id="23" dur="1000" fill="hold"/>
+                                        <p:tgtEl>
+                                          <p:spTgt spid="3">
+                                            <p:txEl>
+                                              <p:pRg st="2" end="2"/>
+                                            </p:txEl>
+                                          </p:spTgt>
+                                        </p:tgtEl>
+                                        <p:attrNameLst>
+                                          <p:attrName>style.rotation</p:attrName>
+                                        </p:attrNameLst>
+                                      </p:cBhvr>
+                                      <p:tavLst>
+                                        <p:tav tm="0">
+                                          <p:val>
+                                            <p:fltVal val="90"/>
+                                          </p:val>
+                                        </p:tav>
+                                        <p:tav tm="100000">
+                                          <p:val>
+                                            <p:fltVal val="0"/>
+                                          </p:val>
+                                        </p:tav>
+                                      </p:tavLst>
+                                    </p:anim>
+                                    <p:animEffect transition="in" filter="fade">
+                                      <p:cBhvr>
+                                        <p:cTn id="24" dur="1000"/>
+                                        <p:tgtEl>
+                                          <p:spTgt spid="3">
+                                            <p:txEl>
+                                              <p:pRg st="2" end="2"/>
+                                            </p:txEl>
+                                          </p:spTgt>
+                                        </p:tgtEl>
+                                      </p:cBhvr>
+                                    </p:animEffect>
+                                  </p:childTnLst>
+                                </p:cTn>
+                              </p:par>
+                            </p:childTnLst>
+                          </p:cTn>
+                        </p:par>
+                      </p:childTnLst>
+                    </p:cTn>
+                  </p:par>
+                  <p:par>
+                    <p:cTn id="25" fill="hold">
+                      <p:stCondLst>
+                        <p:cond delay="indefinite"/>
+                      </p:stCondLst>
+                      <p:childTnLst>
+                        <p:par>
+                          <p:cTn id="26" fill="hold">
+                            <p:stCondLst>
+                              <p:cond delay="0"/>
+                            </p:stCondLst>
+                            <p:childTnLst>
+                              <p:par>
+                                <p:cTn id="27" presetID="31" presetClass="entr" presetSubtype="0" fill="hold" nodeType="clickEffect">
+                                  <p:stCondLst>
+                                    <p:cond delay="0"/>
+                                  </p:stCondLst>
+                                  <p:childTnLst>
+                                    <p:set>
+                                      <p:cBhvr>
+                                        <p:cTn id="28" dur="1" fill="hold">
+                                          <p:stCondLst>
+                                            <p:cond delay="0"/>
+                                          </p:stCondLst>
+                                        </p:cTn>
+                                        <p:tgtEl>
+                                          <p:spTgt spid="3">
+                                            <p:txEl>
+                                              <p:pRg st="3" end="3"/>
+                                            </p:txEl>
+                                          </p:spTgt>
+                                        </p:tgtEl>
+                                        <p:attrNameLst>
+                                          <p:attrName>style.visibility</p:attrName>
+                                        </p:attrNameLst>
+                                      </p:cBhvr>
+                                      <p:to>
+                                        <p:strVal val="visible"/>
+                                      </p:to>
+                                    </p:set>
+                                    <p:anim calcmode="lin" valueType="num">
+                                      <p:cBhvr>
+                                        <p:cTn id="29" dur="1000" fill="hold"/>
+                                        <p:tgtEl>
+                                          <p:spTgt spid="3">
+                                            <p:txEl>
+                                              <p:pRg st="3" end="3"/>
+                                            </p:txEl>
+                                          </p:spTgt>
+                                        </p:tgtEl>
+                                        <p:attrNameLst>
+                                          <p:attrName>ppt_w</p:attrName>
+                                        </p:attrNameLst>
+                                      </p:cBhvr>
+                                      <p:tavLst>
+                                        <p:tav tm="0">
+                                          <p:val>
+                                            <p:fltVal val="0"/>
+                                          </p:val>
+                                        </p:tav>
+                                        <p:tav tm="100000">
+                                          <p:val>
+                                            <p:strVal val="#ppt_w"/>
+                                          </p:val>
+                                        </p:tav>
+                                      </p:tavLst>
+                                    </p:anim>
+                                    <p:anim calcmode="lin" valueType="num">
+                                      <p:cBhvr>
+                                        <p:cTn id="30" dur="1000" fill="hold"/>
+                                        <p:tgtEl>
+                                          <p:spTgt spid="3">
+                                            <p:txEl>
+                                              <p:pRg st="3" end="3"/>
+                                            </p:txEl>
+                                          </p:spTgt>
+                                        </p:tgtEl>
+                                        <p:attrNameLst>
+                                          <p:attrName>ppt_h</p:attrName>
+                                        </p:attrNameLst>
+                                      </p:cBhvr>
+                                      <p:tavLst>
+                                        <p:tav tm="0">
+                                          <p:val>
+                                            <p:fltVal val="0"/>
+                                          </p:val>
+                                        </p:tav>
+                                        <p:tav tm="100000">
+                                          <p:val>
+                                            <p:strVal val="#ppt_h"/>
+                                          </p:val>
+                                        </p:tav>
+                                      </p:tavLst>
+                                    </p:anim>
+                                    <p:anim calcmode="lin" valueType="num">
+                                      <p:cBhvr>
+                                        <p:cTn id="31" dur="1000" fill="hold"/>
+                                        <p:tgtEl>
+                                          <p:spTgt spid="3">
+                                            <p:txEl>
+                                              <p:pRg st="3" end="3"/>
+                                            </p:txEl>
+                                          </p:spTgt>
+                                        </p:tgtEl>
+                                        <p:attrNameLst>
+                                          <p:attrName>style.rotation</p:attrName>
+                                        </p:attrNameLst>
+                                      </p:cBhvr>
+                                      <p:tavLst>
+                                        <p:tav tm="0">
+                                          <p:val>
+                                            <p:fltVal val="90"/>
+                                          </p:val>
+                                        </p:tav>
+                                        <p:tav tm="100000">
+                                          <p:val>
+                                            <p:fltVal val="0"/>
+                                          </p:val>
+                                        </p:tav>
+                                      </p:tavLst>
+                                    </p:anim>
+                                    <p:animEffect transition="in" filter="fade">
+                                      <p:cBhvr>
+                                        <p:cTn id="32" dur="1000"/>
+                                        <p:tgtEl>
+                                          <p:spTgt spid="3">
+                                            <p:txEl>
+                                              <p:pRg st="3" end="3"/>
+                                            </p:txEl>
+                                          </p:spTgt>
+                                        </p:tgtEl>
+                                      </p:cBhvr>
+                                    </p:animEffect>
+                                  </p:childTnLst>
+                                </p:cTn>
+                              </p:par>
+                            </p:childTnLst>
+                          </p:cTn>
+                        </p:par>
+                      </p:childTnLst>
+                    </p:cTn>
+                  </p:par>
+                  <p:par>
+                    <p:cTn id="33" fill="hold">
+                      <p:stCondLst>
+                        <p:cond delay="indefinite"/>
+                      </p:stCondLst>
+                      <p:childTnLst>
+                        <p:par>
+                          <p:cTn id="34" fill="hold">
+                            <p:stCondLst>
+                              <p:cond delay="0"/>
+                            </p:stCondLst>
+                            <p:childTnLst>
+                              <p:par>
+                                <p:cTn id="35" presetID="31" presetClass="entr" presetSubtype="0" fill="hold" nodeType="clickEffect">
+                                  <p:stCondLst>
+                                    <p:cond delay="0"/>
+                                  </p:stCondLst>
+                                  <p:childTnLst>
+                                    <p:set>
+                                      <p:cBhvr>
+                                        <p:cTn id="36" dur="1" fill="hold">
+                                          <p:stCondLst>
+                                            <p:cond delay="0"/>
+                                          </p:stCondLst>
+                                        </p:cTn>
+                                        <p:tgtEl>
+                                          <p:spTgt spid="3">
+                                            <p:txEl>
+                                              <p:pRg st="4" end="4"/>
+                                            </p:txEl>
+                                          </p:spTgt>
+                                        </p:tgtEl>
+                                        <p:attrNameLst>
+                                          <p:attrName>style.visibility</p:attrName>
+                                        </p:attrNameLst>
+                                      </p:cBhvr>
+                                      <p:to>
+                                        <p:strVal val="visible"/>
+                                      </p:to>
+                                    </p:set>
+                                    <p:anim calcmode="lin" valueType="num">
+                                      <p:cBhvr>
+                                        <p:cTn id="37" dur="1000" fill="hold"/>
+                                        <p:tgtEl>
+                                          <p:spTgt spid="3">
+                                            <p:txEl>
+                                              <p:pRg st="4" end="4"/>
+                                            </p:txEl>
+                                          </p:spTgt>
+                                        </p:tgtEl>
+                                        <p:attrNameLst>
+                                          <p:attrName>ppt_w</p:attrName>
+                                        </p:attrNameLst>
+                                      </p:cBhvr>
+                                      <p:tavLst>
+                                        <p:tav tm="0">
+                                          <p:val>
+                                            <p:fltVal val="0"/>
+                                          </p:val>
+                                        </p:tav>
+                                        <p:tav tm="100000">
+                                          <p:val>
+                                            <p:strVal val="#ppt_w"/>
+                                          </p:val>
+                                        </p:tav>
+                                      </p:tavLst>
+                                    </p:anim>
+                                    <p:anim calcmode="lin" valueType="num">
+                                      <p:cBhvr>
+                                        <p:cTn id="38" dur="1000" fill="hold"/>
+                                        <p:tgtEl>
+                                          <p:spTgt spid="3">
+                                            <p:txEl>
+                                              <p:pRg st="4" end="4"/>
+                                            </p:txEl>
+                                          </p:spTgt>
+                                        </p:tgtEl>
+                                        <p:attrNameLst>
+                                          <p:attrName>ppt_h</p:attrName>
+                                        </p:attrNameLst>
+                                      </p:cBhvr>
+                                      <p:tavLst>
+                                        <p:tav tm="0">
+                                          <p:val>
+                                            <p:fltVal val="0"/>
+                                          </p:val>
+                                        </p:tav>
+                                        <p:tav tm="100000">
+                                          <p:val>
+                                            <p:strVal val="#ppt_h"/>
+                                          </p:val>
+                                        </p:tav>
+                                      </p:tavLst>
+                                    </p:anim>
+                                    <p:anim calcmode="lin" valueType="num">
+                                      <p:cBhvr>
+                                        <p:cTn id="39" dur="1000" fill="hold"/>
+                                        <p:tgtEl>
+                                          <p:spTgt spid="3">
+                                            <p:txEl>
+                                              <p:pRg st="4" end="4"/>
+                                            </p:txEl>
+                                          </p:spTgt>
+                                        </p:tgtEl>
+                                        <p:attrNameLst>
+                                          <p:attrName>style.rotation</p:attrName>
+                                        </p:attrNameLst>
+                                      </p:cBhvr>
+                                      <p:tavLst>
+                                        <p:tav tm="0">
+                                          <p:val>
+                                            <p:fltVal val="90"/>
+                                          </p:val>
+                                        </p:tav>
+                                        <p:tav tm="100000">
+                                          <p:val>
+                                            <p:fltVal val="0"/>
+                                          </p:val>
+                                        </p:tav>
+                                      </p:tavLst>
+                                    </p:anim>
+                                    <p:animEffect transition="in" filter="fade">
+                                      <p:cBhvr>
+                                        <p:cTn id="40" dur="1000"/>
+                                        <p:tgtEl>
+                                          <p:spTgt spid="3">
+                                            <p:txEl>
+                                              <p:pRg st="4" end="4"/>
+                                            </p:txEl>
+                                          </p:spTgt>
+                                        </p:tgtEl>
+                                      </p:cBhvr>
+                                    </p:animEffect>
+                                  </p:childTnLst>
+                                </p:cTn>
+                              </p:par>
+                            </p:childTnLst>
+                          </p:cTn>
+                        </p:par>
+                      </p:childTnLst>
+                    </p:cTn>
+                  </p:par>
+                  <p:par>
+                    <p:cTn id="41" fill="hold">
+                      <p:stCondLst>
+                        <p:cond delay="indefinite"/>
+                      </p:stCondLst>
+                      <p:childTnLst>
+                        <p:par>
+                          <p:cTn id="42" fill="hold">
+                            <p:stCondLst>
+                              <p:cond delay="0"/>
+                            </p:stCondLst>
+                            <p:childTnLst>
+                              <p:par>
+                                <p:cTn id="43" presetID="2" presetClass="entr" presetSubtype="4" fill="hold" nodeType="clickEffect">
+                                  <p:stCondLst>
+                                    <p:cond delay="0"/>
+                                  </p:stCondLst>
+                                  <p:childTnLst>
+                                    <p:set>
+                                      <p:cBhvr>
+                                        <p:cTn id="44" dur="1" fill="hold">
+                                          <p:stCondLst>
+                                            <p:cond delay="0"/>
+                                          </p:stCondLst>
+                                        </p:cTn>
+                                        <p:tgtEl>
+                                          <p:spTgt spid="3">
+                                            <p:txEl>
+                                              <p:pRg st="5" end="5"/>
+                                            </p:txEl>
+                                          </p:spTgt>
+                                        </p:tgtEl>
+                                        <p:attrNameLst>
+                                          <p:attrName>style.visibility</p:attrName>
+                                        </p:attrNameLst>
+                                      </p:cBhvr>
+                                      <p:to>
+                                        <p:strVal val="visible"/>
+                                      </p:to>
+                                    </p:set>
+                                    <p:anim calcmode="lin" valueType="num">
+                                      <p:cBhvr additive="base">
+                                        <p:cTn id="45" dur="500" fill="hold"/>
+                                        <p:tgtEl>
+                                          <p:spTgt spid="3">
+                                            <p:txEl>
+                                              <p:pRg st="5" end="5"/>
+                                            </p:txEl>
+                                          </p:spTgt>
+                                        </p:tgtEl>
+                                        <p:attrNameLst>
+                                          <p:attrName>ppt_x</p:attrName>
+                                        </p:attrNameLst>
+                                      </p:cBhvr>
+                                      <p:tavLst>
+                                        <p:tav tm="0">
+                                          <p:val>
+                                            <p:strVal val="#ppt_x"/>
+                                          </p:val>
+                                        </p:tav>
+                                        <p:tav tm="100000">
+                                          <p:val>
+                                            <p:strVal val="#ppt_x"/>
+                                          </p:val>
+                                        </p:tav>
+                                      </p:tavLst>
+                                    </p:anim>
+                                    <p:anim calcmode="lin" valueType="num">
+                                      <p:cBhvr additive="base">
+                                        <p:cTn id="46" dur="500" fill="hold"/>
+                                        <p:tgtEl>
+                                          <p:spTgt spid="3">
+                                            <p:txEl>
+                                              <p:pRg st="5" end="5"/>
+                                            </p:txEl>
+                                          </p:spTgt>
+                                        </p:tgtEl>
+                                        <p:attrNameLst>
+                                          <p:attrName>ppt_y</p:attrName>
+                                        </p:attrNameLst>
+                                      </p:cBhvr>
+                                      <p:tavLst>
+                                        <p:tav tm="0">
+                                          <p:val>
+                                            <p:strVal val="1+#ppt_h/2"/>
+                                          </p:val>
+                                        </p:tav>
+                                        <p:tav tm="100000">
+                                          <p:val>
+                                            <p:strVal val="#ppt_y"/>
+                                          </p:val>
+                                        </p:tav>
+                                      </p:tavLst>
+                                    </p:anim>
+                                  </p:childTnLst>
+                                </p:cTn>
+                              </p:par>
+                            </p:childTnLst>
+                          </p:cTn>
+                        </p:par>
+                      </p:childTnLst>
+                    </p:cTn>
+                  </p:par>
+                  <p:par>
+                    <p:cTn id="47" fill="hold">
+                      <p:stCondLst>
+                        <p:cond delay="indefinite"/>
+                      </p:stCondLst>
+                      <p:childTnLst>
+                        <p:par>
+                          <p:cTn id="48" fill="hold">
+                            <p:stCondLst>
+                              <p:cond delay="0"/>
+                            </p:stCondLst>
+                            <p:childTnLst>
+                              <p:par>
+                                <p:cTn id="49" presetID="31" presetClass="entr" presetSubtype="0" fill="hold" nodeType="clickEffect">
+                                  <p:stCondLst>
+                                    <p:cond delay="0"/>
+                                  </p:stCondLst>
+                                  <p:childTnLst>
+                                    <p:set>
+                                      <p:cBhvr>
+                                        <p:cTn id="50" dur="1" fill="hold">
+                                          <p:stCondLst>
+                                            <p:cond delay="0"/>
+                                          </p:stCondLst>
+                                        </p:cTn>
+                                        <p:tgtEl>
+                                          <p:spTgt spid="3">
+                                            <p:txEl>
+                                              <p:pRg st="6" end="6"/>
+                                            </p:txEl>
+                                          </p:spTgt>
+                                        </p:tgtEl>
+                                        <p:attrNameLst>
+                                          <p:attrName>style.visibility</p:attrName>
+                                        </p:attrNameLst>
+                                      </p:cBhvr>
+                                      <p:to>
+                                        <p:strVal val="visible"/>
+                                      </p:to>
+                                    </p:set>
+                                    <p:anim calcmode="lin" valueType="num">
+                                      <p:cBhvr>
+                                        <p:cTn id="51" dur="1000" fill="hold"/>
+                                        <p:tgtEl>
+                                          <p:spTgt spid="3">
+                                            <p:txEl>
+                                              <p:pRg st="6" end="6"/>
+                                            </p:txEl>
+                                          </p:spTgt>
+                                        </p:tgtEl>
+                                        <p:attrNameLst>
+                                          <p:attrName>ppt_w</p:attrName>
+                                        </p:attrNameLst>
+                                      </p:cBhvr>
+                                      <p:tavLst>
+                                        <p:tav tm="0">
+                                          <p:val>
+                                            <p:fltVal val="0"/>
+                                          </p:val>
+                                        </p:tav>
+                                        <p:tav tm="100000">
+                                          <p:val>
+                                            <p:strVal val="#ppt_w"/>
+                                          </p:val>
+                                        </p:tav>
+                                      </p:tavLst>
+                                    </p:anim>
+                                    <p:anim calcmode="lin" valueType="num">
+                                      <p:cBhvr>
+                                        <p:cTn id="52" dur="1000" fill="hold"/>
+                                        <p:tgtEl>
+                                          <p:spTgt spid="3">
+                                            <p:txEl>
+                                              <p:pRg st="6" end="6"/>
+                                            </p:txEl>
+                                          </p:spTgt>
+                                        </p:tgtEl>
+                                        <p:attrNameLst>
+                                          <p:attrName>ppt_h</p:attrName>
+                                        </p:attrNameLst>
+                                      </p:cBhvr>
+                                      <p:tavLst>
+                                        <p:tav tm="0">
+                                          <p:val>
+                                            <p:fltVal val="0"/>
+                                          </p:val>
+                                        </p:tav>
+                                        <p:tav tm="100000">
+                                          <p:val>
+                                            <p:strVal val="#ppt_h"/>
+                                          </p:val>
+                                        </p:tav>
+                                      </p:tavLst>
+                                    </p:anim>
+                                    <p:anim calcmode="lin" valueType="num">
+                                      <p:cBhvr>
+                                        <p:cTn id="53" dur="1000" fill="hold"/>
+                                        <p:tgtEl>
+                                          <p:spTgt spid="3">
+                                            <p:txEl>
+                                              <p:pRg st="6" end="6"/>
+                                            </p:txEl>
+                                          </p:spTgt>
+                                        </p:tgtEl>
+                                        <p:attrNameLst>
+                                          <p:attrName>style.rotation</p:attrName>
+                                        </p:attrNameLst>
+                                      </p:cBhvr>
+                                      <p:tavLst>
+                                        <p:tav tm="0">
+                                          <p:val>
+                                            <p:fltVal val="90"/>
+                                          </p:val>
+                                        </p:tav>
+                                        <p:tav tm="100000">
+                                          <p:val>
+                                            <p:fltVal val="0"/>
+                                          </p:val>
+                                        </p:tav>
+                                      </p:tavLst>
+                                    </p:anim>
+                                    <p:animEffect transition="in" filter="fade">
+                                      <p:cBhvr>
+                                        <p:cTn id="54" dur="1000"/>
+                                        <p:tgtEl>
+                                          <p:spTgt spid="3">
+                                            <p:txEl>
+                                              <p:pRg st="6" end="6"/>
+                                            </p:txEl>
+                                          </p:spTgt>
+                                        </p:tgtEl>
+                                      </p:cBhvr>
+                                    </p:animEffect>
+                                  </p:childTnLst>
+                                </p:cTn>
+                              </p:par>
+                            </p:childTnLst>
+                          </p:cTn>
+                        </p:par>
+                      </p:childTnLst>
+                    </p:cTn>
+                  </p:par>
+                  <p:par>
+                    <p:cTn id="55" fill="hold">
+                      <p:stCondLst>
+                        <p:cond delay="indefinite"/>
+                      </p:stCondLst>
+                      <p:childTnLst>
+                        <p:par>
+                          <p:cTn id="56" fill="hold">
+                            <p:stCondLst>
+                              <p:cond delay="0"/>
+                            </p:stCondLst>
+                            <p:childTnLst>
+                              <p:par>
+                                <p:cTn id="57" presetID="31" presetClass="entr" presetSubtype="0" fill="hold" nodeType="clickEffect">
+                                  <p:stCondLst>
+                                    <p:cond delay="0"/>
+                                  </p:stCondLst>
+                                  <p:childTnLst>
+                                    <p:set>
+                                      <p:cBhvr>
+                                        <p:cTn id="58" dur="1" fill="hold">
+                                          <p:stCondLst>
+                                            <p:cond delay="0"/>
+                                          </p:stCondLst>
+                                        </p:cTn>
+                                        <p:tgtEl>
+                                          <p:spTgt spid="3">
+                                            <p:txEl>
+                                              <p:pRg st="7" end="7"/>
+                                            </p:txEl>
+                                          </p:spTgt>
+                                        </p:tgtEl>
+                                        <p:attrNameLst>
+                                          <p:attrName>style.visibility</p:attrName>
+                                        </p:attrNameLst>
+                                      </p:cBhvr>
+                                      <p:to>
+                                        <p:strVal val="visible"/>
+                                      </p:to>
+                                    </p:set>
+                                    <p:anim calcmode="lin" valueType="num">
+                                      <p:cBhvr>
+                                        <p:cTn id="59" dur="1000" fill="hold"/>
+                                        <p:tgtEl>
+                                          <p:spTgt spid="3">
+                                            <p:txEl>
+                                              <p:pRg st="7" end="7"/>
+                                            </p:txEl>
+                                          </p:spTgt>
+                                        </p:tgtEl>
+                                        <p:attrNameLst>
+                                          <p:attrName>ppt_w</p:attrName>
+                                        </p:attrNameLst>
+                                      </p:cBhvr>
+                                      <p:tavLst>
+                                        <p:tav tm="0">
+                                          <p:val>
+                                            <p:fltVal val="0"/>
+                                          </p:val>
+                                        </p:tav>
+                                        <p:tav tm="100000">
+                                          <p:val>
+                                            <p:strVal val="#ppt_w"/>
+                                          </p:val>
+                                        </p:tav>
+                                      </p:tavLst>
+                                    </p:anim>
+                                    <p:anim calcmode="lin" valueType="num">
+                                      <p:cBhvr>
+                                        <p:cTn id="60" dur="1000" fill="hold"/>
+                                        <p:tgtEl>
+                                          <p:spTgt spid="3">
+                                            <p:txEl>
+                                              <p:pRg st="7" end="7"/>
+                                            </p:txEl>
+                                          </p:spTgt>
+                                        </p:tgtEl>
+                                        <p:attrNameLst>
+                                          <p:attrName>ppt_h</p:attrName>
+                                        </p:attrNameLst>
+                                      </p:cBhvr>
+                                      <p:tavLst>
+                                        <p:tav tm="0">
+                                          <p:val>
+                                            <p:fltVal val="0"/>
+                                          </p:val>
+                                        </p:tav>
+                                        <p:tav tm="100000">
+                                          <p:val>
+                                            <p:strVal val="#ppt_h"/>
+                                          </p:val>
+                                        </p:tav>
+                                      </p:tavLst>
+                                    </p:anim>
+                                    <p:anim calcmode="lin" valueType="num">
+                                      <p:cBhvr>
+                                        <p:cTn id="61" dur="1000" fill="hold"/>
+                                        <p:tgtEl>
+                                          <p:spTgt spid="3">
+                                            <p:txEl>
+                                              <p:pRg st="7" end="7"/>
+                                            </p:txEl>
+                                          </p:spTgt>
+                                        </p:tgtEl>
+                                        <p:attrNameLst>
+                                          <p:attrName>style.rotation</p:attrName>
+                                        </p:attrNameLst>
+                                      </p:cBhvr>
+                                      <p:tavLst>
+                                        <p:tav tm="0">
+                                          <p:val>
+                                            <p:fltVal val="90"/>
+                                          </p:val>
+                                        </p:tav>
+                                        <p:tav tm="100000">
+                                          <p:val>
+                                            <p:fltVal val="0"/>
+                                          </p:val>
+                                        </p:tav>
+                                      </p:tavLst>
+                                    </p:anim>
+                                    <p:animEffect transition="in" filter="fade">
+                                      <p:cBhvr>
+                                        <p:cTn id="62" dur="1000"/>
+                                        <p:tgtEl>
+                                          <p:spTgt spid="3">
+                                            <p:txEl>
+                                              <p:pRg st="7" end="7"/>
+                                            </p:txEl>
+                                          </p:spTgt>
+                                        </p:tgtEl>
+                                      </p:cBhvr>
+                                    </p:animEffect>
+                                  </p:childTnLst>
+                                </p:cTn>
+                              </p:par>
+                            </p:childTnLst>
+                          </p:cTn>
+                        </p:par>
+                      </p:childTnLst>
+                    </p:cTn>
+                  </p:par>
+                </p:childTnLst>
+              </p:cTn>
+              <p:prevCondLst>
+                <p:cond evt="onPrev" delay="0">
+                  <p:tgtEl>
+                    <p:sldTgt/>
+                  </p:tgtEl>
+                </p:cond>
+              </p:prevCondLst>
+              <p:nextCondLst>
+                <p:cond evt="onNext" delay="0">
+                  <p:tgtEl>
+                    <p:sldTgt/>
+                  </p:tgtEl>
+                </p:cond>
+              </p:nextCondLst>
+            </p:seq>
+          </p:childTnLst>
+        </p:cTn>
+      </p:par>
+    </p:tnLst>
+  </p:timing>
+</p:sld>
+</file>
+
+<file path=ppt/slides/slide25.xml><?xml version="1.0" encoding="utf-8"?>
+<p:sld xmlns:a="http://schemas.openxmlformats.org/drawingml/2006/main" xmlns:r="http://schemas.openxmlformats.org/officeDocument/2006/relationships" xmlns:p="http://schemas.openxmlformats.org/presentationml/2006/main">
+  <p:cSld>
+    <p:spTree>
+      <p:nvGrpSpPr>
+        <p:cNvPr id="1" name=""/>
+        <p:cNvGrpSpPr/>
+        <p:nvPr/>
+      </p:nvGrpSpPr>
+      <p:grpSpPr>
+        <a:xfrm>
+          <a:off x="0" y="0"/>
+          <a:ext cx="0" cy="0"/>
+          <a:chOff x="0" y="0"/>
+          <a:chExt cx="0" cy="0"/>
+        </a:xfrm>
+      </p:grpSpPr>
+      <p:sp>
+        <p:nvSpPr>
+          <p:cNvPr id="2" name="Title 1">
+            <a:extLst>
+              <a:ext uri="{FF2B5EF4-FFF2-40B4-BE49-F238E27FC236}">
                 <a16:creationId xmlns:a16="http://schemas.microsoft.com/office/drawing/2014/main" id="{D5F7884D-A81A-4469-B639-C144278F92A1}"/>
               </a:ext>
             </a:extLst>
@@ -29660,7 +32408,7 @@
 </p:sld>
 </file>
 
-<file path=ppt/slides/slide24.xml><?xml version="1.0" encoding="utf-8"?>
+<file path=ppt/slides/slide26.xml><?xml version="1.0" encoding="utf-8"?>
 <p:sld xmlns:a="http://schemas.openxmlformats.org/drawingml/2006/main" xmlns:r="http://schemas.openxmlformats.org/officeDocument/2006/relationships" xmlns:p="http://schemas.openxmlformats.org/presentationml/2006/main">
   <p:cSld>
     <p:spTree>
@@ -32614,12 +35362,6 @@
           <a:p>
             <a:r>
               <a:rPr lang="en-US" sz="2400" dirty="0"/>
-              <a:t>Ignore assignment statements</a:t>
-            </a:r>
-          </a:p>
-          <a:p>
-            <a:r>
-              <a:rPr lang="en-US" sz="2400" dirty="0"/>
               <a:t>Use Strings to represent type and name</a:t>
             </a:r>
           </a:p>
@@ -32759,33 +35501,15 @@
                                   </p:childTnLst>
                                 </p:cTn>
                               </p:par>
-                            </p:childTnLst>
-                          </p:cTn>
-                        </p:par>
-                      </p:childTnLst>
-                    </p:cTn>
-                  </p:par>
-                  <p:par>
-                    <p:cTn id="13" fill="hold">
-                      <p:stCondLst>
-                        <p:cond delay="indefinite"/>
-                      </p:stCondLst>
-                      <p:childTnLst>
-                        <p:par>
-                          <p:cTn id="14" fill="hold">
-                            <p:stCondLst>
-                              <p:cond delay="0"/>
-                            </p:stCondLst>
-                            <p:childTnLst>
                               <p:par>
-                                <p:cTn id="15" presetID="22" presetClass="entr" presetSubtype="4" fill="hold" nodeType="clickEffect">
+                                <p:cTn id="13" presetID="10" presetClass="entr" presetSubtype="0" fill="hold" nodeType="withEffect">
                                   <p:stCondLst>
                                     <p:cond delay="0"/>
                                   </p:stCondLst>
                                   <p:childTnLst>
                                     <p:set>
                                       <p:cBhvr>
-                                        <p:cTn id="16" dur="1" fill="hold">
+                                        <p:cTn id="14" dur="1" fill="hold">
                                           <p:stCondLst>
                                             <p:cond delay="0"/>
                                           </p:stCondLst>
@@ -32805,13 +35529,56 @@
                                         <p:strVal val="visible"/>
                                       </p:to>
                                     </p:set>
-                                    <p:animEffect transition="in" filter="wipe(down)">
-                                      <p:cBhvr>
-                                        <p:cTn id="17" dur="500"/>
+                                    <p:animEffect transition="in" filter="fade">
+                                      <p:cBhvr>
+                                        <p:cTn id="15" dur="500"/>
                                         <p:tgtEl>
                                           <p:spTgt spid="3">
                                             <p:txEl>
                                               <p:pRg st="2" end="2"/>
+                                            </p:txEl>
+                                          </p:spTgt>
+                                        </p:tgtEl>
+                                      </p:cBhvr>
+                                    </p:animEffect>
+                                  </p:childTnLst>
+                                </p:cTn>
+                              </p:par>
+                              <p:par>
+                                <p:cTn id="16" presetID="10" presetClass="entr" presetSubtype="0" fill="hold" nodeType="withEffect">
+                                  <p:stCondLst>
+                                    <p:cond delay="0"/>
+                                  </p:stCondLst>
+                                  <p:childTnLst>
+                                    <p:set>
+                                      <p:cBhvr>
+                                        <p:cTn id="17" dur="1" fill="hold">
+                                          <p:stCondLst>
+                                            <p:cond delay="0"/>
+                                          </p:stCondLst>
+                                        </p:cTn>
+                                        <p:tgtEl>
+                                          <p:spTgt spid="3">
+                                            <p:txEl>
+                                              <p:pRg st="3" end="3"/>
+                                            </p:txEl>
+                                          </p:spTgt>
+                                        </p:tgtEl>
+                                        <p:attrNameLst>
+                                          <p:attrName>style.visibility</p:attrName>
+                                        </p:attrNameLst>
+                                      </p:cBhvr>
+                                      <p:to>
+                                        <p:strVal val="visible"/>
+                                      </p:to>
+                                    </p:set>
+                                    <p:animEffect transition="in" filter="fade">
+                                      <p:cBhvr>
+                                        <p:cTn id="18" dur="500"/>
+                                        <p:tgtEl>
+                                          <p:spTgt spid="3">
+                                            <p:txEl>
+                                              <p:pRg st="3" end="3"/>
                                             </p:txEl>
                                           </p:spTgt>
                                         </p:tgtEl>
@@ -32827,26 +35594,26 @@
                     </p:cTn>
                   </p:par>
                   <p:par>
-                    <p:cTn id="18" fill="hold">
+                    <p:cTn id="19" fill="hold">
                       <p:stCondLst>
                         <p:cond delay="indefinite"/>
                       </p:stCondLst>
                       <p:childTnLst>
                         <p:par>
-                          <p:cTn id="19" fill="hold">
+                          <p:cTn id="20" fill="hold">
                             <p:stCondLst>
                               <p:cond delay="0"/>
                             </p:stCondLst>
                             <p:childTnLst>
                               <p:par>
-                                <p:cTn id="20" presetID="22" presetClass="entr" presetSubtype="4" fill="hold" nodeType="clickEffect">
+                                <p:cTn id="21" presetID="14" presetClass="entr" presetSubtype="10" fill="hold" nodeType="clickEffect">
                                   <p:stCondLst>
                                     <p:cond delay="0"/>
                                   </p:stCondLst>
                                   <p:childTnLst>
                                     <p:set>
                                       <p:cBhvr>
-                                        <p:cTn id="21" dur="1" fill="hold">
+                                        <p:cTn id="22" dur="1" fill="hold">
                                           <p:stCondLst>
                                             <p:cond delay="0"/>
                                           </p:stCondLst>
@@ -32854,7 +35621,7 @@
                                         <p:tgtEl>
                                           <p:spTgt spid="3">
                                             <p:txEl>
-                                              <p:pRg st="3" end="3"/>
+                                              <p:pRg st="4" end="4"/>
                                             </p:txEl>
                                           </p:spTgt>
                                         </p:tgtEl>
@@ -32866,13 +35633,13 @@
                                         <p:strVal val="visible"/>
                                       </p:to>
                                     </p:set>
-                                    <p:animEffect transition="in" filter="wipe(down)">
-                                      <p:cBhvr>
-                                        <p:cTn id="22" dur="500"/>
-                                        <p:tgtEl>
-                                          <p:spTgt spid="3">
-                                            <p:txEl>
-                                              <p:pRg st="3" end="3"/>
+                                    <p:animEffect transition="in" filter="randombar(horizontal)">
+                                      <p:cBhvr>
+                                        <p:cTn id="23" dur="500"/>
+                                        <p:tgtEl>
+                                          <p:spTgt spid="3">
+                                            <p:txEl>
+                                              <p:pRg st="4" end="4"/>
                                             </p:txEl>
                                           </p:spTgt>
                                         </p:tgtEl>
@@ -32888,26 +35655,26 @@
                     </p:cTn>
                   </p:par>
                   <p:par>
-                    <p:cTn id="23" fill="hold">
+                    <p:cTn id="24" fill="hold">
                       <p:stCondLst>
                         <p:cond delay="indefinite"/>
                       </p:stCondLst>
                       <p:childTnLst>
                         <p:par>
-                          <p:cTn id="24" fill="hold">
+                          <p:cTn id="25" fill="hold">
                             <p:stCondLst>
                               <p:cond delay="0"/>
                             </p:stCondLst>
                             <p:childTnLst>
                               <p:par>
-                                <p:cTn id="25" presetID="14" presetClass="entr" presetSubtype="10" fill="hold" nodeType="clickEffect">
+                                <p:cTn id="26" presetID="14" presetClass="entr" presetSubtype="10" fill="hold" nodeType="clickEffect">
                                   <p:stCondLst>
                                     <p:cond delay="0"/>
                                   </p:stCondLst>
                                   <p:childTnLst>
                                     <p:set>
                                       <p:cBhvr>
-                                        <p:cTn id="26" dur="1" fill="hold">
+                                        <p:cTn id="27" dur="1" fill="hold">
                                           <p:stCondLst>
                                             <p:cond delay="0"/>
                                           </p:stCondLst>
@@ -32915,7 +35682,7 @@
                                         <p:tgtEl>
                                           <p:spTgt spid="3">
                                             <p:txEl>
-                                              <p:pRg st="4" end="4"/>
+                                              <p:pRg st="5" end="5"/>
                                             </p:txEl>
                                           </p:spTgt>
                                         </p:tgtEl>
@@ -32929,133 +35696,11 @@
                                     </p:set>
                                     <p:animEffect transition="in" filter="randombar(horizontal)">
                                       <p:cBhvr>
-                                        <p:cTn id="27" dur="500"/>
-                                        <p:tgtEl>
-                                          <p:spTgt spid="3">
-                                            <p:txEl>
-                                              <p:pRg st="4" end="4"/>
-                                            </p:txEl>
-                                          </p:spTgt>
-                                        </p:tgtEl>
-                                      </p:cBhvr>
-                                    </p:animEffect>
-                                  </p:childTnLst>
-                                </p:cTn>
-                              </p:par>
-                            </p:childTnLst>
-                          </p:cTn>
-                        </p:par>
-                      </p:childTnLst>
-                    </p:cTn>
-                  </p:par>
-                  <p:par>
-                    <p:cTn id="28" fill="hold">
-                      <p:stCondLst>
-                        <p:cond delay="indefinite"/>
-                      </p:stCondLst>
-                      <p:childTnLst>
-                        <p:par>
-                          <p:cTn id="29" fill="hold">
-                            <p:stCondLst>
-                              <p:cond delay="0"/>
-                            </p:stCondLst>
-                            <p:childTnLst>
-                              <p:par>
-                                <p:cTn id="30" presetID="14" presetClass="entr" presetSubtype="10" fill="hold" nodeType="clickEffect">
-                                  <p:stCondLst>
-                                    <p:cond delay="0"/>
-                                  </p:stCondLst>
-                                  <p:childTnLst>
-                                    <p:set>
-                                      <p:cBhvr>
-                                        <p:cTn id="31" dur="1" fill="hold">
-                                          <p:stCondLst>
-                                            <p:cond delay="0"/>
-                                          </p:stCondLst>
-                                        </p:cTn>
+                                        <p:cTn id="28" dur="500"/>
                                         <p:tgtEl>
                                           <p:spTgt spid="3">
                                             <p:txEl>
                                               <p:pRg st="5" end="5"/>
-                                            </p:txEl>
-                                          </p:spTgt>
-                                        </p:tgtEl>
-                                        <p:attrNameLst>
-                                          <p:attrName>style.visibility</p:attrName>
-                                        </p:attrNameLst>
-                                      </p:cBhvr>
-                                      <p:to>
-                                        <p:strVal val="visible"/>
-                                      </p:to>
-                                    </p:set>
-                                    <p:animEffect transition="in" filter="randombar(horizontal)">
-                                      <p:cBhvr>
-                                        <p:cTn id="32" dur="500"/>
-                                        <p:tgtEl>
-                                          <p:spTgt spid="3">
-                                            <p:txEl>
-                                              <p:pRg st="5" end="5"/>
-                                            </p:txEl>
-                                          </p:spTgt>
-                                        </p:tgtEl>
-                                      </p:cBhvr>
-                                    </p:animEffect>
-                                  </p:childTnLst>
-                                </p:cTn>
-                              </p:par>
-                            </p:childTnLst>
-                          </p:cTn>
-                        </p:par>
-                      </p:childTnLst>
-                    </p:cTn>
-                  </p:par>
-                  <p:par>
-                    <p:cTn id="33" fill="hold">
-                      <p:stCondLst>
-                        <p:cond delay="indefinite"/>
-                      </p:stCondLst>
-                      <p:childTnLst>
-                        <p:par>
-                          <p:cTn id="34" fill="hold">
-                            <p:stCondLst>
-                              <p:cond delay="0"/>
-                            </p:stCondLst>
-                            <p:childTnLst>
-                              <p:par>
-                                <p:cTn id="35" presetID="14" presetClass="entr" presetSubtype="10" fill="hold" nodeType="clickEffect">
-                                  <p:stCondLst>
-                                    <p:cond delay="0"/>
-                                  </p:stCondLst>
-                                  <p:childTnLst>
-                                    <p:set>
-                                      <p:cBhvr>
-                                        <p:cTn id="36" dur="1" fill="hold">
-                                          <p:stCondLst>
-                                            <p:cond delay="0"/>
-                                          </p:stCondLst>
-                                        </p:cTn>
-                                        <p:tgtEl>
-                                          <p:spTgt spid="3">
-                                            <p:txEl>
-                                              <p:pRg st="6" end="6"/>
-                                            </p:txEl>
-                                          </p:spTgt>
-                                        </p:tgtEl>
-                                        <p:attrNameLst>
-                                          <p:attrName>style.visibility</p:attrName>
-                                        </p:attrNameLst>
-                                      </p:cBhvr>
-                                      <p:to>
-                                        <p:strVal val="visible"/>
-                                      </p:to>
-                                    </p:set>
-                                    <p:animEffect transition="in" filter="randombar(horizontal)">
-                                      <p:cBhvr>
-                                        <p:cTn id="37" dur="500"/>
-                                        <p:tgtEl>
-                                          <p:spTgt spid="3">
-                                            <p:txEl>
-                                              <p:pRg st="6" end="6"/>
                                             </p:txEl>
                                           </p:spTgt>
                                         </p:tgtEl>
@@ -34191,12 +36836,6 @@
           <a:p>
             <a:r>
               <a:rPr lang="en-US" sz="2400" dirty="0"/>
-              <a:t>Create another visitor to traverse the code again</a:t>
-            </a:r>
-          </a:p>
-          <a:p>
-            <a:r>
-              <a:rPr lang="en-US" sz="2400" dirty="0"/>
               <a:t>Use symbol table constructed by last visitor</a:t>
             </a:r>
           </a:p>
@@ -34282,12 +36921,6 @@
             <a:r>
               <a:rPr lang="en-US" sz="1600" dirty="0"/>
               <a:t> != null, find it from field list, parameter list and local variable list</a:t>
-            </a:r>
-          </a:p>
-          <a:p>
-            <a:r>
-              <a:rPr lang="en-US" sz="2400" dirty="0"/>
-              <a:t>Ignore declaration statements now</a:t>
             </a:r>
           </a:p>
         </p:txBody>
@@ -34323,7 +36956,7 @@
                             </p:stCondLst>
                             <p:childTnLst>
                               <p:par>
-                                <p:cTn id="5" presetID="22" presetClass="entr" presetSubtype="4" fill="hold" nodeType="clickEffect">
+                                <p:cTn id="5" presetID="14" presetClass="entr" presetSubtype="10" fill="hold" nodeType="clickEffect">
                                   <p:stCondLst>
                                     <p:cond delay="0"/>
                                   </p:stCondLst>
@@ -34350,7 +36983,7 @@
                                         <p:strVal val="visible"/>
                                       </p:to>
                                     </p:set>
-                                    <p:animEffect transition="in" filter="wipe(down)">
+                                    <p:animEffect transition="in" filter="randombar(horizontal)">
                                       <p:cBhvr>
                                         <p:cTn id="7" dur="500"/>
                                         <p:tgtEl>
@@ -34384,7 +37017,7 @@
                             </p:stCondLst>
                             <p:childTnLst>
                               <p:par>
-                                <p:cTn id="10" presetID="14" presetClass="entr" presetSubtype="10" fill="hold" nodeType="clickEffect">
+                                <p:cTn id="10" presetID="2" presetClass="entr" presetSubtype="4" fill="hold" nodeType="clickEffect">
                                   <p:stCondLst>
                                     <p:cond delay="0"/>
                                   </p:stCondLst>
@@ -34400,67 +37033,6 @@
                                           <p:spTgt spid="3">
                                             <p:txEl>
                                               <p:pRg st="1" end="1"/>
-                                            </p:txEl>
-                                          </p:spTgt>
-                                        </p:tgtEl>
-                                        <p:attrNameLst>
-                                          <p:attrName>style.visibility</p:attrName>
-                                        </p:attrNameLst>
-                                      </p:cBhvr>
-                                      <p:to>
-                                        <p:strVal val="visible"/>
-                                      </p:to>
-                                    </p:set>
-                                    <p:animEffect transition="in" filter="randombar(horizontal)">
-                                      <p:cBhvr>
-                                        <p:cTn id="12" dur="500"/>
-                                        <p:tgtEl>
-                                          <p:spTgt spid="3">
-                                            <p:txEl>
-                                              <p:pRg st="1" end="1"/>
-                                            </p:txEl>
-                                          </p:spTgt>
-                                        </p:tgtEl>
-                                      </p:cBhvr>
-                                    </p:animEffect>
-                                  </p:childTnLst>
-                                </p:cTn>
-                              </p:par>
-                            </p:childTnLst>
-                          </p:cTn>
-                        </p:par>
-                      </p:childTnLst>
-                    </p:cTn>
-                  </p:par>
-                  <p:par>
-                    <p:cTn id="13" fill="hold">
-                      <p:stCondLst>
-                        <p:cond delay="indefinite"/>
-                      </p:stCondLst>
-                      <p:childTnLst>
-                        <p:par>
-                          <p:cTn id="14" fill="hold">
-                            <p:stCondLst>
-                              <p:cond delay="0"/>
-                            </p:stCondLst>
-                            <p:childTnLst>
-                              <p:par>
-                                <p:cTn id="15" presetID="2" presetClass="entr" presetSubtype="4" fill="hold" nodeType="clickEffect">
-                                  <p:stCondLst>
-                                    <p:cond delay="0"/>
-                                  </p:stCondLst>
-                                  <p:childTnLst>
-                                    <p:set>
-                                      <p:cBhvr>
-                                        <p:cTn id="16" dur="1" fill="hold">
-                                          <p:stCondLst>
-                                            <p:cond delay="0"/>
-                                          </p:stCondLst>
-                                        </p:cTn>
-                                        <p:tgtEl>
-                                          <p:spTgt spid="3">
-                                            <p:txEl>
-                                              <p:pRg st="2" end="2"/>
                                             </p:txEl>
                                           </p:spTgt>
                                         </p:tgtEl>
@@ -34474,11 +37046,11 @@
                                     </p:set>
                                     <p:anim calcmode="lin" valueType="num">
                                       <p:cBhvr additive="base">
-                                        <p:cTn id="17" dur="500" fill="hold"/>
-                                        <p:tgtEl>
-                                          <p:spTgt spid="3">
-                                            <p:txEl>
-                                              <p:pRg st="2" end="2"/>
+                                        <p:cTn id="12" dur="500" fill="hold"/>
+                                        <p:tgtEl>
+                                          <p:spTgt spid="3">
+                                            <p:txEl>
+                                              <p:pRg st="1" end="1"/>
                                             </p:txEl>
                                           </p:spTgt>
                                         </p:tgtEl>
@@ -34501,11 +37073,11 @@
                                     </p:anim>
                                     <p:anim calcmode="lin" valueType="num">
                                       <p:cBhvr additive="base">
-                                        <p:cTn id="18" dur="500" fill="hold"/>
-                                        <p:tgtEl>
-                                          <p:spTgt spid="3">
-                                            <p:txEl>
-                                              <p:pRg st="2" end="2"/>
+                                        <p:cTn id="13" dur="500" fill="hold"/>
+                                        <p:tgtEl>
+                                          <p:spTgt spid="3">
+                                            <p:txEl>
+                                              <p:pRg st="1" end="1"/>
                                             </p:txEl>
                                           </p:spTgt>
                                         </p:tgtEl>
@@ -34536,26 +37108,26 @@
                     </p:cTn>
                   </p:par>
                   <p:par>
-                    <p:cTn id="19" fill="hold">
+                    <p:cTn id="14" fill="hold">
                       <p:stCondLst>
                         <p:cond delay="indefinite"/>
                       </p:stCondLst>
                       <p:childTnLst>
                         <p:par>
-                          <p:cTn id="20" fill="hold">
+                          <p:cTn id="15" fill="hold">
                             <p:stCondLst>
                               <p:cond delay="0"/>
                             </p:stCondLst>
                             <p:childTnLst>
                               <p:par>
-                                <p:cTn id="21" presetID="45" presetClass="entr" presetSubtype="0" fill="hold" nodeType="clickEffect">
+                                <p:cTn id="16" presetID="45" presetClass="entr" presetSubtype="0" fill="hold" nodeType="clickEffect">
                                   <p:stCondLst>
                                     <p:cond delay="0"/>
                                   </p:stCondLst>
                                   <p:childTnLst>
                                     <p:set>
                                       <p:cBhvr>
-                                        <p:cTn id="22" dur="1" fill="hold">
+                                        <p:cTn id="17" dur="1" fill="hold">
                                           <p:stCondLst>
                                             <p:cond delay="0"/>
                                           </p:stCondLst>
@@ -34563,7 +37135,7 @@
                                         <p:tgtEl>
                                           <p:spTgt spid="3">
                                             <p:txEl>
-                                              <p:pRg st="3" end="3"/>
+                                              <p:pRg st="2" end="2"/>
                                             </p:txEl>
                                           </p:spTgt>
                                         </p:tgtEl>
@@ -34577,11 +37149,11 @@
                                     </p:set>
                                     <p:animEffect transition="in" filter="fade">
                                       <p:cBhvr>
-                                        <p:cTn id="23" dur="2000"/>
-                                        <p:tgtEl>
-                                          <p:spTgt spid="3">
-                                            <p:txEl>
-                                              <p:pRg st="3" end="3"/>
+                                        <p:cTn id="18" dur="2000"/>
+                                        <p:tgtEl>
+                                          <p:spTgt spid="3">
+                                            <p:txEl>
+                                              <p:pRg st="2" end="2"/>
                                             </p:txEl>
                                           </p:spTgt>
                                         </p:tgtEl>
@@ -34589,11 +37161,11 @@
                                     </p:animEffect>
                                     <p:anim calcmode="lin" valueType="num">
                                       <p:cBhvr>
-                                        <p:cTn id="24" dur="2000" fill="hold"/>
-                                        <p:tgtEl>
-                                          <p:spTgt spid="3">
-                                            <p:txEl>
-                                              <p:pRg st="3" end="3"/>
+                                        <p:cTn id="19" dur="2000" fill="hold"/>
+                                        <p:tgtEl>
+                                          <p:spTgt spid="3">
+                                            <p:txEl>
+                                              <p:pRg st="2" end="2"/>
                                             </p:txEl>
                                           </p:spTgt>
                                         </p:tgtEl>
@@ -34616,11 +37188,11 @@
                                     </p:anim>
                                     <p:anim calcmode="lin" valueType="num">
                                       <p:cBhvr>
-                                        <p:cTn id="25" dur="2000" fill="hold"/>
-                                        <p:tgtEl>
-                                          <p:spTgt spid="3">
-                                            <p:txEl>
-                                              <p:pRg st="3" end="3"/>
+                                        <p:cTn id="20" dur="2000" fill="hold"/>
+                                        <p:tgtEl>
+                                          <p:spTgt spid="3">
+                                            <p:txEl>
+                                              <p:pRg st="2" end="2"/>
                                             </p:txEl>
                                           </p:spTgt>
                                         </p:tgtEl>
@@ -34641,6 +37213,67 @@
                                         </p:tav>
                                       </p:tavLst>
                                     </p:anim>
+                                  </p:childTnLst>
+                                </p:cTn>
+                              </p:par>
+                            </p:childTnLst>
+                          </p:cTn>
+                        </p:par>
+                      </p:childTnLst>
+                    </p:cTn>
+                  </p:par>
+                  <p:par>
+                    <p:cTn id="21" fill="hold">
+                      <p:stCondLst>
+                        <p:cond delay="indefinite"/>
+                      </p:stCondLst>
+                      <p:childTnLst>
+                        <p:par>
+                          <p:cTn id="22" fill="hold">
+                            <p:stCondLst>
+                              <p:cond delay="0"/>
+                            </p:stCondLst>
+                            <p:childTnLst>
+                              <p:par>
+                                <p:cTn id="23" presetID="10" presetClass="entr" presetSubtype="0" fill="hold" nodeType="clickEffect">
+                                  <p:stCondLst>
+                                    <p:cond delay="0"/>
+                                  </p:stCondLst>
+                                  <p:childTnLst>
+                                    <p:set>
+                                      <p:cBhvr>
+                                        <p:cTn id="24" dur="1" fill="hold">
+                                          <p:stCondLst>
+                                            <p:cond delay="0"/>
+                                          </p:stCondLst>
+                                        </p:cTn>
+                                        <p:tgtEl>
+                                          <p:spTgt spid="3">
+                                            <p:txEl>
+                                              <p:pRg st="3" end="3"/>
+                                            </p:txEl>
+                                          </p:spTgt>
+                                        </p:tgtEl>
+                                        <p:attrNameLst>
+                                          <p:attrName>style.visibility</p:attrName>
+                                        </p:attrNameLst>
+                                      </p:cBhvr>
+                                      <p:to>
+                                        <p:strVal val="visible"/>
+                                      </p:to>
+                                    </p:set>
+                                    <p:animEffect transition="in" filter="fade">
+                                      <p:cBhvr>
+                                        <p:cTn id="25" dur="500"/>
+                                        <p:tgtEl>
+                                          <p:spTgt spid="3">
+                                            <p:txEl>
+                                              <p:pRg st="3" end="3"/>
+                                            </p:txEl>
+                                          </p:spTgt>
+                                        </p:tgtEl>
+                                      </p:cBhvr>
+                                    </p:animEffect>
                                   </p:childTnLst>
                                 </p:cTn>
                               </p:par>
@@ -34724,7 +37357,7 @@
                             </p:stCondLst>
                             <p:childTnLst>
                               <p:par>
-                                <p:cTn id="33" presetID="10" presetClass="entr" presetSubtype="0" fill="hold" nodeType="clickEffect">
+                                <p:cTn id="33" presetID="22" presetClass="entr" presetSubtype="4" fill="hold" nodeType="clickEffect">
                                   <p:stCondLst>
                                     <p:cond delay="0"/>
                                   </p:stCondLst>
@@ -34751,7 +37384,7 @@
                                         <p:strVal val="visible"/>
                                       </p:to>
                                     </p:set>
-                                    <p:animEffect transition="in" filter="fade">
+                                    <p:animEffect transition="in" filter="wipe(down)">
                                       <p:cBhvr>
                                         <p:cTn id="35" dur="500"/>
                                         <p:tgtEl>
@@ -34819,128 +37452,6 @@
                                           <p:spTgt spid="3">
                                             <p:txEl>
                                               <p:pRg st="6" end="6"/>
-                                            </p:txEl>
-                                          </p:spTgt>
-                                        </p:tgtEl>
-                                      </p:cBhvr>
-                                    </p:animEffect>
-                                  </p:childTnLst>
-                                </p:cTn>
-                              </p:par>
-                            </p:childTnLst>
-                          </p:cTn>
-                        </p:par>
-                      </p:childTnLst>
-                    </p:cTn>
-                  </p:par>
-                  <p:par>
-                    <p:cTn id="41" fill="hold">
-                      <p:stCondLst>
-                        <p:cond delay="indefinite"/>
-                      </p:stCondLst>
-                      <p:childTnLst>
-                        <p:par>
-                          <p:cTn id="42" fill="hold">
-                            <p:stCondLst>
-                              <p:cond delay="0"/>
-                            </p:stCondLst>
-                            <p:childTnLst>
-                              <p:par>
-                                <p:cTn id="43" presetID="22" presetClass="entr" presetSubtype="4" fill="hold" nodeType="clickEffect">
-                                  <p:stCondLst>
-                                    <p:cond delay="0"/>
-                                  </p:stCondLst>
-                                  <p:childTnLst>
-                                    <p:set>
-                                      <p:cBhvr>
-                                        <p:cTn id="44" dur="1" fill="hold">
-                                          <p:stCondLst>
-                                            <p:cond delay="0"/>
-                                          </p:stCondLst>
-                                        </p:cTn>
-                                        <p:tgtEl>
-                                          <p:spTgt spid="3">
-                                            <p:txEl>
-                                              <p:pRg st="7" end="7"/>
-                                            </p:txEl>
-                                          </p:spTgt>
-                                        </p:tgtEl>
-                                        <p:attrNameLst>
-                                          <p:attrName>style.visibility</p:attrName>
-                                        </p:attrNameLst>
-                                      </p:cBhvr>
-                                      <p:to>
-                                        <p:strVal val="visible"/>
-                                      </p:to>
-                                    </p:set>
-                                    <p:animEffect transition="in" filter="wipe(down)">
-                                      <p:cBhvr>
-                                        <p:cTn id="45" dur="500"/>
-                                        <p:tgtEl>
-                                          <p:spTgt spid="3">
-                                            <p:txEl>
-                                              <p:pRg st="7" end="7"/>
-                                            </p:txEl>
-                                          </p:spTgt>
-                                        </p:tgtEl>
-                                      </p:cBhvr>
-                                    </p:animEffect>
-                                  </p:childTnLst>
-                                </p:cTn>
-                              </p:par>
-                            </p:childTnLst>
-                          </p:cTn>
-                        </p:par>
-                      </p:childTnLst>
-                    </p:cTn>
-                  </p:par>
-                  <p:par>
-                    <p:cTn id="46" fill="hold">
-                      <p:stCondLst>
-                        <p:cond delay="indefinite"/>
-                      </p:stCondLst>
-                      <p:childTnLst>
-                        <p:par>
-                          <p:cTn id="47" fill="hold">
-                            <p:stCondLst>
-                              <p:cond delay="0"/>
-                            </p:stCondLst>
-                            <p:childTnLst>
-                              <p:par>
-                                <p:cTn id="48" presetID="16" presetClass="entr" presetSubtype="21" fill="hold" nodeType="clickEffect">
-                                  <p:stCondLst>
-                                    <p:cond delay="0"/>
-                                  </p:stCondLst>
-                                  <p:childTnLst>
-                                    <p:set>
-                                      <p:cBhvr>
-                                        <p:cTn id="49" dur="1" fill="hold">
-                                          <p:stCondLst>
-                                            <p:cond delay="0"/>
-                                          </p:stCondLst>
-                                        </p:cTn>
-                                        <p:tgtEl>
-                                          <p:spTgt spid="3">
-                                            <p:txEl>
-                                              <p:pRg st="8" end="8"/>
-                                            </p:txEl>
-                                          </p:spTgt>
-                                        </p:tgtEl>
-                                        <p:attrNameLst>
-                                          <p:attrName>style.visibility</p:attrName>
-                                        </p:attrNameLst>
-                                      </p:cBhvr>
-                                      <p:to>
-                                        <p:strVal val="visible"/>
-                                      </p:to>
-                                    </p:set>
-                                    <p:animEffect transition="in" filter="barn(inVertical)">
-                                      <p:cBhvr>
-                                        <p:cTn id="50" dur="500"/>
-                                        <p:tgtEl>
-                                          <p:spTgt spid="3">
-                                            <p:txEl>
-                                              <p:pRg st="8" end="8"/>
                                             </p:txEl>
                                           </p:spTgt>
                                         </p:tgtEl>
@@ -35049,19 +37560,13 @@
         </p:spPr>
         <p:txBody>
           <a:bodyPr>
-            <a:normAutofit lnSpcReduction="10000"/>
+            <a:normAutofit/>
           </a:bodyPr>
           <a:lstStyle/>
           <a:p>
             <a:r>
               <a:rPr lang="en-US" sz="2000" dirty="0"/>
-              <a:t>It is easy to find the corresponding record in symbol table</a:t>
-            </a:r>
-          </a:p>
-          <a:p>
-            <a:r>
-              <a:rPr lang="en-US" sz="2000" dirty="0"/>
-              <a:t>We need to check another two points</a:t>
+              <a:t>We need to check </a:t>
             </a:r>
           </a:p>
           <a:p>
@@ -35070,7 +37575,7 @@
               <a:buChar char="•"/>
             </a:pPr>
             <a:r>
-              <a:rPr lang="en-US" sz="1800" dirty="0"/>
+              <a:rPr lang="en-US" dirty="0"/>
               <a:t>The number of arguments</a:t>
             </a:r>
           </a:p>
@@ -35080,14 +37585,14 @@
               <a:buChar char="•"/>
             </a:pPr>
             <a:r>
-              <a:rPr lang="en-US" sz="1800" dirty="0"/>
-              <a:t>The type of arguments</a:t>
+              <a:rPr lang="en-US" dirty="0"/>
+              <a:t>The types of arguments</a:t>
             </a:r>
           </a:p>
           <a:p>
             <a:r>
               <a:rPr lang="en-US" sz="2000" dirty="0"/>
-              <a:t>We have an ordered parameter list in </a:t>
+              <a:t>Assume we have an ordered parameter list in </a:t>
             </a:r>
             <a:r>
               <a:rPr lang="en-US" sz="2000" dirty="0" err="1"/>
@@ -35107,7 +37612,7 @@
               <a:buChar char="•"/>
             </a:pPr>
             <a:r>
-              <a:rPr lang="en-US" sz="1800" dirty="0"/>
+              <a:rPr lang="en-US" dirty="0"/>
               <a:t>Traverse the argument list again</a:t>
             </a:r>
           </a:p>
@@ -35117,7 +37622,7 @@
               <a:buChar char="•"/>
             </a:pPr>
             <a:r>
-              <a:rPr lang="en-US" sz="1800" dirty="0"/>
+              <a:rPr lang="en-US" dirty="0"/>
               <a:t>Return a list of types (strings)</a:t>
             </a:r>
           </a:p>
@@ -35127,14 +37632,18 @@
               <a:buChar char="•"/>
             </a:pPr>
             <a:r>
-              <a:rPr lang="en-US" sz="1800" dirty="0"/>
-              <a:t>Compare the entries in two list one by one</a:t>
-            </a:r>
-          </a:p>
-          <a:p>
-            <a:r>
-              <a:rPr lang="en-US" sz="2000" dirty="0"/>
-              <a:t>Note that we need to check the inheritance of classes</a:t>
+              <a:rPr lang="en-US" dirty="0"/>
+              <a:t>Compare the entries in two lists one by one</a:t>
+            </a:r>
+          </a:p>
+          <a:p>
+            <a:pPr lvl="1">
+              <a:buFont typeface="Arial" panose="020B0604020202020204" pitchFamily="34" charset="0"/>
+              <a:buChar char="•"/>
+            </a:pPr>
+            <a:r>
+              <a:rPr lang="en-US" dirty="0"/>
+              <a:t>(Note that we need to check the inheritance of classes)</a:t>
             </a:r>
           </a:p>
         </p:txBody>
@@ -35170,7 +37679,7 @@
                             </p:stCondLst>
                             <p:childTnLst>
                               <p:par>
-                                <p:cTn id="5" presetID="2" presetClass="entr" presetSubtype="4" fill="hold" nodeType="clickEffect">
+                                <p:cTn id="5" presetID="53" presetClass="entr" presetSubtype="16" fill="hold" nodeType="clickEffect">
                                   <p:stCondLst>
                                     <p:cond delay="0"/>
                                   </p:stCondLst>
@@ -35198,7 +37707,7 @@
                                       </p:to>
                                     </p:set>
                                     <p:anim calcmode="lin" valueType="num">
-                                      <p:cBhvr additive="base">
+                                      <p:cBhvr>
                                         <p:cTn id="7" dur="500" fill="hold"/>
                                         <p:tgtEl>
                                           <p:spTgt spid="3">
@@ -35208,24 +37717,24 @@
                                           </p:spTgt>
                                         </p:tgtEl>
                                         <p:attrNameLst>
-                                          <p:attrName>ppt_x</p:attrName>
+                                          <p:attrName>ppt_w</p:attrName>
                                         </p:attrNameLst>
                                       </p:cBhvr>
                                       <p:tavLst>
                                         <p:tav tm="0">
                                           <p:val>
-                                            <p:strVal val="#ppt_x"/>
+                                            <p:fltVal val="0"/>
                                           </p:val>
                                         </p:tav>
                                         <p:tav tm="100000">
                                           <p:val>
-                                            <p:strVal val="#ppt_x"/>
+                                            <p:strVal val="#ppt_w"/>
                                           </p:val>
                                         </p:tav>
                                       </p:tavLst>
                                     </p:anim>
                                     <p:anim calcmode="lin" valueType="num">
-                                      <p:cBhvr additive="base">
+                                      <p:cBhvr>
                                         <p:cTn id="8" dur="500" fill="hold"/>
                                         <p:tgtEl>
                                           <p:spTgt spid="3">
@@ -35235,13 +37744,512 @@
                                           </p:spTgt>
                                         </p:tgtEl>
                                         <p:attrNameLst>
-                                          <p:attrName>ppt_y</p:attrName>
+                                          <p:attrName>ppt_h</p:attrName>
                                         </p:attrNameLst>
                                       </p:cBhvr>
                                       <p:tavLst>
                                         <p:tav tm="0">
                                           <p:val>
-                                            <p:strVal val="1+#ppt_h/2"/>
+                                            <p:fltVal val="0"/>
+                                          </p:val>
+                                        </p:tav>
+                                        <p:tav tm="100000">
+                                          <p:val>
+                                            <p:strVal val="#ppt_h"/>
+                                          </p:val>
+                                        </p:tav>
+                                      </p:tavLst>
+                                    </p:anim>
+                                    <p:animEffect transition="in" filter="fade">
+                                      <p:cBhvr>
+                                        <p:cTn id="9" dur="500"/>
+                                        <p:tgtEl>
+                                          <p:spTgt spid="3">
+                                            <p:txEl>
+                                              <p:pRg st="0" end="0"/>
+                                            </p:txEl>
+                                          </p:spTgt>
+                                        </p:tgtEl>
+                                      </p:cBhvr>
+                                    </p:animEffect>
+                                  </p:childTnLst>
+                                </p:cTn>
+                              </p:par>
+                            </p:childTnLst>
+                          </p:cTn>
+                        </p:par>
+                      </p:childTnLst>
+                    </p:cTn>
+                  </p:par>
+                  <p:par>
+                    <p:cTn id="10" fill="hold">
+                      <p:stCondLst>
+                        <p:cond delay="indefinite"/>
+                      </p:stCondLst>
+                      <p:childTnLst>
+                        <p:par>
+                          <p:cTn id="11" fill="hold">
+                            <p:stCondLst>
+                              <p:cond delay="0"/>
+                            </p:stCondLst>
+                            <p:childTnLst>
+                              <p:par>
+                                <p:cTn id="12" presetID="53" presetClass="entr" presetSubtype="16" fill="hold" nodeType="clickEffect">
+                                  <p:stCondLst>
+                                    <p:cond delay="0"/>
+                                  </p:stCondLst>
+                                  <p:childTnLst>
+                                    <p:set>
+                                      <p:cBhvr>
+                                        <p:cTn id="13" dur="1" fill="hold">
+                                          <p:stCondLst>
+                                            <p:cond delay="0"/>
+                                          </p:stCondLst>
+                                        </p:cTn>
+                                        <p:tgtEl>
+                                          <p:spTgt spid="3">
+                                            <p:txEl>
+                                              <p:pRg st="1" end="1"/>
+                                            </p:txEl>
+                                          </p:spTgt>
+                                        </p:tgtEl>
+                                        <p:attrNameLst>
+                                          <p:attrName>style.visibility</p:attrName>
+                                        </p:attrNameLst>
+                                      </p:cBhvr>
+                                      <p:to>
+                                        <p:strVal val="visible"/>
+                                      </p:to>
+                                    </p:set>
+                                    <p:anim calcmode="lin" valueType="num">
+                                      <p:cBhvr>
+                                        <p:cTn id="14" dur="500" fill="hold"/>
+                                        <p:tgtEl>
+                                          <p:spTgt spid="3">
+                                            <p:txEl>
+                                              <p:pRg st="1" end="1"/>
+                                            </p:txEl>
+                                          </p:spTgt>
+                                        </p:tgtEl>
+                                        <p:attrNameLst>
+                                          <p:attrName>ppt_w</p:attrName>
+                                        </p:attrNameLst>
+                                      </p:cBhvr>
+                                      <p:tavLst>
+                                        <p:tav tm="0">
+                                          <p:val>
+                                            <p:fltVal val="0"/>
+                                          </p:val>
+                                        </p:tav>
+                                        <p:tav tm="100000">
+                                          <p:val>
+                                            <p:strVal val="#ppt_w"/>
+                                          </p:val>
+                                        </p:tav>
+                                      </p:tavLst>
+                                    </p:anim>
+                                    <p:anim calcmode="lin" valueType="num">
+                                      <p:cBhvr>
+                                        <p:cTn id="15" dur="500" fill="hold"/>
+                                        <p:tgtEl>
+                                          <p:spTgt spid="3">
+                                            <p:txEl>
+                                              <p:pRg st="1" end="1"/>
+                                            </p:txEl>
+                                          </p:spTgt>
+                                        </p:tgtEl>
+                                        <p:attrNameLst>
+                                          <p:attrName>ppt_h</p:attrName>
+                                        </p:attrNameLst>
+                                      </p:cBhvr>
+                                      <p:tavLst>
+                                        <p:tav tm="0">
+                                          <p:val>
+                                            <p:fltVal val="0"/>
+                                          </p:val>
+                                        </p:tav>
+                                        <p:tav tm="100000">
+                                          <p:val>
+                                            <p:strVal val="#ppt_h"/>
+                                          </p:val>
+                                        </p:tav>
+                                      </p:tavLst>
+                                    </p:anim>
+                                    <p:animEffect transition="in" filter="fade">
+                                      <p:cBhvr>
+                                        <p:cTn id="16" dur="500"/>
+                                        <p:tgtEl>
+                                          <p:spTgt spid="3">
+                                            <p:txEl>
+                                              <p:pRg st="1" end="1"/>
+                                            </p:txEl>
+                                          </p:spTgt>
+                                        </p:tgtEl>
+                                      </p:cBhvr>
+                                    </p:animEffect>
+                                  </p:childTnLst>
+                                </p:cTn>
+                              </p:par>
+                            </p:childTnLst>
+                          </p:cTn>
+                        </p:par>
+                      </p:childTnLst>
+                    </p:cTn>
+                  </p:par>
+                  <p:par>
+                    <p:cTn id="17" fill="hold">
+                      <p:stCondLst>
+                        <p:cond delay="indefinite"/>
+                      </p:stCondLst>
+                      <p:childTnLst>
+                        <p:par>
+                          <p:cTn id="18" fill="hold">
+                            <p:stCondLst>
+                              <p:cond delay="0"/>
+                            </p:stCondLst>
+                            <p:childTnLst>
+                              <p:par>
+                                <p:cTn id="19" presetID="53" presetClass="entr" presetSubtype="16" fill="hold" nodeType="clickEffect">
+                                  <p:stCondLst>
+                                    <p:cond delay="0"/>
+                                  </p:stCondLst>
+                                  <p:childTnLst>
+                                    <p:set>
+                                      <p:cBhvr>
+                                        <p:cTn id="20" dur="1" fill="hold">
+                                          <p:stCondLst>
+                                            <p:cond delay="0"/>
+                                          </p:stCondLst>
+                                        </p:cTn>
+                                        <p:tgtEl>
+                                          <p:spTgt spid="3">
+                                            <p:txEl>
+                                              <p:pRg st="2" end="2"/>
+                                            </p:txEl>
+                                          </p:spTgt>
+                                        </p:tgtEl>
+                                        <p:attrNameLst>
+                                          <p:attrName>style.visibility</p:attrName>
+                                        </p:attrNameLst>
+                                      </p:cBhvr>
+                                      <p:to>
+                                        <p:strVal val="visible"/>
+                                      </p:to>
+                                    </p:set>
+                                    <p:anim calcmode="lin" valueType="num">
+                                      <p:cBhvr>
+                                        <p:cTn id="21" dur="500" fill="hold"/>
+                                        <p:tgtEl>
+                                          <p:spTgt spid="3">
+                                            <p:txEl>
+                                              <p:pRg st="2" end="2"/>
+                                            </p:txEl>
+                                          </p:spTgt>
+                                        </p:tgtEl>
+                                        <p:attrNameLst>
+                                          <p:attrName>ppt_w</p:attrName>
+                                        </p:attrNameLst>
+                                      </p:cBhvr>
+                                      <p:tavLst>
+                                        <p:tav tm="0">
+                                          <p:val>
+                                            <p:fltVal val="0"/>
+                                          </p:val>
+                                        </p:tav>
+                                        <p:tav tm="100000">
+                                          <p:val>
+                                            <p:strVal val="#ppt_w"/>
+                                          </p:val>
+                                        </p:tav>
+                                      </p:tavLst>
+                                    </p:anim>
+                                    <p:anim calcmode="lin" valueType="num">
+                                      <p:cBhvr>
+                                        <p:cTn id="22" dur="500" fill="hold"/>
+                                        <p:tgtEl>
+                                          <p:spTgt spid="3">
+                                            <p:txEl>
+                                              <p:pRg st="2" end="2"/>
+                                            </p:txEl>
+                                          </p:spTgt>
+                                        </p:tgtEl>
+                                        <p:attrNameLst>
+                                          <p:attrName>ppt_h</p:attrName>
+                                        </p:attrNameLst>
+                                      </p:cBhvr>
+                                      <p:tavLst>
+                                        <p:tav tm="0">
+                                          <p:val>
+                                            <p:fltVal val="0"/>
+                                          </p:val>
+                                        </p:tav>
+                                        <p:tav tm="100000">
+                                          <p:val>
+                                            <p:strVal val="#ppt_h"/>
+                                          </p:val>
+                                        </p:tav>
+                                      </p:tavLst>
+                                    </p:anim>
+                                    <p:animEffect transition="in" filter="fade">
+                                      <p:cBhvr>
+                                        <p:cTn id="23" dur="500"/>
+                                        <p:tgtEl>
+                                          <p:spTgt spid="3">
+                                            <p:txEl>
+                                              <p:pRg st="2" end="2"/>
+                                            </p:txEl>
+                                          </p:spTgt>
+                                        </p:tgtEl>
+                                      </p:cBhvr>
+                                    </p:animEffect>
+                                  </p:childTnLst>
+                                </p:cTn>
+                              </p:par>
+                            </p:childTnLst>
+                          </p:cTn>
+                        </p:par>
+                      </p:childTnLst>
+                    </p:cTn>
+                  </p:par>
+                  <p:par>
+                    <p:cTn id="24" fill="hold">
+                      <p:stCondLst>
+                        <p:cond delay="indefinite"/>
+                      </p:stCondLst>
+                      <p:childTnLst>
+                        <p:par>
+                          <p:cTn id="25" fill="hold">
+                            <p:stCondLst>
+                              <p:cond delay="0"/>
+                            </p:stCondLst>
+                            <p:childTnLst>
+                              <p:par>
+                                <p:cTn id="26" presetID="31" presetClass="entr" presetSubtype="0" fill="hold" nodeType="clickEffect">
+                                  <p:stCondLst>
+                                    <p:cond delay="0"/>
+                                  </p:stCondLst>
+                                  <p:childTnLst>
+                                    <p:set>
+                                      <p:cBhvr>
+                                        <p:cTn id="27" dur="1" fill="hold">
+                                          <p:stCondLst>
+                                            <p:cond delay="0"/>
+                                          </p:stCondLst>
+                                        </p:cTn>
+                                        <p:tgtEl>
+                                          <p:spTgt spid="3">
+                                            <p:txEl>
+                                              <p:pRg st="3" end="3"/>
+                                            </p:txEl>
+                                          </p:spTgt>
+                                        </p:tgtEl>
+                                        <p:attrNameLst>
+                                          <p:attrName>style.visibility</p:attrName>
+                                        </p:attrNameLst>
+                                      </p:cBhvr>
+                                      <p:to>
+                                        <p:strVal val="visible"/>
+                                      </p:to>
+                                    </p:set>
+                                    <p:anim calcmode="lin" valueType="num">
+                                      <p:cBhvr>
+                                        <p:cTn id="28" dur="1000" fill="hold"/>
+                                        <p:tgtEl>
+                                          <p:spTgt spid="3">
+                                            <p:txEl>
+                                              <p:pRg st="3" end="3"/>
+                                            </p:txEl>
+                                          </p:spTgt>
+                                        </p:tgtEl>
+                                        <p:attrNameLst>
+                                          <p:attrName>ppt_w</p:attrName>
+                                        </p:attrNameLst>
+                                      </p:cBhvr>
+                                      <p:tavLst>
+                                        <p:tav tm="0">
+                                          <p:val>
+                                            <p:fltVal val="0"/>
+                                          </p:val>
+                                        </p:tav>
+                                        <p:tav tm="100000">
+                                          <p:val>
+                                            <p:strVal val="#ppt_w"/>
+                                          </p:val>
+                                        </p:tav>
+                                      </p:tavLst>
+                                    </p:anim>
+                                    <p:anim calcmode="lin" valueType="num">
+                                      <p:cBhvr>
+                                        <p:cTn id="29" dur="1000" fill="hold"/>
+                                        <p:tgtEl>
+                                          <p:spTgt spid="3">
+                                            <p:txEl>
+                                              <p:pRg st="3" end="3"/>
+                                            </p:txEl>
+                                          </p:spTgt>
+                                        </p:tgtEl>
+                                        <p:attrNameLst>
+                                          <p:attrName>ppt_h</p:attrName>
+                                        </p:attrNameLst>
+                                      </p:cBhvr>
+                                      <p:tavLst>
+                                        <p:tav tm="0">
+                                          <p:val>
+                                            <p:fltVal val="0"/>
+                                          </p:val>
+                                        </p:tav>
+                                        <p:tav tm="100000">
+                                          <p:val>
+                                            <p:strVal val="#ppt_h"/>
+                                          </p:val>
+                                        </p:tav>
+                                      </p:tavLst>
+                                    </p:anim>
+                                    <p:anim calcmode="lin" valueType="num">
+                                      <p:cBhvr>
+                                        <p:cTn id="30" dur="1000" fill="hold"/>
+                                        <p:tgtEl>
+                                          <p:spTgt spid="3">
+                                            <p:txEl>
+                                              <p:pRg st="3" end="3"/>
+                                            </p:txEl>
+                                          </p:spTgt>
+                                        </p:tgtEl>
+                                        <p:attrNameLst>
+                                          <p:attrName>style.rotation</p:attrName>
+                                        </p:attrNameLst>
+                                      </p:cBhvr>
+                                      <p:tavLst>
+                                        <p:tav tm="0">
+                                          <p:val>
+                                            <p:fltVal val="90"/>
+                                          </p:val>
+                                        </p:tav>
+                                        <p:tav tm="100000">
+                                          <p:val>
+                                            <p:fltVal val="0"/>
+                                          </p:val>
+                                        </p:tav>
+                                      </p:tavLst>
+                                    </p:anim>
+                                    <p:animEffect transition="in" filter="fade">
+                                      <p:cBhvr>
+                                        <p:cTn id="31" dur="1000"/>
+                                        <p:tgtEl>
+                                          <p:spTgt spid="3">
+                                            <p:txEl>
+                                              <p:pRg st="3" end="3"/>
+                                            </p:txEl>
+                                          </p:spTgt>
+                                        </p:tgtEl>
+                                      </p:cBhvr>
+                                    </p:animEffect>
+                                  </p:childTnLst>
+                                </p:cTn>
+                              </p:par>
+                            </p:childTnLst>
+                          </p:cTn>
+                        </p:par>
+                      </p:childTnLst>
+                    </p:cTn>
+                  </p:par>
+                  <p:par>
+                    <p:cTn id="32" fill="hold">
+                      <p:stCondLst>
+                        <p:cond delay="indefinite"/>
+                      </p:stCondLst>
+                      <p:childTnLst>
+                        <p:par>
+                          <p:cTn id="33" fill="hold">
+                            <p:stCondLst>
+                              <p:cond delay="0"/>
+                            </p:stCondLst>
+                            <p:childTnLst>
+                              <p:par>
+                                <p:cTn id="34" presetID="42" presetClass="entr" presetSubtype="0" fill="hold" nodeType="clickEffect">
+                                  <p:stCondLst>
+                                    <p:cond delay="0"/>
+                                  </p:stCondLst>
+                                  <p:childTnLst>
+                                    <p:set>
+                                      <p:cBhvr>
+                                        <p:cTn id="35" dur="1" fill="hold">
+                                          <p:stCondLst>
+                                            <p:cond delay="0"/>
+                                          </p:stCondLst>
+                                        </p:cTn>
+                                        <p:tgtEl>
+                                          <p:spTgt spid="3">
+                                            <p:txEl>
+                                              <p:pRg st="4" end="4"/>
+                                            </p:txEl>
+                                          </p:spTgt>
+                                        </p:tgtEl>
+                                        <p:attrNameLst>
+                                          <p:attrName>style.visibility</p:attrName>
+                                        </p:attrNameLst>
+                                      </p:cBhvr>
+                                      <p:to>
+                                        <p:strVal val="visible"/>
+                                      </p:to>
+                                    </p:set>
+                                    <p:animEffect transition="in" filter="fade">
+                                      <p:cBhvr>
+                                        <p:cTn id="36" dur="1000"/>
+                                        <p:tgtEl>
+                                          <p:spTgt spid="3">
+                                            <p:txEl>
+                                              <p:pRg st="4" end="4"/>
+                                            </p:txEl>
+                                          </p:spTgt>
+                                        </p:tgtEl>
+                                      </p:cBhvr>
+                                    </p:animEffect>
+                                    <p:anim calcmode="lin" valueType="num">
+                                      <p:cBhvr>
+                                        <p:cTn id="37" dur="1000" fill="hold"/>
+                                        <p:tgtEl>
+                                          <p:spTgt spid="3">
+                                            <p:txEl>
+                                              <p:pRg st="4" end="4"/>
+                                            </p:txEl>
+                                          </p:spTgt>
+                                        </p:tgtEl>
+                                        <p:attrNameLst>
+                                          <p:attrName>ppt_x</p:attrName>
+                                        </p:attrNameLst>
+                                      </p:cBhvr>
+                                      <p:tavLst>
+                                        <p:tav tm="0">
+                                          <p:val>
+                                            <p:strVal val="#ppt_x"/>
+                                          </p:val>
+                                        </p:tav>
+                                        <p:tav tm="100000">
+                                          <p:val>
+                                            <p:strVal val="#ppt_x"/>
+                                          </p:val>
+                                        </p:tav>
+                                      </p:tavLst>
+                                    </p:anim>
+                                    <p:anim calcmode="lin" valueType="num">
+                                      <p:cBhvr>
+                                        <p:cTn id="38" dur="1000" fill="hold"/>
+                                        <p:tgtEl>
+                                          <p:spTgt spid="3">
+                                            <p:txEl>
+                                              <p:pRg st="4" end="4"/>
+                                            </p:txEl>
+                                          </p:spTgt>
+                                        </p:tgtEl>
+                                        <p:attrNameLst>
+                                          <p:attrName>ppt_y</p:attrName>
+                                        </p:attrNameLst>
+                                      </p:cBhvr>
+                                      <p:tavLst>
+                                        <p:tav tm="0">
+                                          <p:val>
+                                            <p:strVal val="#ppt_y+.1"/>
                                           </p:val>
                                         </p:tav>
                                         <p:tav tm="100000">
@@ -35261,26 +38269,26 @@
                     </p:cTn>
                   </p:par>
                   <p:par>
-                    <p:cTn id="9" fill="hold">
+                    <p:cTn id="39" fill="hold">
                       <p:stCondLst>
                         <p:cond delay="indefinite"/>
                       </p:stCondLst>
                       <p:childTnLst>
                         <p:par>
-                          <p:cTn id="10" fill="hold">
+                          <p:cTn id="40" fill="hold">
                             <p:stCondLst>
                               <p:cond delay="0"/>
                             </p:stCondLst>
                             <p:childTnLst>
                               <p:par>
-                                <p:cTn id="11" presetID="53" presetClass="entr" presetSubtype="16" fill="hold" nodeType="clickEffect">
+                                <p:cTn id="41" presetID="26" presetClass="entr" presetSubtype="0" fill="hold" nodeType="clickEffect">
                                   <p:stCondLst>
                                     <p:cond delay="0"/>
                                   </p:stCondLst>
                                   <p:childTnLst>
                                     <p:set>
                                       <p:cBhvr>
-                                        <p:cTn id="12" dur="1" fill="hold">
+                                        <p:cTn id="42" dur="1" fill="hold">
                                           <p:stCondLst>
                                             <p:cond delay="0"/>
                                           </p:stCondLst>
@@ -35288,501 +38296,7 @@
                                         <p:tgtEl>
                                           <p:spTgt spid="3">
                                             <p:txEl>
-                                              <p:pRg st="1" end="1"/>
-                                            </p:txEl>
-                                          </p:spTgt>
-                                        </p:tgtEl>
-                                        <p:attrNameLst>
-                                          <p:attrName>style.visibility</p:attrName>
-                                        </p:attrNameLst>
-                                      </p:cBhvr>
-                                      <p:to>
-                                        <p:strVal val="visible"/>
-                                      </p:to>
-                                    </p:set>
-                                    <p:anim calcmode="lin" valueType="num">
-                                      <p:cBhvr>
-                                        <p:cTn id="13" dur="500" fill="hold"/>
-                                        <p:tgtEl>
-                                          <p:spTgt spid="3">
-                                            <p:txEl>
-                                              <p:pRg st="1" end="1"/>
-                                            </p:txEl>
-                                          </p:spTgt>
-                                        </p:tgtEl>
-                                        <p:attrNameLst>
-                                          <p:attrName>ppt_w</p:attrName>
-                                        </p:attrNameLst>
-                                      </p:cBhvr>
-                                      <p:tavLst>
-                                        <p:tav tm="0">
-                                          <p:val>
-                                            <p:fltVal val="0"/>
-                                          </p:val>
-                                        </p:tav>
-                                        <p:tav tm="100000">
-                                          <p:val>
-                                            <p:strVal val="#ppt_w"/>
-                                          </p:val>
-                                        </p:tav>
-                                      </p:tavLst>
-                                    </p:anim>
-                                    <p:anim calcmode="lin" valueType="num">
-                                      <p:cBhvr>
-                                        <p:cTn id="14" dur="500" fill="hold"/>
-                                        <p:tgtEl>
-                                          <p:spTgt spid="3">
-                                            <p:txEl>
-                                              <p:pRg st="1" end="1"/>
-                                            </p:txEl>
-                                          </p:spTgt>
-                                        </p:tgtEl>
-                                        <p:attrNameLst>
-                                          <p:attrName>ppt_h</p:attrName>
-                                        </p:attrNameLst>
-                                      </p:cBhvr>
-                                      <p:tavLst>
-                                        <p:tav tm="0">
-                                          <p:val>
-                                            <p:fltVal val="0"/>
-                                          </p:val>
-                                        </p:tav>
-                                        <p:tav tm="100000">
-                                          <p:val>
-                                            <p:strVal val="#ppt_h"/>
-                                          </p:val>
-                                        </p:tav>
-                                      </p:tavLst>
-                                    </p:anim>
-                                    <p:animEffect transition="in" filter="fade">
-                                      <p:cBhvr>
-                                        <p:cTn id="15" dur="500"/>
-                                        <p:tgtEl>
-                                          <p:spTgt spid="3">
-                                            <p:txEl>
-                                              <p:pRg st="1" end="1"/>
-                                            </p:txEl>
-                                          </p:spTgt>
-                                        </p:tgtEl>
-                                      </p:cBhvr>
-                                    </p:animEffect>
-                                  </p:childTnLst>
-                                </p:cTn>
-                              </p:par>
-                            </p:childTnLst>
-                          </p:cTn>
-                        </p:par>
-                      </p:childTnLst>
-                    </p:cTn>
-                  </p:par>
-                  <p:par>
-                    <p:cTn id="16" fill="hold">
-                      <p:stCondLst>
-                        <p:cond delay="indefinite"/>
-                      </p:stCondLst>
-                      <p:childTnLst>
-                        <p:par>
-                          <p:cTn id="17" fill="hold">
-                            <p:stCondLst>
-                              <p:cond delay="0"/>
-                            </p:stCondLst>
-                            <p:childTnLst>
-                              <p:par>
-                                <p:cTn id="18" presetID="21" presetClass="entr" presetSubtype="1" fill="hold" nodeType="clickEffect">
-                                  <p:stCondLst>
-                                    <p:cond delay="0"/>
-                                  </p:stCondLst>
-                                  <p:childTnLst>
-                                    <p:set>
-                                      <p:cBhvr>
-                                        <p:cTn id="19" dur="1" fill="hold">
-                                          <p:stCondLst>
-                                            <p:cond delay="0"/>
-                                          </p:stCondLst>
-                                        </p:cTn>
-                                        <p:tgtEl>
-                                          <p:spTgt spid="3">
-                                            <p:txEl>
-                                              <p:pRg st="2" end="2"/>
-                                            </p:txEl>
-                                          </p:spTgt>
-                                        </p:tgtEl>
-                                        <p:attrNameLst>
-                                          <p:attrName>style.visibility</p:attrName>
-                                        </p:attrNameLst>
-                                      </p:cBhvr>
-                                      <p:to>
-                                        <p:strVal val="visible"/>
-                                      </p:to>
-                                    </p:set>
-                                    <p:animEffect transition="in" filter="wheel(1)">
-                                      <p:cBhvr>
-                                        <p:cTn id="20" dur="2000"/>
-                                        <p:tgtEl>
-                                          <p:spTgt spid="3">
-                                            <p:txEl>
-                                              <p:pRg st="2" end="2"/>
-                                            </p:txEl>
-                                          </p:spTgt>
-                                        </p:tgtEl>
-                                      </p:cBhvr>
-                                    </p:animEffect>
-                                  </p:childTnLst>
-                                </p:cTn>
-                              </p:par>
-                            </p:childTnLst>
-                          </p:cTn>
-                        </p:par>
-                      </p:childTnLst>
-                    </p:cTn>
-                  </p:par>
-                  <p:par>
-                    <p:cTn id="21" fill="hold">
-                      <p:stCondLst>
-                        <p:cond delay="indefinite"/>
-                      </p:stCondLst>
-                      <p:childTnLst>
-                        <p:par>
-                          <p:cTn id="22" fill="hold">
-                            <p:stCondLst>
-                              <p:cond delay="0"/>
-                            </p:stCondLst>
-                            <p:childTnLst>
-                              <p:par>
-                                <p:cTn id="23" presetID="21" presetClass="entr" presetSubtype="1" fill="hold" nodeType="clickEffect">
-                                  <p:stCondLst>
-                                    <p:cond delay="0"/>
-                                  </p:stCondLst>
-                                  <p:childTnLst>
-                                    <p:set>
-                                      <p:cBhvr>
-                                        <p:cTn id="24" dur="1" fill="hold">
-                                          <p:stCondLst>
-                                            <p:cond delay="0"/>
-                                          </p:stCondLst>
-                                        </p:cTn>
-                                        <p:tgtEl>
-                                          <p:spTgt spid="3">
-                                            <p:txEl>
-                                              <p:pRg st="3" end="3"/>
-                                            </p:txEl>
-                                          </p:spTgt>
-                                        </p:tgtEl>
-                                        <p:attrNameLst>
-                                          <p:attrName>style.visibility</p:attrName>
-                                        </p:attrNameLst>
-                                      </p:cBhvr>
-                                      <p:to>
-                                        <p:strVal val="visible"/>
-                                      </p:to>
-                                    </p:set>
-                                    <p:animEffect transition="in" filter="wheel(1)">
-                                      <p:cBhvr>
-                                        <p:cTn id="25" dur="2000"/>
-                                        <p:tgtEl>
-                                          <p:spTgt spid="3">
-                                            <p:txEl>
-                                              <p:pRg st="3" end="3"/>
-                                            </p:txEl>
-                                          </p:spTgt>
-                                        </p:tgtEl>
-                                      </p:cBhvr>
-                                    </p:animEffect>
-                                  </p:childTnLst>
-                                </p:cTn>
-                              </p:par>
-                            </p:childTnLst>
-                          </p:cTn>
-                        </p:par>
-                      </p:childTnLst>
-                    </p:cTn>
-                  </p:par>
-                  <p:par>
-                    <p:cTn id="26" fill="hold">
-                      <p:stCondLst>
-                        <p:cond delay="indefinite"/>
-                      </p:stCondLst>
-                      <p:childTnLst>
-                        <p:par>
-                          <p:cTn id="27" fill="hold">
-                            <p:stCondLst>
-                              <p:cond delay="0"/>
-                            </p:stCondLst>
-                            <p:childTnLst>
-                              <p:par>
-                                <p:cTn id="28" presetID="31" presetClass="entr" presetSubtype="0" fill="hold" nodeType="clickEffect">
-                                  <p:stCondLst>
-                                    <p:cond delay="0"/>
-                                  </p:stCondLst>
-                                  <p:childTnLst>
-                                    <p:set>
-                                      <p:cBhvr>
-                                        <p:cTn id="29" dur="1" fill="hold">
-                                          <p:stCondLst>
-                                            <p:cond delay="0"/>
-                                          </p:stCondLst>
-                                        </p:cTn>
-                                        <p:tgtEl>
-                                          <p:spTgt spid="3">
-                                            <p:txEl>
-                                              <p:pRg st="4" end="4"/>
-                                            </p:txEl>
-                                          </p:spTgt>
-                                        </p:tgtEl>
-                                        <p:attrNameLst>
-                                          <p:attrName>style.visibility</p:attrName>
-                                        </p:attrNameLst>
-                                      </p:cBhvr>
-                                      <p:to>
-                                        <p:strVal val="visible"/>
-                                      </p:to>
-                                    </p:set>
-                                    <p:anim calcmode="lin" valueType="num">
-                                      <p:cBhvr>
-                                        <p:cTn id="30" dur="1000" fill="hold"/>
-                                        <p:tgtEl>
-                                          <p:spTgt spid="3">
-                                            <p:txEl>
-                                              <p:pRg st="4" end="4"/>
-                                            </p:txEl>
-                                          </p:spTgt>
-                                        </p:tgtEl>
-                                        <p:attrNameLst>
-                                          <p:attrName>ppt_w</p:attrName>
-                                        </p:attrNameLst>
-                                      </p:cBhvr>
-                                      <p:tavLst>
-                                        <p:tav tm="0">
-                                          <p:val>
-                                            <p:fltVal val="0"/>
-                                          </p:val>
-                                        </p:tav>
-                                        <p:tav tm="100000">
-                                          <p:val>
-                                            <p:strVal val="#ppt_w"/>
-                                          </p:val>
-                                        </p:tav>
-                                      </p:tavLst>
-                                    </p:anim>
-                                    <p:anim calcmode="lin" valueType="num">
-                                      <p:cBhvr>
-                                        <p:cTn id="31" dur="1000" fill="hold"/>
-                                        <p:tgtEl>
-                                          <p:spTgt spid="3">
-                                            <p:txEl>
-                                              <p:pRg st="4" end="4"/>
-                                            </p:txEl>
-                                          </p:spTgt>
-                                        </p:tgtEl>
-                                        <p:attrNameLst>
-                                          <p:attrName>ppt_h</p:attrName>
-                                        </p:attrNameLst>
-                                      </p:cBhvr>
-                                      <p:tavLst>
-                                        <p:tav tm="0">
-                                          <p:val>
-                                            <p:fltVal val="0"/>
-                                          </p:val>
-                                        </p:tav>
-                                        <p:tav tm="100000">
-                                          <p:val>
-                                            <p:strVal val="#ppt_h"/>
-                                          </p:val>
-                                        </p:tav>
-                                      </p:tavLst>
-                                    </p:anim>
-                                    <p:anim calcmode="lin" valueType="num">
-                                      <p:cBhvr>
-                                        <p:cTn id="32" dur="1000" fill="hold"/>
-                                        <p:tgtEl>
-                                          <p:spTgt spid="3">
-                                            <p:txEl>
-                                              <p:pRg st="4" end="4"/>
-                                            </p:txEl>
-                                          </p:spTgt>
-                                        </p:tgtEl>
-                                        <p:attrNameLst>
-                                          <p:attrName>style.rotation</p:attrName>
-                                        </p:attrNameLst>
-                                      </p:cBhvr>
-                                      <p:tavLst>
-                                        <p:tav tm="0">
-                                          <p:val>
-                                            <p:fltVal val="90"/>
-                                          </p:val>
-                                        </p:tav>
-                                        <p:tav tm="100000">
-                                          <p:val>
-                                            <p:fltVal val="0"/>
-                                          </p:val>
-                                        </p:tav>
-                                      </p:tavLst>
-                                    </p:anim>
-                                    <p:animEffect transition="in" filter="fade">
-                                      <p:cBhvr>
-                                        <p:cTn id="33" dur="1000"/>
-                                        <p:tgtEl>
-                                          <p:spTgt spid="3">
-                                            <p:txEl>
-                                              <p:pRg st="4" end="4"/>
-                                            </p:txEl>
-                                          </p:spTgt>
-                                        </p:tgtEl>
-                                      </p:cBhvr>
-                                    </p:animEffect>
-                                  </p:childTnLst>
-                                </p:cTn>
-                              </p:par>
-                            </p:childTnLst>
-                          </p:cTn>
-                        </p:par>
-                      </p:childTnLst>
-                    </p:cTn>
-                  </p:par>
-                  <p:par>
-                    <p:cTn id="34" fill="hold">
-                      <p:stCondLst>
-                        <p:cond delay="indefinite"/>
-                      </p:stCondLst>
-                      <p:childTnLst>
-                        <p:par>
-                          <p:cTn id="35" fill="hold">
-                            <p:stCondLst>
-                              <p:cond delay="0"/>
-                            </p:stCondLst>
-                            <p:childTnLst>
-                              <p:par>
-                                <p:cTn id="36" presetID="42" presetClass="entr" presetSubtype="0" fill="hold" nodeType="clickEffect">
-                                  <p:stCondLst>
-                                    <p:cond delay="0"/>
-                                  </p:stCondLst>
-                                  <p:childTnLst>
-                                    <p:set>
-                                      <p:cBhvr>
-                                        <p:cTn id="37" dur="1" fill="hold">
-                                          <p:stCondLst>
-                                            <p:cond delay="0"/>
-                                          </p:stCondLst>
-                                        </p:cTn>
-                                        <p:tgtEl>
-                                          <p:spTgt spid="3">
-                                            <p:txEl>
                                               <p:pRg st="5" end="5"/>
-                                            </p:txEl>
-                                          </p:spTgt>
-                                        </p:tgtEl>
-                                        <p:attrNameLst>
-                                          <p:attrName>style.visibility</p:attrName>
-                                        </p:attrNameLst>
-                                      </p:cBhvr>
-                                      <p:to>
-                                        <p:strVal val="visible"/>
-                                      </p:to>
-                                    </p:set>
-                                    <p:animEffect transition="in" filter="fade">
-                                      <p:cBhvr>
-                                        <p:cTn id="38" dur="1000"/>
-                                        <p:tgtEl>
-                                          <p:spTgt spid="3">
-                                            <p:txEl>
-                                              <p:pRg st="5" end="5"/>
-                                            </p:txEl>
-                                          </p:spTgt>
-                                        </p:tgtEl>
-                                      </p:cBhvr>
-                                    </p:animEffect>
-                                    <p:anim calcmode="lin" valueType="num">
-                                      <p:cBhvr>
-                                        <p:cTn id="39" dur="1000" fill="hold"/>
-                                        <p:tgtEl>
-                                          <p:spTgt spid="3">
-                                            <p:txEl>
-                                              <p:pRg st="5" end="5"/>
-                                            </p:txEl>
-                                          </p:spTgt>
-                                        </p:tgtEl>
-                                        <p:attrNameLst>
-                                          <p:attrName>ppt_x</p:attrName>
-                                        </p:attrNameLst>
-                                      </p:cBhvr>
-                                      <p:tavLst>
-                                        <p:tav tm="0">
-                                          <p:val>
-                                            <p:strVal val="#ppt_x"/>
-                                          </p:val>
-                                        </p:tav>
-                                        <p:tav tm="100000">
-                                          <p:val>
-                                            <p:strVal val="#ppt_x"/>
-                                          </p:val>
-                                        </p:tav>
-                                      </p:tavLst>
-                                    </p:anim>
-                                    <p:anim calcmode="lin" valueType="num">
-                                      <p:cBhvr>
-                                        <p:cTn id="40" dur="1000" fill="hold"/>
-                                        <p:tgtEl>
-                                          <p:spTgt spid="3">
-                                            <p:txEl>
-                                              <p:pRg st="5" end="5"/>
-                                            </p:txEl>
-                                          </p:spTgt>
-                                        </p:tgtEl>
-                                        <p:attrNameLst>
-                                          <p:attrName>ppt_y</p:attrName>
-                                        </p:attrNameLst>
-                                      </p:cBhvr>
-                                      <p:tavLst>
-                                        <p:tav tm="0">
-                                          <p:val>
-                                            <p:strVal val="#ppt_y+.1"/>
-                                          </p:val>
-                                        </p:tav>
-                                        <p:tav tm="100000">
-                                          <p:val>
-                                            <p:strVal val="#ppt_y"/>
-                                          </p:val>
-                                        </p:tav>
-                                      </p:tavLst>
-                                    </p:anim>
-                                  </p:childTnLst>
-                                </p:cTn>
-                              </p:par>
-                            </p:childTnLst>
-                          </p:cTn>
-                        </p:par>
-                      </p:childTnLst>
-                    </p:cTn>
-                  </p:par>
-                  <p:par>
-                    <p:cTn id="41" fill="hold">
-                      <p:stCondLst>
-                        <p:cond delay="indefinite"/>
-                      </p:stCondLst>
-                      <p:childTnLst>
-                        <p:par>
-                          <p:cTn id="42" fill="hold">
-                            <p:stCondLst>
-                              <p:cond delay="0"/>
-                            </p:stCondLst>
-                            <p:childTnLst>
-                              <p:par>
-                                <p:cTn id="43" presetID="26" presetClass="entr" presetSubtype="0" fill="hold" nodeType="clickEffect">
-                                  <p:stCondLst>
-                                    <p:cond delay="0"/>
-                                  </p:stCondLst>
-                                  <p:childTnLst>
-                                    <p:set>
-                                      <p:cBhvr>
-                                        <p:cTn id="44" dur="1" fill="hold">
-                                          <p:stCondLst>
-                                            <p:cond delay="0"/>
-                                          </p:stCondLst>
-                                        </p:cTn>
-                                        <p:tgtEl>
-                                          <p:spTgt spid="3">
-                                            <p:txEl>
-                                              <p:pRg st="6" end="6"/>
                                             </p:txEl>
                                           </p:spTgt>
                                         </p:tgtEl>
@@ -35796,7 +38310,7 @@
                                     </p:set>
                                     <p:animEffect transition="in" filter="wipe(down)">
                                       <p:cBhvr>
-                                        <p:cTn id="45" dur="580">
+                                        <p:cTn id="43" dur="580">
                                           <p:stCondLst>
                                             <p:cond delay="0"/>
                                           </p:stCondLst>
@@ -35804,7 +38318,7 @@
                                         <p:tgtEl>
                                           <p:spTgt spid="3">
                                             <p:txEl>
-                                              <p:pRg st="6" end="6"/>
+                                              <p:pRg st="5" end="5"/>
                                             </p:txEl>
                                           </p:spTgt>
                                         </p:tgtEl>
@@ -35812,7 +38326,7 @@
                                     </p:animEffect>
                                     <p:anim calcmode="lin" valueType="num">
                                       <p:cBhvr>
-                                        <p:cTn id="46" dur="1822" tmFilter="0,0; 0.14,0.36; 0.43,0.73; 0.71,0.91; 1.0,1.0">
+                                        <p:cTn id="44" dur="1822" tmFilter="0,0; 0.14,0.36; 0.43,0.73; 0.71,0.91; 1.0,1.0">
                                           <p:stCondLst>
                                             <p:cond delay="0"/>
                                           </p:stCondLst>
@@ -35820,7 +38334,7 @@
                                         <p:tgtEl>
                                           <p:spTgt spid="3">
                                             <p:txEl>
-                                              <p:pRg st="6" end="6"/>
+                                              <p:pRg st="5" end="5"/>
                                             </p:txEl>
                                           </p:spTgt>
                                         </p:tgtEl>
@@ -35843,7 +38357,7 @@
                                     </p:anim>
                                     <p:anim calcmode="lin" valueType="num">
                                       <p:cBhvr>
-                                        <p:cTn id="47" dur="664" tmFilter="0.0,0.0; 0.25,0.07; 0.50,0.2; 0.75,0.467; 1.0,1.0">
+                                        <p:cTn id="45" dur="664" tmFilter="0.0,0.0; 0.25,0.07; 0.50,0.2; 0.75,0.467; 1.0,1.0">
                                           <p:stCondLst>
                                             <p:cond delay="0"/>
                                           </p:stCondLst>
@@ -35851,7 +38365,7 @@
                                         <p:tgtEl>
                                           <p:spTgt spid="3">
                                             <p:txEl>
-                                              <p:pRg st="6" end="6"/>
+                                              <p:pRg st="5" end="5"/>
                                             </p:txEl>
                                           </p:spTgt>
                                         </p:tgtEl>
@@ -35874,7 +38388,7 @@
                                     </p:anim>
                                     <p:anim calcmode="lin" valueType="num">
                                       <p:cBhvr>
-                                        <p:cTn id="48" dur="664" tmFilter="0, 0; 0.125,0.2665; 0.25,0.4; 0.375,0.465; 0.5,0.5;  0.625,0.535; 0.75,0.6; 0.875,0.7335; 1,1">
+                                        <p:cTn id="46" dur="664" tmFilter="0, 0; 0.125,0.2665; 0.25,0.4; 0.375,0.465; 0.5,0.5;  0.625,0.535; 0.75,0.6; 0.875,0.7335; 1,1">
                                           <p:stCondLst>
                                             <p:cond delay="664"/>
                                           </p:stCondLst>
@@ -35882,7 +38396,7 @@
                                         <p:tgtEl>
                                           <p:spTgt spid="3">
                                             <p:txEl>
-                                              <p:pRg st="6" end="6"/>
+                                              <p:pRg st="5" end="5"/>
                                             </p:txEl>
                                           </p:spTgt>
                                         </p:tgtEl>
@@ -35905,7 +38419,7 @@
                                     </p:anim>
                                     <p:anim calcmode="lin" valueType="num">
                                       <p:cBhvr>
-                                        <p:cTn id="49" dur="332" tmFilter="0, 0; 0.125,0.2665; 0.25,0.4; 0.375,0.465; 0.5,0.5;  0.625,0.535; 0.75,0.6; 0.875,0.7335; 1,1">
+                                        <p:cTn id="47" dur="332" tmFilter="0, 0; 0.125,0.2665; 0.25,0.4; 0.375,0.465; 0.5,0.5;  0.625,0.535; 0.75,0.6; 0.875,0.7335; 1,1">
                                           <p:stCondLst>
                                             <p:cond delay="1324"/>
                                           </p:stCondLst>
@@ -35913,7 +38427,7 @@
                                         <p:tgtEl>
                                           <p:spTgt spid="3">
                                             <p:txEl>
-                                              <p:pRg st="6" end="6"/>
+                                              <p:pRg st="5" end="5"/>
                                             </p:txEl>
                                           </p:spTgt>
                                         </p:tgtEl>
@@ -35936,7 +38450,7 @@
                                     </p:anim>
                                     <p:anim calcmode="lin" valueType="num">
                                       <p:cBhvr>
-                                        <p:cTn id="50" dur="164" tmFilter="0, 0; 0.125,0.2665; 0.25,0.4; 0.375,0.465; 0.5,0.5;  0.625,0.535; 0.75,0.6; 0.875,0.7335; 1,1">
+                                        <p:cTn id="48" dur="164" tmFilter="0, 0; 0.125,0.2665; 0.25,0.4; 0.375,0.465; 0.5,0.5;  0.625,0.535; 0.75,0.6; 0.875,0.7335; 1,1">
                                           <p:stCondLst>
                                             <p:cond delay="1656"/>
                                           </p:stCondLst>
@@ -35944,7 +38458,7 @@
                                         <p:tgtEl>
                                           <p:spTgt spid="3">
                                             <p:txEl>
-                                              <p:pRg st="6" end="6"/>
+                                              <p:pRg st="5" end="5"/>
                                             </p:txEl>
                                           </p:spTgt>
                                         </p:tgtEl>
@@ -35967,7 +38481,7 @@
                                     </p:anim>
                                     <p:animScale>
                                       <p:cBhvr>
-                                        <p:cTn id="51" dur="26">
+                                        <p:cTn id="49" dur="26">
                                           <p:stCondLst>
                                             <p:cond delay="650"/>
                                           </p:stCondLst>
@@ -35975,7 +38489,7 @@
                                         <p:tgtEl>
                                           <p:spTgt spid="3">
                                             <p:txEl>
-                                              <p:pRg st="6" end="6"/>
+                                              <p:pRg st="5" end="5"/>
                                             </p:txEl>
                                           </p:spTgt>
                                         </p:tgtEl>
@@ -35984,7 +38498,7 @@
                                     </p:animScale>
                                     <p:animScale>
                                       <p:cBhvr>
-                                        <p:cTn id="52" dur="166" decel="50000">
+                                        <p:cTn id="50" dur="166" decel="50000">
                                           <p:stCondLst>
                                             <p:cond delay="676"/>
                                           </p:stCondLst>
@@ -35992,7 +38506,7 @@
                                         <p:tgtEl>
                                           <p:spTgt spid="3">
                                             <p:txEl>
-                                              <p:pRg st="6" end="6"/>
+                                              <p:pRg st="5" end="5"/>
                                             </p:txEl>
                                           </p:spTgt>
                                         </p:tgtEl>
@@ -36001,7 +38515,7 @@
                                     </p:animScale>
                                     <p:animScale>
                                       <p:cBhvr>
-                                        <p:cTn id="53" dur="26">
+                                        <p:cTn id="51" dur="26">
                                           <p:stCondLst>
                                             <p:cond delay="1312"/>
                                           </p:stCondLst>
@@ -36009,7 +38523,7 @@
                                         <p:tgtEl>
                                           <p:spTgt spid="3">
                                             <p:txEl>
-                                              <p:pRg st="6" end="6"/>
+                                              <p:pRg st="5" end="5"/>
                                             </p:txEl>
                                           </p:spTgt>
                                         </p:tgtEl>
@@ -36018,7 +38532,7 @@
                                     </p:animScale>
                                     <p:animScale>
                                       <p:cBhvr>
-                                        <p:cTn id="54" dur="166" decel="50000">
+                                        <p:cTn id="52" dur="166" decel="50000">
                                           <p:stCondLst>
                                             <p:cond delay="1338"/>
                                           </p:stCondLst>
@@ -36026,7 +38540,7 @@
                                         <p:tgtEl>
                                           <p:spTgt spid="3">
                                             <p:txEl>
-                                              <p:pRg st="6" end="6"/>
+                                              <p:pRg st="5" end="5"/>
                                             </p:txEl>
                                           </p:spTgt>
                                         </p:tgtEl>
@@ -36035,7 +38549,7 @@
                                     </p:animScale>
                                     <p:animScale>
                                       <p:cBhvr>
-                                        <p:cTn id="55" dur="26">
+                                        <p:cTn id="53" dur="26">
                                           <p:stCondLst>
                                             <p:cond delay="1642"/>
                                           </p:stCondLst>
@@ -36043,7 +38557,7 @@
                                         <p:tgtEl>
                                           <p:spTgt spid="3">
                                             <p:txEl>
-                                              <p:pRg st="6" end="6"/>
+                                              <p:pRg st="5" end="5"/>
                                             </p:txEl>
                                           </p:spTgt>
                                         </p:tgtEl>
@@ -36052,7 +38566,7 @@
                                     </p:animScale>
                                     <p:animScale>
                                       <p:cBhvr>
-                                        <p:cTn id="56" dur="166" decel="50000">
+                                        <p:cTn id="54" dur="166" decel="50000">
                                           <p:stCondLst>
                                             <p:cond delay="1668"/>
                                           </p:stCondLst>
@@ -36060,7 +38574,7 @@
                                         <p:tgtEl>
                                           <p:spTgt spid="3">
                                             <p:txEl>
-                                              <p:pRg st="6" end="6"/>
+                                              <p:pRg st="5" end="5"/>
                                             </p:txEl>
                                           </p:spTgt>
                                         </p:tgtEl>
@@ -36069,7 +38583,7 @@
                                     </p:animScale>
                                     <p:animScale>
                                       <p:cBhvr>
-                                        <p:cTn id="57" dur="26">
+                                        <p:cTn id="55" dur="26">
                                           <p:stCondLst>
                                             <p:cond delay="1808"/>
                                           </p:stCondLst>
@@ -36077,7 +38591,7 @@
                                         <p:tgtEl>
                                           <p:spTgt spid="3">
                                             <p:txEl>
-                                              <p:pRg st="6" end="6"/>
+                                              <p:pRg st="5" end="5"/>
                                             </p:txEl>
                                           </p:spTgt>
                                         </p:tgtEl>
@@ -36086,7 +38600,7 @@
                                     </p:animScale>
                                     <p:animScale>
                                       <p:cBhvr>
-                                        <p:cTn id="58" dur="166" decel="50000">
+                                        <p:cTn id="56" dur="166" decel="50000">
                                           <p:stCondLst>
                                             <p:cond delay="1834"/>
                                           </p:stCondLst>
@@ -36094,7 +38608,7 @@
                                         <p:tgtEl>
                                           <p:spTgt spid="3">
                                             <p:txEl>
-                                              <p:pRg st="6" end="6"/>
+                                              <p:pRg st="5" end="5"/>
                                             </p:txEl>
                                           </p:spTgt>
                                         </p:tgtEl>
@@ -36111,26 +38625,26 @@
                     </p:cTn>
                   </p:par>
                   <p:par>
-                    <p:cTn id="59" fill="hold">
+                    <p:cTn id="57" fill="hold">
                       <p:stCondLst>
                         <p:cond delay="indefinite"/>
                       </p:stCondLst>
                       <p:childTnLst>
                         <p:par>
-                          <p:cTn id="60" fill="hold">
+                          <p:cTn id="58" fill="hold">
                             <p:stCondLst>
                               <p:cond delay="0"/>
                             </p:stCondLst>
                             <p:childTnLst>
                               <p:par>
-                                <p:cTn id="61" presetID="26" presetClass="entr" presetSubtype="0" fill="hold" nodeType="clickEffect">
+                                <p:cTn id="59" presetID="26" presetClass="entr" presetSubtype="0" fill="hold" nodeType="clickEffect">
                                   <p:stCondLst>
                                     <p:cond delay="0"/>
                                   </p:stCondLst>
                                   <p:childTnLst>
                                     <p:set>
                                       <p:cBhvr>
-                                        <p:cTn id="62" dur="1" fill="hold">
+                                        <p:cTn id="60" dur="1" fill="hold">
                                           <p:stCondLst>
                                             <p:cond delay="0"/>
                                           </p:stCondLst>
@@ -36138,7 +38652,7 @@
                                         <p:tgtEl>
                                           <p:spTgt spid="3">
                                             <p:txEl>
-                                              <p:pRg st="7" end="7"/>
+                                              <p:pRg st="6" end="6"/>
                                             </p:txEl>
                                           </p:spTgt>
                                         </p:tgtEl>
@@ -36152,7 +38666,7 @@
                                     </p:set>
                                     <p:animEffect transition="in" filter="wipe(down)">
                                       <p:cBhvr>
-                                        <p:cTn id="63" dur="580">
+                                        <p:cTn id="61" dur="580">
                                           <p:stCondLst>
                                             <p:cond delay="0"/>
                                           </p:stCondLst>
@@ -36160,7 +38674,7 @@
                                         <p:tgtEl>
                                           <p:spTgt spid="3">
                                             <p:txEl>
-                                              <p:pRg st="7" end="7"/>
+                                              <p:pRg st="6" end="6"/>
                                             </p:txEl>
                                           </p:spTgt>
                                         </p:tgtEl>
@@ -36168,7 +38682,7 @@
                                     </p:animEffect>
                                     <p:anim calcmode="lin" valueType="num">
                                       <p:cBhvr>
-                                        <p:cTn id="64" dur="1822" tmFilter="0,0; 0.14,0.36; 0.43,0.73; 0.71,0.91; 1.0,1.0">
+                                        <p:cTn id="62" dur="1822" tmFilter="0,0; 0.14,0.36; 0.43,0.73; 0.71,0.91; 1.0,1.0">
                                           <p:stCondLst>
                                             <p:cond delay="0"/>
                                           </p:stCondLst>
@@ -36176,7 +38690,7 @@
                                         <p:tgtEl>
                                           <p:spTgt spid="3">
                                             <p:txEl>
-                                              <p:pRg st="7" end="7"/>
+                                              <p:pRg st="6" end="6"/>
                                             </p:txEl>
                                           </p:spTgt>
                                         </p:tgtEl>
@@ -36199,7 +38713,7 @@
                                     </p:anim>
                                     <p:anim calcmode="lin" valueType="num">
                                       <p:cBhvr>
-                                        <p:cTn id="65" dur="664" tmFilter="0.0,0.0; 0.25,0.07; 0.50,0.2; 0.75,0.467; 1.0,1.0">
+                                        <p:cTn id="63" dur="664" tmFilter="0.0,0.0; 0.25,0.07; 0.50,0.2; 0.75,0.467; 1.0,1.0">
                                           <p:stCondLst>
                                             <p:cond delay="0"/>
                                           </p:stCondLst>
@@ -36207,7 +38721,7 @@
                                         <p:tgtEl>
                                           <p:spTgt spid="3">
                                             <p:txEl>
-                                              <p:pRg st="7" end="7"/>
+                                              <p:pRg st="6" end="6"/>
                                             </p:txEl>
                                           </p:spTgt>
                                         </p:tgtEl>
@@ -36230,7 +38744,7 @@
                                     </p:anim>
                                     <p:anim calcmode="lin" valueType="num">
                                       <p:cBhvr>
-                                        <p:cTn id="66" dur="664" tmFilter="0, 0; 0.125,0.2665; 0.25,0.4; 0.375,0.465; 0.5,0.5;  0.625,0.535; 0.75,0.6; 0.875,0.7335; 1,1">
+                                        <p:cTn id="64" dur="664" tmFilter="0, 0; 0.125,0.2665; 0.25,0.4; 0.375,0.465; 0.5,0.5;  0.625,0.535; 0.75,0.6; 0.875,0.7335; 1,1">
                                           <p:stCondLst>
                                             <p:cond delay="664"/>
                                           </p:stCondLst>
@@ -36238,7 +38752,7 @@
                                         <p:tgtEl>
                                           <p:spTgt spid="3">
                                             <p:txEl>
-                                              <p:pRg st="7" end="7"/>
+                                              <p:pRg st="6" end="6"/>
                                             </p:txEl>
                                           </p:spTgt>
                                         </p:tgtEl>
@@ -36261,7 +38775,7 @@
                                     </p:anim>
                                     <p:anim calcmode="lin" valueType="num">
                                       <p:cBhvr>
-                                        <p:cTn id="67" dur="332" tmFilter="0, 0; 0.125,0.2665; 0.25,0.4; 0.375,0.465; 0.5,0.5;  0.625,0.535; 0.75,0.6; 0.875,0.7335; 1,1">
+                                        <p:cTn id="65" dur="332" tmFilter="0, 0; 0.125,0.2665; 0.25,0.4; 0.375,0.465; 0.5,0.5;  0.625,0.535; 0.75,0.6; 0.875,0.7335; 1,1">
                                           <p:stCondLst>
                                             <p:cond delay="1324"/>
                                           </p:stCondLst>
@@ -36269,7 +38783,7 @@
                                         <p:tgtEl>
                                           <p:spTgt spid="3">
                                             <p:txEl>
-                                              <p:pRg st="7" end="7"/>
+                                              <p:pRg st="6" end="6"/>
                                             </p:txEl>
                                           </p:spTgt>
                                         </p:tgtEl>
@@ -36292,7 +38806,7 @@
                                     </p:anim>
                                     <p:anim calcmode="lin" valueType="num">
                                       <p:cBhvr>
-                                        <p:cTn id="68" dur="164" tmFilter="0, 0; 0.125,0.2665; 0.25,0.4; 0.375,0.465; 0.5,0.5;  0.625,0.535; 0.75,0.6; 0.875,0.7335; 1,1">
+                                        <p:cTn id="66" dur="164" tmFilter="0, 0; 0.125,0.2665; 0.25,0.4; 0.375,0.465; 0.5,0.5;  0.625,0.535; 0.75,0.6; 0.875,0.7335; 1,1">
                                           <p:stCondLst>
                                             <p:cond delay="1656"/>
                                           </p:stCondLst>
@@ -36300,7 +38814,7 @@
                                         <p:tgtEl>
                                           <p:spTgt spid="3">
                                             <p:txEl>
-                                              <p:pRg st="7" end="7"/>
+                                              <p:pRg st="6" end="6"/>
                                             </p:txEl>
                                           </p:spTgt>
                                         </p:tgtEl>
@@ -36323,7 +38837,7 @@
                                     </p:anim>
                                     <p:animScale>
                                       <p:cBhvr>
-                                        <p:cTn id="69" dur="26">
+                                        <p:cTn id="67" dur="26">
                                           <p:stCondLst>
                                             <p:cond delay="650"/>
                                           </p:stCondLst>
@@ -36331,7 +38845,7 @@
                                         <p:tgtEl>
                                           <p:spTgt spid="3">
                                             <p:txEl>
-                                              <p:pRg st="7" end="7"/>
+                                              <p:pRg st="6" end="6"/>
                                             </p:txEl>
                                           </p:spTgt>
                                         </p:tgtEl>
@@ -36340,7 +38854,7 @@
                                     </p:animScale>
                                     <p:animScale>
                                       <p:cBhvr>
-                                        <p:cTn id="70" dur="166" decel="50000">
+                                        <p:cTn id="68" dur="166" decel="50000">
                                           <p:stCondLst>
                                             <p:cond delay="676"/>
                                           </p:stCondLst>
@@ -36348,7 +38862,7 @@
                                         <p:tgtEl>
                                           <p:spTgt spid="3">
                                             <p:txEl>
-                                              <p:pRg st="7" end="7"/>
+                                              <p:pRg st="6" end="6"/>
                                             </p:txEl>
                                           </p:spTgt>
                                         </p:tgtEl>
@@ -36357,7 +38871,7 @@
                                     </p:animScale>
                                     <p:animScale>
                                       <p:cBhvr>
-                                        <p:cTn id="71" dur="26">
+                                        <p:cTn id="69" dur="26">
                                           <p:stCondLst>
                                             <p:cond delay="1312"/>
                                           </p:stCondLst>
@@ -36365,7 +38879,7 @@
                                         <p:tgtEl>
                                           <p:spTgt spid="3">
                                             <p:txEl>
-                                              <p:pRg st="7" end="7"/>
+                                              <p:pRg st="6" end="6"/>
                                             </p:txEl>
                                           </p:spTgt>
                                         </p:tgtEl>
@@ -36374,7 +38888,7 @@
                                     </p:animScale>
                                     <p:animScale>
                                       <p:cBhvr>
-                                        <p:cTn id="72" dur="166" decel="50000">
+                                        <p:cTn id="70" dur="166" decel="50000">
                                           <p:stCondLst>
                                             <p:cond delay="1338"/>
                                           </p:stCondLst>
@@ -36382,7 +38896,7 @@
                                         <p:tgtEl>
                                           <p:spTgt spid="3">
                                             <p:txEl>
-                                              <p:pRg st="7" end="7"/>
+                                              <p:pRg st="6" end="6"/>
                                             </p:txEl>
                                           </p:spTgt>
                                         </p:tgtEl>
@@ -36391,7 +38905,7 @@
                                     </p:animScale>
                                     <p:animScale>
                                       <p:cBhvr>
-                                        <p:cTn id="73" dur="26">
+                                        <p:cTn id="71" dur="26">
                                           <p:stCondLst>
                                             <p:cond delay="1642"/>
                                           </p:stCondLst>
@@ -36399,7 +38913,7 @@
                                         <p:tgtEl>
                                           <p:spTgt spid="3">
                                             <p:txEl>
-                                              <p:pRg st="7" end="7"/>
+                                              <p:pRg st="6" end="6"/>
                                             </p:txEl>
                                           </p:spTgt>
                                         </p:tgtEl>
@@ -36408,7 +38922,7 @@
                                     </p:animScale>
                                     <p:animScale>
                                       <p:cBhvr>
-                                        <p:cTn id="74" dur="166" decel="50000">
+                                        <p:cTn id="72" dur="166" decel="50000">
                                           <p:stCondLst>
                                             <p:cond delay="1668"/>
                                           </p:stCondLst>
@@ -36416,7 +38930,7 @@
                                         <p:tgtEl>
                                           <p:spTgt spid="3">
                                             <p:txEl>
-                                              <p:pRg st="7" end="7"/>
+                                              <p:pRg st="6" end="6"/>
                                             </p:txEl>
                                           </p:spTgt>
                                         </p:tgtEl>
@@ -36425,7 +38939,7 @@
                                     </p:animScale>
                                     <p:animScale>
                                       <p:cBhvr>
-                                        <p:cTn id="75" dur="26">
+                                        <p:cTn id="73" dur="26">
                                           <p:stCondLst>
                                             <p:cond delay="1808"/>
                                           </p:stCondLst>
@@ -36433,7 +38947,7 @@
                                         <p:tgtEl>
                                           <p:spTgt spid="3">
                                             <p:txEl>
-                                              <p:pRg st="7" end="7"/>
+                                              <p:pRg st="6" end="6"/>
                                             </p:txEl>
                                           </p:spTgt>
                                         </p:tgtEl>
@@ -36442,7 +38956,7 @@
                                     </p:animScale>
                                     <p:animScale>
                                       <p:cBhvr>
-                                        <p:cTn id="76" dur="166" decel="50000">
+                                        <p:cTn id="74" dur="166" decel="50000">
                                           <p:stCondLst>
                                             <p:cond delay="1834"/>
                                           </p:stCondLst>
@@ -36450,7 +38964,7 @@
                                         <p:tgtEl>
                                           <p:spTgt spid="3">
                                             <p:txEl>
-                                              <p:pRg st="7" end="7"/>
+                                              <p:pRg st="6" end="6"/>
                                             </p:txEl>
                                           </p:spTgt>
                                         </p:tgtEl>
@@ -36467,26 +38981,26 @@
                     </p:cTn>
                   </p:par>
                   <p:par>
-                    <p:cTn id="77" fill="hold">
+                    <p:cTn id="75" fill="hold">
                       <p:stCondLst>
                         <p:cond delay="indefinite"/>
                       </p:stCondLst>
                       <p:childTnLst>
                         <p:par>
-                          <p:cTn id="78" fill="hold">
+                          <p:cTn id="76" fill="hold">
                             <p:stCondLst>
                               <p:cond delay="0"/>
                             </p:stCondLst>
                             <p:childTnLst>
                               <p:par>
-                                <p:cTn id="79" presetID="26" presetClass="entr" presetSubtype="0" fill="hold" nodeType="clickEffect">
+                                <p:cTn id="77" presetID="26" presetClass="entr" presetSubtype="0" fill="hold" nodeType="clickEffect">
                                   <p:stCondLst>
                                     <p:cond delay="0"/>
                                   </p:stCondLst>
                                   <p:childTnLst>
                                     <p:set>
                                       <p:cBhvr>
-                                        <p:cTn id="80" dur="1" fill="hold">
+                                        <p:cTn id="78" dur="1" fill="hold">
                                           <p:stCondLst>
                                             <p:cond delay="0"/>
                                           </p:stCondLst>
@@ -36494,7 +39008,7 @@
                                         <p:tgtEl>
                                           <p:spTgt spid="3">
                                             <p:txEl>
-                                              <p:pRg st="8" end="8"/>
+                                              <p:pRg st="7" end="7"/>
                                             </p:txEl>
                                           </p:spTgt>
                                         </p:tgtEl>
@@ -36508,7 +39022,7 @@
                                     </p:set>
                                     <p:animEffect transition="in" filter="wipe(down)">
                                       <p:cBhvr>
-                                        <p:cTn id="81" dur="580">
+                                        <p:cTn id="79" dur="580">
                                           <p:stCondLst>
                                             <p:cond delay="0"/>
                                           </p:stCondLst>
@@ -36516,7 +39030,7 @@
                                         <p:tgtEl>
                                           <p:spTgt spid="3">
                                             <p:txEl>
-                                              <p:pRg st="8" end="8"/>
+                                              <p:pRg st="7" end="7"/>
                                             </p:txEl>
                                           </p:spTgt>
                                         </p:tgtEl>
@@ -36524,7 +39038,7 @@
                                     </p:animEffect>
                                     <p:anim calcmode="lin" valueType="num">
                                       <p:cBhvr>
-                                        <p:cTn id="82" dur="1822" tmFilter="0,0; 0.14,0.36; 0.43,0.73; 0.71,0.91; 1.0,1.0">
+                                        <p:cTn id="80" dur="1822" tmFilter="0,0; 0.14,0.36; 0.43,0.73; 0.71,0.91; 1.0,1.0">
                                           <p:stCondLst>
                                             <p:cond delay="0"/>
                                           </p:stCondLst>
@@ -36532,7 +39046,7 @@
                                         <p:tgtEl>
                                           <p:spTgt spid="3">
                                             <p:txEl>
-                                              <p:pRg st="8" end="8"/>
+                                              <p:pRg st="7" end="7"/>
                                             </p:txEl>
                                           </p:spTgt>
                                         </p:tgtEl>
@@ -36555,7 +39069,7 @@
                                     </p:anim>
                                     <p:anim calcmode="lin" valueType="num">
                                       <p:cBhvr>
-                                        <p:cTn id="83" dur="664" tmFilter="0.0,0.0; 0.25,0.07; 0.50,0.2; 0.75,0.467; 1.0,1.0">
+                                        <p:cTn id="81" dur="664" tmFilter="0.0,0.0; 0.25,0.07; 0.50,0.2; 0.75,0.467; 1.0,1.0">
                                           <p:stCondLst>
                                             <p:cond delay="0"/>
                                           </p:stCondLst>
@@ -36563,7 +39077,7 @@
                                         <p:tgtEl>
                                           <p:spTgt spid="3">
                                             <p:txEl>
-                                              <p:pRg st="8" end="8"/>
+                                              <p:pRg st="7" end="7"/>
                                             </p:txEl>
                                           </p:spTgt>
                                         </p:tgtEl>
@@ -36586,7 +39100,7 @@
                                     </p:anim>
                                     <p:anim calcmode="lin" valueType="num">
                                       <p:cBhvr>
-                                        <p:cTn id="84" dur="664" tmFilter="0, 0; 0.125,0.2665; 0.25,0.4; 0.375,0.465; 0.5,0.5;  0.625,0.535; 0.75,0.6; 0.875,0.7335; 1,1">
+                                        <p:cTn id="82" dur="664" tmFilter="0, 0; 0.125,0.2665; 0.25,0.4; 0.375,0.465; 0.5,0.5;  0.625,0.535; 0.75,0.6; 0.875,0.7335; 1,1">
                                           <p:stCondLst>
                                             <p:cond delay="664"/>
                                           </p:stCondLst>
@@ -36594,7 +39108,7 @@
                                         <p:tgtEl>
                                           <p:spTgt spid="3">
                                             <p:txEl>
-                                              <p:pRg st="8" end="8"/>
+                                              <p:pRg st="7" end="7"/>
                                             </p:txEl>
                                           </p:spTgt>
                                         </p:tgtEl>
@@ -36617,7 +39131,7 @@
                                     </p:anim>
                                     <p:anim calcmode="lin" valueType="num">
                                       <p:cBhvr>
-                                        <p:cTn id="85" dur="332" tmFilter="0, 0; 0.125,0.2665; 0.25,0.4; 0.375,0.465; 0.5,0.5;  0.625,0.535; 0.75,0.6; 0.875,0.7335; 1,1">
+                                        <p:cTn id="83" dur="332" tmFilter="0, 0; 0.125,0.2665; 0.25,0.4; 0.375,0.465; 0.5,0.5;  0.625,0.535; 0.75,0.6; 0.875,0.7335; 1,1">
                                           <p:stCondLst>
                                             <p:cond delay="1324"/>
                                           </p:stCondLst>
@@ -36625,7 +39139,7 @@
                                         <p:tgtEl>
                                           <p:spTgt spid="3">
                                             <p:txEl>
-                                              <p:pRg st="8" end="8"/>
+                                              <p:pRg st="7" end="7"/>
                                             </p:txEl>
                                           </p:spTgt>
                                         </p:tgtEl>
@@ -36648,7 +39162,7 @@
                                     </p:anim>
                                     <p:anim calcmode="lin" valueType="num">
                                       <p:cBhvr>
-                                        <p:cTn id="86" dur="164" tmFilter="0, 0; 0.125,0.2665; 0.25,0.4; 0.375,0.465; 0.5,0.5;  0.625,0.535; 0.75,0.6; 0.875,0.7335; 1,1">
+                                        <p:cTn id="84" dur="164" tmFilter="0, 0; 0.125,0.2665; 0.25,0.4; 0.375,0.465; 0.5,0.5;  0.625,0.535; 0.75,0.6; 0.875,0.7335; 1,1">
                                           <p:stCondLst>
                                             <p:cond delay="1656"/>
                                           </p:stCondLst>
@@ -36656,7 +39170,7 @@
                                         <p:tgtEl>
                                           <p:spTgt spid="3">
                                             <p:txEl>
-                                              <p:pRg st="8" end="8"/>
+                                              <p:pRg st="7" end="7"/>
                                             </p:txEl>
                                           </p:spTgt>
                                         </p:tgtEl>
@@ -36679,7 +39193,7 @@
                                     </p:anim>
                                     <p:animScale>
                                       <p:cBhvr>
-                                        <p:cTn id="87" dur="26">
+                                        <p:cTn id="85" dur="26">
                                           <p:stCondLst>
                                             <p:cond delay="650"/>
                                           </p:stCondLst>
@@ -36687,7 +39201,7 @@
                                         <p:tgtEl>
                                           <p:spTgt spid="3">
                                             <p:txEl>
-                                              <p:pRg st="8" end="8"/>
+                                              <p:pRg st="7" end="7"/>
                                             </p:txEl>
                                           </p:spTgt>
                                         </p:tgtEl>
@@ -36696,7 +39210,7 @@
                                     </p:animScale>
                                     <p:animScale>
                                       <p:cBhvr>
-                                        <p:cTn id="88" dur="166" decel="50000">
+                                        <p:cTn id="86" dur="166" decel="50000">
                                           <p:stCondLst>
                                             <p:cond delay="676"/>
                                           </p:stCondLst>
@@ -36704,7 +39218,7 @@
                                         <p:tgtEl>
                                           <p:spTgt spid="3">
                                             <p:txEl>
-                                              <p:pRg st="8" end="8"/>
+                                              <p:pRg st="7" end="7"/>
                                             </p:txEl>
                                           </p:spTgt>
                                         </p:tgtEl>
@@ -36713,7 +39227,7 @@
                                     </p:animScale>
                                     <p:animScale>
                                       <p:cBhvr>
-                                        <p:cTn id="89" dur="26">
+                                        <p:cTn id="87" dur="26">
                                           <p:stCondLst>
                                             <p:cond delay="1312"/>
                                           </p:stCondLst>
@@ -36721,7 +39235,7 @@
                                         <p:tgtEl>
                                           <p:spTgt spid="3">
                                             <p:txEl>
-                                              <p:pRg st="8" end="8"/>
+                                              <p:pRg st="7" end="7"/>
                                             </p:txEl>
                                           </p:spTgt>
                                         </p:tgtEl>
@@ -36730,7 +39244,7 @@
                                     </p:animScale>
                                     <p:animScale>
                                       <p:cBhvr>
-                                        <p:cTn id="90" dur="166" decel="50000">
+                                        <p:cTn id="88" dur="166" decel="50000">
                                           <p:stCondLst>
                                             <p:cond delay="1338"/>
                                           </p:stCondLst>
@@ -36738,7 +39252,7 @@
                                         <p:tgtEl>
                                           <p:spTgt spid="3">
                                             <p:txEl>
-                                              <p:pRg st="8" end="8"/>
+                                              <p:pRg st="7" end="7"/>
                                             </p:txEl>
                                           </p:spTgt>
                                         </p:tgtEl>
@@ -36747,7 +39261,7 @@
                                     </p:animScale>
                                     <p:animScale>
                                       <p:cBhvr>
-                                        <p:cTn id="91" dur="26">
+                                        <p:cTn id="89" dur="26">
                                           <p:stCondLst>
                                             <p:cond delay="1642"/>
                                           </p:stCondLst>
@@ -36755,7 +39269,7 @@
                                         <p:tgtEl>
                                           <p:spTgt spid="3">
                                             <p:txEl>
-                                              <p:pRg st="8" end="8"/>
+                                              <p:pRg st="7" end="7"/>
                                             </p:txEl>
                                           </p:spTgt>
                                         </p:tgtEl>
@@ -36764,7 +39278,7 @@
                                     </p:animScale>
                                     <p:animScale>
                                       <p:cBhvr>
-                                        <p:cTn id="92" dur="166" decel="50000">
+                                        <p:cTn id="90" dur="166" decel="50000">
                                           <p:stCondLst>
                                             <p:cond delay="1668"/>
                                           </p:stCondLst>
@@ -36772,7 +39286,7 @@
                                         <p:tgtEl>
                                           <p:spTgt spid="3">
                                             <p:txEl>
-                                              <p:pRg st="8" end="8"/>
+                                              <p:pRg st="7" end="7"/>
                                             </p:txEl>
                                           </p:spTgt>
                                         </p:tgtEl>
@@ -36781,7 +39295,7 @@
                                     </p:animScale>
                                     <p:animScale>
                                       <p:cBhvr>
-                                        <p:cTn id="93" dur="26">
+                                        <p:cTn id="91" dur="26">
                                           <p:stCondLst>
                                             <p:cond delay="1808"/>
                                           </p:stCondLst>
@@ -36789,7 +39303,7 @@
                                         <p:tgtEl>
                                           <p:spTgt spid="3">
                                             <p:txEl>
-                                              <p:pRg st="8" end="8"/>
+                                              <p:pRg st="7" end="7"/>
                                             </p:txEl>
                                           </p:spTgt>
                                         </p:tgtEl>
@@ -36798,7 +39312,7 @@
                                     </p:animScale>
                                     <p:animScale>
                                       <p:cBhvr>
-                                        <p:cTn id="94" dur="166" decel="50000">
+                                        <p:cTn id="92" dur="166" decel="50000">
                                           <p:stCondLst>
                                             <p:cond delay="1834"/>
                                           </p:stCondLst>
@@ -36806,7 +39320,7 @@
                                         <p:tgtEl>
                                           <p:spTgt spid="3">
                                             <p:txEl>
-                                              <p:pRg st="8" end="8"/>
+                                              <p:pRg st="7" end="7"/>
                                             </p:txEl>
                                           </p:spTgt>
                                         </p:tgtEl>
@@ -36823,26 +39337,26 @@
                     </p:cTn>
                   </p:par>
                   <p:par>
-                    <p:cTn id="95" fill="hold">
+                    <p:cTn id="93" fill="hold">
                       <p:stCondLst>
                         <p:cond delay="indefinite"/>
                       </p:stCondLst>
                       <p:childTnLst>
                         <p:par>
-                          <p:cTn id="96" fill="hold">
+                          <p:cTn id="94" fill="hold">
                             <p:stCondLst>
                               <p:cond delay="0"/>
                             </p:stCondLst>
                             <p:childTnLst>
                               <p:par>
-                                <p:cTn id="97" presetID="42" presetClass="entr" presetSubtype="0" fill="hold" nodeType="clickEffect">
+                                <p:cTn id="95" presetID="26" presetClass="entr" presetSubtype="0" fill="hold" nodeType="clickEffect">
                                   <p:stCondLst>
                                     <p:cond delay="0"/>
                                   </p:stCondLst>
                                   <p:childTnLst>
                                     <p:set>
                                       <p:cBhvr>
-                                        <p:cTn id="98" dur="1" fill="hold">
+                                        <p:cTn id="96" dur="1" fill="hold">
                                           <p:stCondLst>
                                             <p:cond delay="0"/>
                                           </p:stCondLst>
@@ -36850,7 +39364,7 @@
                                         <p:tgtEl>
                                           <p:spTgt spid="3">
                                             <p:txEl>
-                                              <p:pRg st="9" end="9"/>
+                                              <p:pRg st="8" end="8"/>
                                             </p:txEl>
                                           </p:spTgt>
                                         </p:tgtEl>
@@ -36862,13 +39376,17 @@
                                         <p:strVal val="visible"/>
                                       </p:to>
                                     </p:set>
-                                    <p:animEffect transition="in" filter="fade">
-                                      <p:cBhvr>
-                                        <p:cTn id="99" dur="1000"/>
-                                        <p:tgtEl>
-                                          <p:spTgt spid="3">
-                                            <p:txEl>
-                                              <p:pRg st="9" end="9"/>
+                                    <p:animEffect transition="in" filter="wipe(down)">
+                                      <p:cBhvr>
+                                        <p:cTn id="97" dur="580">
+                                          <p:stCondLst>
+                                            <p:cond delay="0"/>
+                                          </p:stCondLst>
+                                        </p:cTn>
+                                        <p:tgtEl>
+                                          <p:spTgt spid="3">
+                                            <p:txEl>
+                                              <p:pRg st="8" end="8"/>
                                             </p:txEl>
                                           </p:spTgt>
                                         </p:tgtEl>
@@ -36876,11 +39394,15 @@
                                     </p:animEffect>
                                     <p:anim calcmode="lin" valueType="num">
                                       <p:cBhvr>
-                                        <p:cTn id="100" dur="1000" fill="hold"/>
-                                        <p:tgtEl>
-                                          <p:spTgt spid="3">
-                                            <p:txEl>
-                                              <p:pRg st="9" end="9"/>
+                                        <p:cTn id="98" dur="1822" tmFilter="0,0; 0.14,0.36; 0.43,0.73; 0.71,0.91; 1.0,1.0">
+                                          <p:stCondLst>
+                                            <p:cond delay="0"/>
+                                          </p:stCondLst>
+                                        </p:cTn>
+                                        <p:tgtEl>
+                                          <p:spTgt spid="3">
+                                            <p:txEl>
+                                              <p:pRg st="8" end="8"/>
                                             </p:txEl>
                                           </p:spTgt>
                                         </p:tgtEl>
@@ -36891,7 +39413,7 @@
                                       <p:tavLst>
                                         <p:tav tm="0">
                                           <p:val>
-                                            <p:strVal val="#ppt_x"/>
+                                            <p:strVal val="#ppt_x-0.25"/>
                                           </p:val>
                                         </p:tav>
                                         <p:tav tm="100000">
@@ -36903,11 +39425,15 @@
                                     </p:anim>
                                     <p:anim calcmode="lin" valueType="num">
                                       <p:cBhvr>
-                                        <p:cTn id="101" dur="1000" fill="hold"/>
-                                        <p:tgtEl>
-                                          <p:spTgt spid="3">
-                                            <p:txEl>
-                                              <p:pRg st="9" end="9"/>
+                                        <p:cTn id="99" dur="664" tmFilter="0.0,0.0; 0.25,0.07; 0.50,0.2; 0.75,0.467; 1.0,1.0">
+                                          <p:stCondLst>
+                                            <p:cond delay="0"/>
+                                          </p:stCondLst>
+                                        </p:cTn>
+                                        <p:tgtEl>
+                                          <p:spTgt spid="3">
+                                            <p:txEl>
+                                              <p:pRg st="8" end="8"/>
                                             </p:txEl>
                                           </p:spTgt>
                                         </p:tgtEl>
@@ -36916,18 +39442,247 @@
                                         </p:attrNameLst>
                                       </p:cBhvr>
                                       <p:tavLst>
-                                        <p:tav tm="0">
-                                          <p:val>
-                                            <p:strVal val="#ppt_y+.1"/>
+                                        <p:tav tm="0" fmla="#ppt_y-sin(pi*$)/3">
+                                          <p:val>
+                                            <p:fltVal val="0.5"/>
                                           </p:val>
                                         </p:tav>
                                         <p:tav tm="100000">
                                           <p:val>
-                                            <p:strVal val="#ppt_y"/>
+                                            <p:fltVal val="1"/>
                                           </p:val>
                                         </p:tav>
                                       </p:tavLst>
                                     </p:anim>
+                                    <p:anim calcmode="lin" valueType="num">
+                                      <p:cBhvr>
+                                        <p:cTn id="100" dur="664" tmFilter="0, 0; 0.125,0.2665; 0.25,0.4; 0.375,0.465; 0.5,0.5;  0.625,0.535; 0.75,0.6; 0.875,0.7335; 1,1">
+                                          <p:stCondLst>
+                                            <p:cond delay="664"/>
+                                          </p:stCondLst>
+                                        </p:cTn>
+                                        <p:tgtEl>
+                                          <p:spTgt spid="3">
+                                            <p:txEl>
+                                              <p:pRg st="8" end="8"/>
+                                            </p:txEl>
+                                          </p:spTgt>
+                                        </p:tgtEl>
+                                        <p:attrNameLst>
+                                          <p:attrName>ppt_y</p:attrName>
+                                        </p:attrNameLst>
+                                      </p:cBhvr>
+                                      <p:tavLst>
+                                        <p:tav tm="0" fmla="#ppt_y-sin(pi*$)/9">
+                                          <p:val>
+                                            <p:fltVal val="0"/>
+                                          </p:val>
+                                        </p:tav>
+                                        <p:tav tm="100000">
+                                          <p:val>
+                                            <p:fltVal val="1"/>
+                                          </p:val>
+                                        </p:tav>
+                                      </p:tavLst>
+                                    </p:anim>
+                                    <p:anim calcmode="lin" valueType="num">
+                                      <p:cBhvr>
+                                        <p:cTn id="101" dur="332" tmFilter="0, 0; 0.125,0.2665; 0.25,0.4; 0.375,0.465; 0.5,0.5;  0.625,0.535; 0.75,0.6; 0.875,0.7335; 1,1">
+                                          <p:stCondLst>
+                                            <p:cond delay="1324"/>
+                                          </p:stCondLst>
+                                        </p:cTn>
+                                        <p:tgtEl>
+                                          <p:spTgt spid="3">
+                                            <p:txEl>
+                                              <p:pRg st="8" end="8"/>
+                                            </p:txEl>
+                                          </p:spTgt>
+                                        </p:tgtEl>
+                                        <p:attrNameLst>
+                                          <p:attrName>ppt_y</p:attrName>
+                                        </p:attrNameLst>
+                                      </p:cBhvr>
+                                      <p:tavLst>
+                                        <p:tav tm="0" fmla="#ppt_y-sin(pi*$)/27">
+                                          <p:val>
+                                            <p:fltVal val="0"/>
+                                          </p:val>
+                                        </p:tav>
+                                        <p:tav tm="100000">
+                                          <p:val>
+                                            <p:fltVal val="1"/>
+                                          </p:val>
+                                        </p:tav>
+                                      </p:tavLst>
+                                    </p:anim>
+                                    <p:anim calcmode="lin" valueType="num">
+                                      <p:cBhvr>
+                                        <p:cTn id="102" dur="164" tmFilter="0, 0; 0.125,0.2665; 0.25,0.4; 0.375,0.465; 0.5,0.5;  0.625,0.535; 0.75,0.6; 0.875,0.7335; 1,1">
+                                          <p:stCondLst>
+                                            <p:cond delay="1656"/>
+                                          </p:stCondLst>
+                                        </p:cTn>
+                                        <p:tgtEl>
+                                          <p:spTgt spid="3">
+                                            <p:txEl>
+                                              <p:pRg st="8" end="8"/>
+                                            </p:txEl>
+                                          </p:spTgt>
+                                        </p:tgtEl>
+                                        <p:attrNameLst>
+                                          <p:attrName>ppt_y</p:attrName>
+                                        </p:attrNameLst>
+                                      </p:cBhvr>
+                                      <p:tavLst>
+                                        <p:tav tm="0" fmla="#ppt_y-sin(pi*$)/81">
+                                          <p:val>
+                                            <p:fltVal val="0"/>
+                                          </p:val>
+                                        </p:tav>
+                                        <p:tav tm="100000">
+                                          <p:val>
+                                            <p:fltVal val="1"/>
+                                          </p:val>
+                                        </p:tav>
+                                      </p:tavLst>
+                                    </p:anim>
+                                    <p:animScale>
+                                      <p:cBhvr>
+                                        <p:cTn id="103" dur="26">
+                                          <p:stCondLst>
+                                            <p:cond delay="650"/>
+                                          </p:stCondLst>
+                                        </p:cTn>
+                                        <p:tgtEl>
+                                          <p:spTgt spid="3">
+                                            <p:txEl>
+                                              <p:pRg st="8" end="8"/>
+                                            </p:txEl>
+                                          </p:spTgt>
+                                        </p:tgtEl>
+                                      </p:cBhvr>
+                                      <p:to x="100000" y="60000"/>
+                                    </p:animScale>
+                                    <p:animScale>
+                                      <p:cBhvr>
+                                        <p:cTn id="104" dur="166" decel="50000">
+                                          <p:stCondLst>
+                                            <p:cond delay="676"/>
+                                          </p:stCondLst>
+                                        </p:cTn>
+                                        <p:tgtEl>
+                                          <p:spTgt spid="3">
+                                            <p:txEl>
+                                              <p:pRg st="8" end="8"/>
+                                            </p:txEl>
+                                          </p:spTgt>
+                                        </p:tgtEl>
+                                      </p:cBhvr>
+                                      <p:to x="100000" y="100000"/>
+                                    </p:animScale>
+                                    <p:animScale>
+                                      <p:cBhvr>
+                                        <p:cTn id="105" dur="26">
+                                          <p:stCondLst>
+                                            <p:cond delay="1312"/>
+                                          </p:stCondLst>
+                                        </p:cTn>
+                                        <p:tgtEl>
+                                          <p:spTgt spid="3">
+                                            <p:txEl>
+                                              <p:pRg st="8" end="8"/>
+                                            </p:txEl>
+                                          </p:spTgt>
+                                        </p:tgtEl>
+                                      </p:cBhvr>
+                                      <p:to x="100000" y="80000"/>
+                                    </p:animScale>
+                                    <p:animScale>
+                                      <p:cBhvr>
+                                        <p:cTn id="106" dur="166" decel="50000">
+                                          <p:stCondLst>
+                                            <p:cond delay="1338"/>
+                                          </p:stCondLst>
+                                        </p:cTn>
+                                        <p:tgtEl>
+                                          <p:spTgt spid="3">
+                                            <p:txEl>
+                                              <p:pRg st="8" end="8"/>
+                                            </p:txEl>
+                                          </p:spTgt>
+                                        </p:tgtEl>
+                                      </p:cBhvr>
+                                      <p:to x="100000" y="100000"/>
+                                    </p:animScale>
+                                    <p:animScale>
+                                      <p:cBhvr>
+                                        <p:cTn id="107" dur="26">
+                                          <p:stCondLst>
+                                            <p:cond delay="1642"/>
+                                          </p:stCondLst>
+                                        </p:cTn>
+                                        <p:tgtEl>
+                                          <p:spTgt spid="3">
+                                            <p:txEl>
+                                              <p:pRg st="8" end="8"/>
+                                            </p:txEl>
+                                          </p:spTgt>
+                                        </p:tgtEl>
+                                      </p:cBhvr>
+                                      <p:to x="100000" y="90000"/>
+                                    </p:animScale>
+                                    <p:animScale>
+                                      <p:cBhvr>
+                                        <p:cTn id="108" dur="166" decel="50000">
+                                          <p:stCondLst>
+                                            <p:cond delay="1668"/>
+                                          </p:stCondLst>
+                                        </p:cTn>
+                                        <p:tgtEl>
+                                          <p:spTgt spid="3">
+                                            <p:txEl>
+                                              <p:pRg st="8" end="8"/>
+                                            </p:txEl>
+                                          </p:spTgt>
+                                        </p:tgtEl>
+                                      </p:cBhvr>
+                                      <p:to x="100000" y="100000"/>
+                                    </p:animScale>
+                                    <p:animScale>
+                                      <p:cBhvr>
+                                        <p:cTn id="109" dur="26">
+                                          <p:stCondLst>
+                                            <p:cond delay="1808"/>
+                                          </p:stCondLst>
+                                        </p:cTn>
+                                        <p:tgtEl>
+                                          <p:spTgt spid="3">
+                                            <p:txEl>
+                                              <p:pRg st="8" end="8"/>
+                                            </p:txEl>
+                                          </p:spTgt>
+                                        </p:tgtEl>
+                                      </p:cBhvr>
+                                      <p:to x="100000" y="95000"/>
+                                    </p:animScale>
+                                    <p:animScale>
+                                      <p:cBhvr>
+                                        <p:cTn id="110" dur="166" decel="50000">
+                                          <p:stCondLst>
+                                            <p:cond delay="1834"/>
+                                          </p:stCondLst>
+                                        </p:cTn>
+                                        <p:tgtEl>
+                                          <p:spTgt spid="3">
+                                            <p:txEl>
+                                              <p:pRg st="8" end="8"/>
+                                            </p:txEl>
+                                          </p:spTgt>
+                                        </p:tgtEl>
+                                      </p:cBhvr>
+                                      <p:to x="100000" y="100000"/>
+                                    </p:animScale>
                                   </p:childTnLst>
                                 </p:cTn>
                               </p:par>
